--- a/doc/Apresentação PUC.pptx
+++ b/doc/Apresentação PUC.pptx
@@ -4,16 +4,15 @@
   <p:sldMasterIdLst>
     <p:sldMasterId id="2147483648" r:id="rId1"/>
   </p:sldMasterIdLst>
+  <p:notesMasterIdLst>
+    <p:notesMasterId r:id="rId7"/>
+  </p:notesMasterIdLst>
   <p:sldIdLst>
-    <p:sldId id="260" r:id="rId2"/>
-    <p:sldId id="256" r:id="rId3"/>
-    <p:sldId id="257" r:id="rId4"/>
-    <p:sldId id="259" r:id="rId5"/>
-    <p:sldId id="270" r:id="rId6"/>
-    <p:sldId id="268" r:id="rId7"/>
-    <p:sldId id="264" r:id="rId8"/>
-    <p:sldId id="265" r:id="rId9"/>
-    <p:sldId id="266" r:id="rId10"/>
+    <p:sldId id="270" r:id="rId2"/>
+    <p:sldId id="268" r:id="rId3"/>
+    <p:sldId id="264" r:id="rId4"/>
+    <p:sldId id="265" r:id="rId5"/>
+    <p:sldId id="266" r:id="rId6"/>
   </p:sldIdLst>
   <p:sldSz cx="12192000" cy="6858000"/>
   <p:notesSz cx="6858000" cy="9144000"/>
@@ -120,6 +119,440 @@
 </p:presentation>
 </file>
 
+<file path=ppt/notesMasters/notesMaster1.xml><?xml version="1.0" encoding="utf-8"?>
+<p:notesMaster xmlns:a="http://schemas.openxmlformats.org/drawingml/2006/main" xmlns:r="http://schemas.openxmlformats.org/officeDocument/2006/relationships" xmlns:p="http://schemas.openxmlformats.org/presentationml/2006/main">
+  <p:cSld>
+    <p:bg>
+      <p:bgRef idx="1001">
+        <a:schemeClr val="bg1"/>
+      </p:bgRef>
+    </p:bg>
+    <p:spTree>
+      <p:nvGrpSpPr>
+        <p:cNvPr id="1" name=""/>
+        <p:cNvGrpSpPr/>
+        <p:nvPr/>
+      </p:nvGrpSpPr>
+      <p:grpSpPr>
+        <a:xfrm>
+          <a:off x="0" y="0"/>
+          <a:ext cx="0" cy="0"/>
+          <a:chOff x="0" y="0"/>
+          <a:chExt cx="0" cy="0"/>
+        </a:xfrm>
+      </p:grpSpPr>
+      <p:sp>
+        <p:nvSpPr>
+          <p:cNvPr id="2" name="Espaço Reservado para Cabeçalho 1"/>
+          <p:cNvSpPr>
+            <a:spLocks noGrp="1"/>
+          </p:cNvSpPr>
+          <p:nvPr>
+            <p:ph type="hdr" sz="quarter"/>
+          </p:nvPr>
+        </p:nvSpPr>
+        <p:spPr>
+          <a:xfrm>
+            <a:off x="0" y="0"/>
+            <a:ext cx="2971800" cy="458788"/>
+          </a:xfrm>
+          <a:prstGeom prst="rect">
+            <a:avLst/>
+          </a:prstGeom>
+        </p:spPr>
+        <p:txBody>
+          <a:bodyPr vert="horz" lIns="91440" tIns="45720" rIns="91440" bIns="45720" rtlCol="0"/>
+          <a:lstStyle>
+            <a:lvl1pPr algn="l">
+              <a:defRPr sz="1200"/>
+            </a:lvl1pPr>
+          </a:lstStyle>
+          <a:p>
+            <a:endParaRPr lang="pt-US"/>
+          </a:p>
+        </p:txBody>
+      </p:sp>
+      <p:sp>
+        <p:nvSpPr>
+          <p:cNvPr id="3" name="Espaço Reservado para Data 2"/>
+          <p:cNvSpPr>
+            <a:spLocks noGrp="1"/>
+          </p:cNvSpPr>
+          <p:nvPr>
+            <p:ph type="dt" idx="1"/>
+          </p:nvPr>
+        </p:nvSpPr>
+        <p:spPr>
+          <a:xfrm>
+            <a:off x="3884613" y="0"/>
+            <a:ext cx="2971800" cy="458788"/>
+          </a:xfrm>
+          <a:prstGeom prst="rect">
+            <a:avLst/>
+          </a:prstGeom>
+        </p:spPr>
+        <p:txBody>
+          <a:bodyPr vert="horz" lIns="91440" tIns="45720" rIns="91440" bIns="45720" rtlCol="0"/>
+          <a:lstStyle>
+            <a:lvl1pPr algn="r">
+              <a:defRPr sz="1200"/>
+            </a:lvl1pPr>
+          </a:lstStyle>
+          <a:p>
+            <a:fld id="{5C54759A-A687-1440-8ACE-C53511491BA0}" type="datetimeFigureOut">
+              <a:rPr lang="pt-US" smtClean="0"/>
+              <a:t>09/08/2022</a:t>
+            </a:fld>
+            <a:endParaRPr lang="pt-US"/>
+          </a:p>
+        </p:txBody>
+      </p:sp>
+      <p:sp>
+        <p:nvSpPr>
+          <p:cNvPr id="4" name="Espaço Reservado para Imagem de Slide 3"/>
+          <p:cNvSpPr>
+            <a:spLocks noGrp="1" noRot="1" noChangeAspect="1"/>
+          </p:cNvSpPr>
+          <p:nvPr>
+            <p:ph type="sldImg" idx="2"/>
+          </p:nvPr>
+        </p:nvSpPr>
+        <p:spPr>
+          <a:xfrm>
+            <a:off x="685800" y="1143000"/>
+            <a:ext cx="5486400" cy="3086100"/>
+          </a:xfrm>
+          <a:prstGeom prst="rect">
+            <a:avLst/>
+          </a:prstGeom>
+          <a:noFill/>
+          <a:ln w="12700">
+            <a:solidFill>
+              <a:prstClr val="black"/>
+            </a:solidFill>
+          </a:ln>
+        </p:spPr>
+        <p:txBody>
+          <a:bodyPr vert="horz" lIns="91440" tIns="45720" rIns="91440" bIns="45720" rtlCol="0" anchor="ctr"/>
+          <a:lstStyle/>
+          <a:p>
+            <a:endParaRPr lang="pt-US"/>
+          </a:p>
+        </p:txBody>
+      </p:sp>
+      <p:sp>
+        <p:nvSpPr>
+          <p:cNvPr id="5" name="Espaço Reservado para Anotações 4"/>
+          <p:cNvSpPr>
+            <a:spLocks noGrp="1"/>
+          </p:cNvSpPr>
+          <p:nvPr>
+            <p:ph type="body" sz="quarter" idx="3"/>
+          </p:nvPr>
+        </p:nvSpPr>
+        <p:spPr>
+          <a:xfrm>
+            <a:off x="685800" y="4400550"/>
+            <a:ext cx="5486400" cy="3600450"/>
+          </a:xfrm>
+          <a:prstGeom prst="rect">
+            <a:avLst/>
+          </a:prstGeom>
+        </p:spPr>
+        <p:txBody>
+          <a:bodyPr vert="horz" lIns="91440" tIns="45720" rIns="91440" bIns="45720" rtlCol="0"/>
+          <a:lstStyle/>
+          <a:p>
+            <a:pPr lvl="0"/>
+            <a:r>
+              <a:rPr lang="pt-BR"/>
+              <a:t>Clique para editar os estilos de texto Mestres</a:t>
+            </a:r>
+          </a:p>
+          <a:p>
+            <a:pPr lvl="1"/>
+            <a:r>
+              <a:rPr lang="pt-BR"/>
+              <a:t>Segundo nível</a:t>
+            </a:r>
+          </a:p>
+          <a:p>
+            <a:pPr lvl="2"/>
+            <a:r>
+              <a:rPr lang="pt-BR"/>
+              <a:t>Terceiro nível</a:t>
+            </a:r>
+          </a:p>
+          <a:p>
+            <a:pPr lvl="3"/>
+            <a:r>
+              <a:rPr lang="pt-BR"/>
+              <a:t>Quarto nível</a:t>
+            </a:r>
+          </a:p>
+          <a:p>
+            <a:pPr lvl="4"/>
+            <a:r>
+              <a:rPr lang="pt-BR"/>
+              <a:t>Quinto nível</a:t>
+            </a:r>
+            <a:endParaRPr lang="pt-US"/>
+          </a:p>
+        </p:txBody>
+      </p:sp>
+      <p:sp>
+        <p:nvSpPr>
+          <p:cNvPr id="6" name="Espaço Reservado para Rodapé 5"/>
+          <p:cNvSpPr>
+            <a:spLocks noGrp="1"/>
+          </p:cNvSpPr>
+          <p:nvPr>
+            <p:ph type="ftr" sz="quarter" idx="4"/>
+          </p:nvPr>
+        </p:nvSpPr>
+        <p:spPr>
+          <a:xfrm>
+            <a:off x="0" y="8685213"/>
+            <a:ext cx="2971800" cy="458787"/>
+          </a:xfrm>
+          <a:prstGeom prst="rect">
+            <a:avLst/>
+          </a:prstGeom>
+        </p:spPr>
+        <p:txBody>
+          <a:bodyPr vert="horz" lIns="91440" tIns="45720" rIns="91440" bIns="45720" rtlCol="0" anchor="b"/>
+          <a:lstStyle>
+            <a:lvl1pPr algn="l">
+              <a:defRPr sz="1200"/>
+            </a:lvl1pPr>
+          </a:lstStyle>
+          <a:p>
+            <a:endParaRPr lang="pt-US"/>
+          </a:p>
+        </p:txBody>
+      </p:sp>
+      <p:sp>
+        <p:nvSpPr>
+          <p:cNvPr id="7" name="Espaço Reservado para Número de Slide 6"/>
+          <p:cNvSpPr>
+            <a:spLocks noGrp="1"/>
+          </p:cNvSpPr>
+          <p:nvPr>
+            <p:ph type="sldNum" sz="quarter" idx="5"/>
+          </p:nvPr>
+        </p:nvSpPr>
+        <p:spPr>
+          <a:xfrm>
+            <a:off x="3884613" y="8685213"/>
+            <a:ext cx="2971800" cy="458787"/>
+          </a:xfrm>
+          <a:prstGeom prst="rect">
+            <a:avLst/>
+          </a:prstGeom>
+        </p:spPr>
+        <p:txBody>
+          <a:bodyPr vert="horz" lIns="91440" tIns="45720" rIns="91440" bIns="45720" rtlCol="0" anchor="b"/>
+          <a:lstStyle>
+            <a:lvl1pPr algn="r">
+              <a:defRPr sz="1200"/>
+            </a:lvl1pPr>
+          </a:lstStyle>
+          <a:p>
+            <a:fld id="{5F73DFE1-9B20-FC49-A4D5-F78F9E55D352}" type="slidenum">
+              <a:rPr lang="pt-US" smtClean="0"/>
+              <a:t>‹nº›</a:t>
+            </a:fld>
+            <a:endParaRPr lang="pt-US"/>
+          </a:p>
+        </p:txBody>
+      </p:sp>
+    </p:spTree>
+    <p:extLst>
+      <p:ext uri="{BB962C8B-B14F-4D97-AF65-F5344CB8AC3E}">
+        <p14:creationId xmlns:p14="http://schemas.microsoft.com/office/powerpoint/2010/main" val="82943949"/>
+      </p:ext>
+    </p:extLst>
+  </p:cSld>
+  <p:clrMap bg1="lt1" tx1="dk1" bg2="lt2" tx2="dk2" accent1="accent1" accent2="accent2" accent3="accent3" accent4="accent4" accent5="accent5" accent6="accent6" hlink="hlink" folHlink="folHlink"/>
+  <p:notesStyle>
+    <a:lvl1pPr marL="0" algn="l" defTabSz="914400" rtl="0" eaLnBrk="1" latinLnBrk="0" hangingPunct="1">
+      <a:defRPr sz="1200" kern="1200">
+        <a:solidFill>
+          <a:schemeClr val="tx1"/>
+        </a:solidFill>
+        <a:latin typeface="+mn-lt"/>
+        <a:ea typeface="+mn-ea"/>
+        <a:cs typeface="+mn-cs"/>
+      </a:defRPr>
+    </a:lvl1pPr>
+    <a:lvl2pPr marL="457200" algn="l" defTabSz="914400" rtl="0" eaLnBrk="1" latinLnBrk="0" hangingPunct="1">
+      <a:defRPr sz="1200" kern="1200">
+        <a:solidFill>
+          <a:schemeClr val="tx1"/>
+        </a:solidFill>
+        <a:latin typeface="+mn-lt"/>
+        <a:ea typeface="+mn-ea"/>
+        <a:cs typeface="+mn-cs"/>
+      </a:defRPr>
+    </a:lvl2pPr>
+    <a:lvl3pPr marL="914400" algn="l" defTabSz="914400" rtl="0" eaLnBrk="1" latinLnBrk="0" hangingPunct="1">
+      <a:defRPr sz="1200" kern="1200">
+        <a:solidFill>
+          <a:schemeClr val="tx1"/>
+        </a:solidFill>
+        <a:latin typeface="+mn-lt"/>
+        <a:ea typeface="+mn-ea"/>
+        <a:cs typeface="+mn-cs"/>
+      </a:defRPr>
+    </a:lvl3pPr>
+    <a:lvl4pPr marL="1371600" algn="l" defTabSz="914400" rtl="0" eaLnBrk="1" latinLnBrk="0" hangingPunct="1">
+      <a:defRPr sz="1200" kern="1200">
+        <a:solidFill>
+          <a:schemeClr val="tx1"/>
+        </a:solidFill>
+        <a:latin typeface="+mn-lt"/>
+        <a:ea typeface="+mn-ea"/>
+        <a:cs typeface="+mn-cs"/>
+      </a:defRPr>
+    </a:lvl4pPr>
+    <a:lvl5pPr marL="1828800" algn="l" defTabSz="914400" rtl="0" eaLnBrk="1" latinLnBrk="0" hangingPunct="1">
+      <a:defRPr sz="1200" kern="1200">
+        <a:solidFill>
+          <a:schemeClr val="tx1"/>
+        </a:solidFill>
+        <a:latin typeface="+mn-lt"/>
+        <a:ea typeface="+mn-ea"/>
+        <a:cs typeface="+mn-cs"/>
+      </a:defRPr>
+    </a:lvl5pPr>
+    <a:lvl6pPr marL="2286000" algn="l" defTabSz="914400" rtl="0" eaLnBrk="1" latinLnBrk="0" hangingPunct="1">
+      <a:defRPr sz="1200" kern="1200">
+        <a:solidFill>
+          <a:schemeClr val="tx1"/>
+        </a:solidFill>
+        <a:latin typeface="+mn-lt"/>
+        <a:ea typeface="+mn-ea"/>
+        <a:cs typeface="+mn-cs"/>
+      </a:defRPr>
+    </a:lvl6pPr>
+    <a:lvl7pPr marL="2743200" algn="l" defTabSz="914400" rtl="0" eaLnBrk="1" latinLnBrk="0" hangingPunct="1">
+      <a:defRPr sz="1200" kern="1200">
+        <a:solidFill>
+          <a:schemeClr val="tx1"/>
+        </a:solidFill>
+        <a:latin typeface="+mn-lt"/>
+        <a:ea typeface="+mn-ea"/>
+        <a:cs typeface="+mn-cs"/>
+      </a:defRPr>
+    </a:lvl7pPr>
+    <a:lvl8pPr marL="3200400" algn="l" defTabSz="914400" rtl="0" eaLnBrk="1" latinLnBrk="0" hangingPunct="1">
+      <a:defRPr sz="1200" kern="1200">
+        <a:solidFill>
+          <a:schemeClr val="tx1"/>
+        </a:solidFill>
+        <a:latin typeface="+mn-lt"/>
+        <a:ea typeface="+mn-ea"/>
+        <a:cs typeface="+mn-cs"/>
+      </a:defRPr>
+    </a:lvl8pPr>
+    <a:lvl9pPr marL="3657600" algn="l" defTabSz="914400" rtl="0" eaLnBrk="1" latinLnBrk="0" hangingPunct="1">
+      <a:defRPr sz="1200" kern="1200">
+        <a:solidFill>
+          <a:schemeClr val="tx1"/>
+        </a:solidFill>
+        <a:latin typeface="+mn-lt"/>
+        <a:ea typeface="+mn-ea"/>
+        <a:cs typeface="+mn-cs"/>
+      </a:defRPr>
+    </a:lvl9pPr>
+  </p:notesStyle>
+</p:notesMaster>
+</file>
+
+<file path=ppt/notesSlides/notesSlide1.xml><?xml version="1.0" encoding="utf-8"?>
+<p:notes xmlns:a="http://schemas.openxmlformats.org/drawingml/2006/main" xmlns:r="http://schemas.openxmlformats.org/officeDocument/2006/relationships" xmlns:p="http://schemas.openxmlformats.org/presentationml/2006/main">
+  <p:cSld>
+    <p:spTree>
+      <p:nvGrpSpPr>
+        <p:cNvPr id="1" name=""/>
+        <p:cNvGrpSpPr/>
+        <p:nvPr/>
+      </p:nvGrpSpPr>
+      <p:grpSpPr>
+        <a:xfrm>
+          <a:off x="0" y="0"/>
+          <a:ext cx="0" cy="0"/>
+          <a:chOff x="0" y="0"/>
+          <a:chExt cx="0" cy="0"/>
+        </a:xfrm>
+      </p:grpSpPr>
+      <p:sp>
+        <p:nvSpPr>
+          <p:cNvPr id="2" name="Espaço Reservado para Imagem de Slide 1"/>
+          <p:cNvSpPr>
+            <a:spLocks noGrp="1" noRot="1" noChangeAspect="1"/>
+          </p:cNvSpPr>
+          <p:nvPr>
+            <p:ph type="sldImg"/>
+          </p:nvPr>
+        </p:nvSpPr>
+        <p:spPr/>
+      </p:sp>
+      <p:sp>
+        <p:nvSpPr>
+          <p:cNvPr id="3" name="Espaço Reservado para Anotações 2"/>
+          <p:cNvSpPr>
+            <a:spLocks noGrp="1"/>
+          </p:cNvSpPr>
+          <p:nvPr>
+            <p:ph type="body" idx="1"/>
+          </p:nvPr>
+        </p:nvSpPr>
+        <p:spPr/>
+        <p:txBody>
+          <a:bodyPr/>
+          <a:lstStyle/>
+          <a:p>
+            <a:endParaRPr lang="pt-US" dirty="0"/>
+          </a:p>
+        </p:txBody>
+      </p:sp>
+      <p:sp>
+        <p:nvSpPr>
+          <p:cNvPr id="4" name="Espaço Reservado para Número de Slide 3"/>
+          <p:cNvSpPr>
+            <a:spLocks noGrp="1"/>
+          </p:cNvSpPr>
+          <p:nvPr>
+            <p:ph type="sldNum" sz="quarter" idx="5"/>
+          </p:nvPr>
+        </p:nvSpPr>
+        <p:spPr/>
+        <p:txBody>
+          <a:bodyPr/>
+          <a:lstStyle/>
+          <a:p>
+            <a:fld id="{5F73DFE1-9B20-FC49-A4D5-F78F9E55D352}" type="slidenum">
+              <a:rPr lang="pt-US" smtClean="0"/>
+              <a:t>1</a:t>
+            </a:fld>
+            <a:endParaRPr lang="pt-US"/>
+          </a:p>
+        </p:txBody>
+      </p:sp>
+    </p:spTree>
+    <p:extLst>
+      <p:ext uri="{BB962C8B-B14F-4D97-AF65-F5344CB8AC3E}">
+        <p14:creationId xmlns:p14="http://schemas.microsoft.com/office/powerpoint/2010/main" val="2489190915"/>
+      </p:ext>
+    </p:extLst>
+  </p:cSld>
+  <p:clrMapOvr>
+    <a:masterClrMapping/>
+  </p:clrMapOvr>
+</p:notes>
+</file>
+
 <file path=ppt/slideLayouts/slideLayout1.xml><?xml version="1.0" encoding="utf-8"?>
 <p:sldLayout xmlns:a="http://schemas.openxmlformats.org/drawingml/2006/main" xmlns:r="http://schemas.openxmlformats.org/officeDocument/2006/relationships" xmlns:p="http://schemas.openxmlformats.org/presentationml/2006/main" type="title" preserve="1">
   <p:cSld name="Slide de Título">
@@ -269,7 +702,7 @@
           <a:p>
             <a:fld id="{87222DE9-06E7-304C-96F7-C54F5AF914F8}" type="datetimeFigureOut">
               <a:rPr lang="pt-US" smtClean="0"/>
-              <a:t>08/08/2022</a:t>
+              <a:t>09/08/2022</a:t>
             </a:fld>
             <a:endParaRPr lang="pt-US"/>
           </a:p>
@@ -469,7 +902,7 @@
           <a:p>
             <a:fld id="{87222DE9-06E7-304C-96F7-C54F5AF914F8}" type="datetimeFigureOut">
               <a:rPr lang="pt-US" smtClean="0"/>
-              <a:t>08/08/2022</a:t>
+              <a:t>09/08/2022</a:t>
             </a:fld>
             <a:endParaRPr lang="pt-US"/>
           </a:p>
@@ -679,7 +1112,7 @@
           <a:p>
             <a:fld id="{87222DE9-06E7-304C-96F7-C54F5AF914F8}" type="datetimeFigureOut">
               <a:rPr lang="pt-US" smtClean="0"/>
-              <a:t>08/08/2022</a:t>
+              <a:t>09/08/2022</a:t>
             </a:fld>
             <a:endParaRPr lang="pt-US"/>
           </a:p>
@@ -879,7 +1312,7 @@
           <a:p>
             <a:fld id="{87222DE9-06E7-304C-96F7-C54F5AF914F8}" type="datetimeFigureOut">
               <a:rPr lang="pt-US" smtClean="0"/>
-              <a:t>08/08/2022</a:t>
+              <a:t>09/08/2022</a:t>
             </a:fld>
             <a:endParaRPr lang="pt-US"/>
           </a:p>
@@ -1155,7 +1588,7 @@
           <a:p>
             <a:fld id="{87222DE9-06E7-304C-96F7-C54F5AF914F8}" type="datetimeFigureOut">
               <a:rPr lang="pt-US" smtClean="0"/>
-              <a:t>08/08/2022</a:t>
+              <a:t>09/08/2022</a:t>
             </a:fld>
             <a:endParaRPr lang="pt-US"/>
           </a:p>
@@ -1423,7 +1856,7 @@
           <a:p>
             <a:fld id="{87222DE9-06E7-304C-96F7-C54F5AF914F8}" type="datetimeFigureOut">
               <a:rPr lang="pt-US" smtClean="0"/>
-              <a:t>08/08/2022</a:t>
+              <a:t>09/08/2022</a:t>
             </a:fld>
             <a:endParaRPr lang="pt-US"/>
           </a:p>
@@ -1838,7 +2271,7 @@
           <a:p>
             <a:fld id="{87222DE9-06E7-304C-96F7-C54F5AF914F8}" type="datetimeFigureOut">
               <a:rPr lang="pt-US" smtClean="0"/>
-              <a:t>08/08/2022</a:t>
+              <a:t>09/08/2022</a:t>
             </a:fld>
             <a:endParaRPr lang="pt-US"/>
           </a:p>
@@ -1980,7 +2413,7 @@
           <a:p>
             <a:fld id="{87222DE9-06E7-304C-96F7-C54F5AF914F8}" type="datetimeFigureOut">
               <a:rPr lang="pt-US" smtClean="0"/>
-              <a:t>08/08/2022</a:t>
+              <a:t>09/08/2022</a:t>
             </a:fld>
             <a:endParaRPr lang="pt-US"/>
           </a:p>
@@ -2093,7 +2526,7 @@
           <a:p>
             <a:fld id="{87222DE9-06E7-304C-96F7-C54F5AF914F8}" type="datetimeFigureOut">
               <a:rPr lang="pt-US" smtClean="0"/>
-              <a:t>08/08/2022</a:t>
+              <a:t>09/08/2022</a:t>
             </a:fld>
             <a:endParaRPr lang="pt-US"/>
           </a:p>
@@ -2406,7 +2839,7 @@
           <a:p>
             <a:fld id="{87222DE9-06E7-304C-96F7-C54F5AF914F8}" type="datetimeFigureOut">
               <a:rPr lang="pt-US" smtClean="0"/>
-              <a:t>08/08/2022</a:t>
+              <a:t>09/08/2022</a:t>
             </a:fld>
             <a:endParaRPr lang="pt-US"/>
           </a:p>
@@ -2695,7 +3128,7 @@
           <a:p>
             <a:fld id="{87222DE9-06E7-304C-96F7-C54F5AF914F8}" type="datetimeFigureOut">
               <a:rPr lang="pt-US" smtClean="0"/>
-              <a:t>08/08/2022</a:t>
+              <a:t>09/08/2022</a:t>
             </a:fld>
             <a:endParaRPr lang="pt-US"/>
           </a:p>
@@ -2938,7 +3371,7 @@
           <a:p>
             <a:fld id="{87222DE9-06E7-304C-96F7-C54F5AF914F8}" type="datetimeFigureOut">
               <a:rPr lang="pt-US" smtClean="0"/>
-              <a:t>08/08/2022</a:t>
+              <a:t>09/08/2022</a:t>
             </a:fld>
             <a:endParaRPr lang="pt-US"/>
           </a:p>
@@ -3363,4752 +3796,6 @@
           <a:chExt cx="0" cy="0"/>
         </a:xfrm>
       </p:grpSpPr>
-      <p:sp useBgFill="1">
-        <p:nvSpPr>
-          <p:cNvPr id="19" name="Rectangle 18">
-            <a:extLst>
-              <a:ext uri="{FF2B5EF4-FFF2-40B4-BE49-F238E27FC236}">
-                <a16:creationId xmlns:a16="http://schemas.microsoft.com/office/drawing/2014/main" id="{A2679492-7988-4050-9056-542444452411}"/>
-              </a:ext>
-              <a:ext uri="{C183D7F6-B498-43B3-948B-1728B52AA6E4}">
-                <adec:decorative xmlns:adec="http://schemas.microsoft.com/office/drawing/2017/decorative" val="1"/>
-              </a:ext>
-            </a:extLst>
-          </p:cNvPr>
-          <p:cNvSpPr>
-            <a:spLocks noGrp="1" noRot="1" noChangeAspect="1" noMove="1" noResize="1" noEditPoints="1" noAdjustHandles="1" noChangeArrowheads="1" noChangeShapeType="1" noTextEdit="1"/>
-          </p:cNvSpPr>
-          <p:nvPr>
-            <p:extLst>
-              <p:ext uri="{386F3935-93C4-4BCD-93E2-E3B085C9AB24}">
-                <p16:designElem xmlns:p16="http://schemas.microsoft.com/office/powerpoint/2015/main" val="1"/>
-              </p:ext>
-            </p:extLst>
-          </p:nvPr>
-        </p:nvSpPr>
-        <p:spPr>
-          <a:xfrm>
-            <a:off x="0" y="0"/>
-            <a:ext cx="12192000" cy="6858000"/>
-          </a:xfrm>
-          <a:prstGeom prst="rect">
-            <a:avLst/>
-          </a:prstGeom>
-          <a:ln>
-            <a:noFill/>
-          </a:ln>
-        </p:spPr>
-        <p:style>
-          <a:lnRef idx="2">
-            <a:schemeClr val="accent1">
-              <a:shade val="50000"/>
-            </a:schemeClr>
-          </a:lnRef>
-          <a:fillRef idx="1">
-            <a:schemeClr val="accent1"/>
-          </a:fillRef>
-          <a:effectRef idx="0">
-            <a:schemeClr val="accent1"/>
-          </a:effectRef>
-          <a:fontRef idx="minor">
-            <a:schemeClr val="lt1"/>
-          </a:fontRef>
-        </p:style>
-        <p:txBody>
-          <a:bodyPr rtlCol="0" anchor="ctr"/>
-          <a:lstStyle/>
-          <a:p>
-            <a:pPr algn="ctr"/>
-            <a:endParaRPr lang="en-US" dirty="0"/>
-          </a:p>
-        </p:txBody>
-      </p:sp>
-      <p:sp>
-        <p:nvSpPr>
-          <p:cNvPr id="21" name="Rectangle 20">
-            <a:extLst>
-              <a:ext uri="{FF2B5EF4-FFF2-40B4-BE49-F238E27FC236}">
-                <a16:creationId xmlns:a16="http://schemas.microsoft.com/office/drawing/2014/main" id="{B091B163-7D61-4891-ABCF-5C13D9C418D0}"/>
-              </a:ext>
-              <a:ext uri="{C183D7F6-B498-43B3-948B-1728B52AA6E4}">
-                <adec:decorative xmlns:adec="http://schemas.microsoft.com/office/drawing/2017/decorative" val="1"/>
-              </a:ext>
-            </a:extLst>
-          </p:cNvPr>
-          <p:cNvSpPr>
-            <a:spLocks noGrp="1" noRot="1" noChangeAspect="1" noMove="1" noResize="1" noEditPoints="1" noAdjustHandles="1" noChangeArrowheads="1" noChangeShapeType="1" noTextEdit="1"/>
-          </p:cNvSpPr>
-          <p:nvPr>
-            <p:extLst>
-              <p:ext uri="{386F3935-93C4-4BCD-93E2-E3B085C9AB24}">
-                <p16:designElem xmlns:p16="http://schemas.microsoft.com/office/powerpoint/2015/main" val="1"/>
-              </p:ext>
-            </p:extLst>
-          </p:nvPr>
-        </p:nvSpPr>
-        <p:spPr>
-          <a:xfrm>
-            <a:off x="0" y="0"/>
-            <a:ext cx="5779911" cy="6858000"/>
-          </a:xfrm>
-          <a:prstGeom prst="rect">
-            <a:avLst/>
-          </a:prstGeom>
-          <a:gradFill flip="none" rotWithShape="1">
-            <a:gsLst>
-              <a:gs pos="0">
-                <a:schemeClr val="accent1"/>
-              </a:gs>
-              <a:gs pos="100000">
-                <a:schemeClr val="accent2"/>
-              </a:gs>
-            </a:gsLst>
-            <a:lin ang="2700000" scaled="1"/>
-            <a:tileRect/>
-          </a:gradFill>
-          <a:ln>
-            <a:noFill/>
-          </a:ln>
-        </p:spPr>
-        <p:style>
-          <a:lnRef idx="2">
-            <a:schemeClr val="accent1">
-              <a:shade val="50000"/>
-            </a:schemeClr>
-          </a:lnRef>
-          <a:fillRef idx="1">
-            <a:schemeClr val="accent1"/>
-          </a:fillRef>
-          <a:effectRef idx="0">
-            <a:schemeClr val="accent1"/>
-          </a:effectRef>
-          <a:fontRef idx="minor">
-            <a:schemeClr val="lt1"/>
-          </a:fontRef>
-        </p:style>
-        <p:txBody>
-          <a:bodyPr rtlCol="0" anchor="ctr"/>
-          <a:lstStyle/>
-          <a:p>
-            <a:pPr algn="ctr"/>
-            <a:endParaRPr lang="en-US" dirty="0">
-              <a:solidFill>
-                <a:schemeClr val="tx1"/>
-              </a:solidFill>
-            </a:endParaRPr>
-          </a:p>
-        </p:txBody>
-      </p:sp>
-      <p:sp>
-        <p:nvSpPr>
-          <p:cNvPr id="4" name="Título 3">
-            <a:extLst>
-              <a:ext uri="{FF2B5EF4-FFF2-40B4-BE49-F238E27FC236}">
-                <a16:creationId xmlns:a16="http://schemas.microsoft.com/office/drawing/2014/main" id="{7BDEC497-1DFD-0F17-574D-53C019918FAE}"/>
-              </a:ext>
-            </a:extLst>
-          </p:cNvPr>
-          <p:cNvSpPr>
-            <a:spLocks noGrp="1"/>
-          </p:cNvSpPr>
-          <p:nvPr>
-            <p:ph type="title"/>
-          </p:nvPr>
-        </p:nvSpPr>
-        <p:spPr>
-          <a:xfrm>
-            <a:off x="1188069" y="381935"/>
-            <a:ext cx="4008583" cy="5974414"/>
-          </a:xfrm>
-        </p:spPr>
-        <p:txBody>
-          <a:bodyPr anchor="ctr">
-            <a:normAutofit/>
-          </a:bodyPr>
-          <a:lstStyle/>
-          <a:p>
-            <a:r>
-              <a:rPr lang="pt-US" sz="7400">
-                <a:solidFill>
-                  <a:srgbClr val="FFFFFF"/>
-                </a:solidFill>
-              </a:rPr>
-              <a:t>Etapa 1 – Projeto Integrado</a:t>
-            </a:r>
-          </a:p>
-        </p:txBody>
-      </p:sp>
-      <p:grpSp>
-        <p:nvGrpSpPr>
-          <p:cNvPr id="23" name="Group 22">
-            <a:extLst>
-              <a:ext uri="{FF2B5EF4-FFF2-40B4-BE49-F238E27FC236}">
-                <a16:creationId xmlns:a16="http://schemas.microsoft.com/office/drawing/2014/main" id="{0474DF76-993E-44DE-AFB0-C416182ACECF}"/>
-              </a:ext>
-              <a:ext uri="{C183D7F6-B498-43B3-948B-1728B52AA6E4}">
-                <adec:decorative xmlns:adec="http://schemas.microsoft.com/office/drawing/2017/decorative" val="1"/>
-              </a:ext>
-            </a:extLst>
-          </p:cNvPr>
-          <p:cNvGrpSpPr>
-            <a:grpSpLocks noGrp="1" noUngrp="1" noRot="1" noChangeAspect="1" noMove="1" noResize="1"/>
-          </p:cNvGrpSpPr>
-          <p:nvPr>
-            <p:extLst>
-              <p:ext uri="{386F3935-93C4-4BCD-93E2-E3B085C9AB24}">
-                <p16:designElem xmlns:p16="http://schemas.microsoft.com/office/powerpoint/2015/main" val="1"/>
-              </p:ext>
-            </p:extLst>
-          </p:nvPr>
-        </p:nvGrpSpPr>
-        <p:grpSpPr>
-          <a:xfrm>
-            <a:off x="613892" y="554152"/>
-            <a:ext cx="574177" cy="1075866"/>
-            <a:chOff x="613892" y="554152"/>
-            <a:chExt cx="574177" cy="1075866"/>
-          </a:xfrm>
-          <a:solidFill>
-            <a:srgbClr val="FFFFFF"/>
-          </a:solidFill>
-        </p:grpSpPr>
-        <p:sp>
-          <p:nvSpPr>
-            <p:cNvPr id="24" name="Graphic 11">
-              <a:extLst>
-                <a:ext uri="{FF2B5EF4-FFF2-40B4-BE49-F238E27FC236}">
-                  <a16:creationId xmlns:a16="http://schemas.microsoft.com/office/drawing/2014/main" id="{6CB927A4-E432-4310-9CD5-E89FF5063179}"/>
-                </a:ext>
-                <a:ext uri="{C183D7F6-B498-43B3-948B-1728B52AA6E4}">
-                  <adec:decorative xmlns:adec="http://schemas.microsoft.com/office/drawing/2017/decorative" val="1"/>
-                </a:ext>
-              </a:extLst>
-            </p:cNvPr>
-            <p:cNvSpPr/>
-            <p:nvPr>
-              <p:extLst>
-                <p:ext uri="{386F3935-93C4-4BCD-93E2-E3B085C9AB24}">
-                  <p16:designElem xmlns:p16="http://schemas.microsoft.com/office/powerpoint/2015/main" val="1"/>
-                </p:ext>
-              </p:extLst>
-            </p:nvPr>
-          </p:nvSpPr>
-          <p:spPr>
-            <a:xfrm>
-              <a:off x="633061" y="554152"/>
-              <a:ext cx="171515" cy="171515"/>
-            </a:xfrm>
-            <a:custGeom>
-              <a:avLst/>
-              <a:gdLst>
-                <a:gd name="connsiteX0" fmla="*/ 159874 w 171515"/>
-                <a:gd name="connsiteY0" fmla="*/ 74116 h 171515"/>
-                <a:gd name="connsiteX1" fmla="*/ 97399 w 171515"/>
-                <a:gd name="connsiteY1" fmla="*/ 74116 h 171515"/>
-                <a:gd name="connsiteX2" fmla="*/ 97399 w 171515"/>
-                <a:gd name="connsiteY2" fmla="*/ 11641 h 171515"/>
-                <a:gd name="connsiteX3" fmla="*/ 85758 w 171515"/>
-                <a:gd name="connsiteY3" fmla="*/ 0 h 171515"/>
-                <a:gd name="connsiteX4" fmla="*/ 74116 w 171515"/>
-                <a:gd name="connsiteY4" fmla="*/ 11641 h 171515"/>
-                <a:gd name="connsiteX5" fmla="*/ 74116 w 171515"/>
-                <a:gd name="connsiteY5" fmla="*/ 74116 h 171515"/>
-                <a:gd name="connsiteX6" fmla="*/ 11641 w 171515"/>
-                <a:gd name="connsiteY6" fmla="*/ 74116 h 171515"/>
-                <a:gd name="connsiteX7" fmla="*/ 0 w 171515"/>
-                <a:gd name="connsiteY7" fmla="*/ 85758 h 171515"/>
-                <a:gd name="connsiteX8" fmla="*/ 11641 w 171515"/>
-                <a:gd name="connsiteY8" fmla="*/ 97399 h 171515"/>
-                <a:gd name="connsiteX9" fmla="*/ 74116 w 171515"/>
-                <a:gd name="connsiteY9" fmla="*/ 97399 h 171515"/>
-                <a:gd name="connsiteX10" fmla="*/ 74116 w 171515"/>
-                <a:gd name="connsiteY10" fmla="*/ 159874 h 171515"/>
-                <a:gd name="connsiteX11" fmla="*/ 85758 w 171515"/>
-                <a:gd name="connsiteY11" fmla="*/ 171515 h 171515"/>
-                <a:gd name="connsiteX12" fmla="*/ 97399 w 171515"/>
-                <a:gd name="connsiteY12" fmla="*/ 159874 h 171515"/>
-                <a:gd name="connsiteX13" fmla="*/ 97399 w 171515"/>
-                <a:gd name="connsiteY13" fmla="*/ 97399 h 171515"/>
-                <a:gd name="connsiteX14" fmla="*/ 159874 w 171515"/>
-                <a:gd name="connsiteY14" fmla="*/ 97399 h 171515"/>
-                <a:gd name="connsiteX15" fmla="*/ 171515 w 171515"/>
-                <a:gd name="connsiteY15" fmla="*/ 85758 h 171515"/>
-                <a:gd name="connsiteX16" fmla="*/ 159874 w 171515"/>
-                <a:gd name="connsiteY16" fmla="*/ 74116 h 171515"/>
-              </a:gdLst>
-              <a:ahLst/>
-              <a:cxnLst>
-                <a:cxn ang="0">
-                  <a:pos x="connsiteX0" y="connsiteY0"/>
-                </a:cxn>
-                <a:cxn ang="0">
-                  <a:pos x="connsiteX1" y="connsiteY1"/>
-                </a:cxn>
-                <a:cxn ang="0">
-                  <a:pos x="connsiteX2" y="connsiteY2"/>
-                </a:cxn>
-                <a:cxn ang="0">
-                  <a:pos x="connsiteX3" y="connsiteY3"/>
-                </a:cxn>
-                <a:cxn ang="0">
-                  <a:pos x="connsiteX4" y="connsiteY4"/>
-                </a:cxn>
-                <a:cxn ang="0">
-                  <a:pos x="connsiteX5" y="connsiteY5"/>
-                </a:cxn>
-                <a:cxn ang="0">
-                  <a:pos x="connsiteX6" y="connsiteY6"/>
-                </a:cxn>
-                <a:cxn ang="0">
-                  <a:pos x="connsiteX7" y="connsiteY7"/>
-                </a:cxn>
-                <a:cxn ang="0">
-                  <a:pos x="connsiteX8" y="connsiteY8"/>
-                </a:cxn>
-                <a:cxn ang="0">
-                  <a:pos x="connsiteX9" y="connsiteY9"/>
-                </a:cxn>
-                <a:cxn ang="0">
-                  <a:pos x="connsiteX10" y="connsiteY10"/>
-                </a:cxn>
-                <a:cxn ang="0">
-                  <a:pos x="connsiteX11" y="connsiteY11"/>
-                </a:cxn>
-                <a:cxn ang="0">
-                  <a:pos x="connsiteX12" y="connsiteY12"/>
-                </a:cxn>
-                <a:cxn ang="0">
-                  <a:pos x="connsiteX13" y="connsiteY13"/>
-                </a:cxn>
-                <a:cxn ang="0">
-                  <a:pos x="connsiteX14" y="connsiteY14"/>
-                </a:cxn>
-                <a:cxn ang="0">
-                  <a:pos x="connsiteX15" y="connsiteY15"/>
-                </a:cxn>
-                <a:cxn ang="0">
-                  <a:pos x="connsiteX16" y="connsiteY16"/>
-                </a:cxn>
-              </a:cxnLst>
-              <a:rect l="l" t="t" r="r" b="b"/>
-              <a:pathLst>
-                <a:path w="171515" h="171515">
-                  <a:moveTo>
-                    <a:pt x="159874" y="74116"/>
-                  </a:moveTo>
-                  <a:lnTo>
-                    <a:pt x="97399" y="74116"/>
-                  </a:lnTo>
-                  <a:lnTo>
-                    <a:pt x="97399" y="11641"/>
-                  </a:lnTo>
-                  <a:cubicBezTo>
-                    <a:pt x="97399" y="5212"/>
-                    <a:pt x="92187" y="0"/>
-                    <a:pt x="85758" y="0"/>
-                  </a:cubicBezTo>
-                  <a:cubicBezTo>
-                    <a:pt x="79328" y="0"/>
-                    <a:pt x="74116" y="5212"/>
-                    <a:pt x="74116" y="11641"/>
-                  </a:cubicBezTo>
-                  <a:lnTo>
-                    <a:pt x="74116" y="74116"/>
-                  </a:lnTo>
-                  <a:lnTo>
-                    <a:pt x="11641" y="74116"/>
-                  </a:lnTo>
-                  <a:cubicBezTo>
-                    <a:pt x="5212" y="74116"/>
-                    <a:pt x="0" y="79328"/>
-                    <a:pt x="0" y="85758"/>
-                  </a:cubicBezTo>
-                  <a:cubicBezTo>
-                    <a:pt x="0" y="92187"/>
-                    <a:pt x="5212" y="97399"/>
-                    <a:pt x="11641" y="97399"/>
-                  </a:cubicBezTo>
-                  <a:lnTo>
-                    <a:pt x="74116" y="97399"/>
-                  </a:lnTo>
-                  <a:lnTo>
-                    <a:pt x="74116" y="159874"/>
-                  </a:lnTo>
-                  <a:cubicBezTo>
-                    <a:pt x="74116" y="166303"/>
-                    <a:pt x="79328" y="171515"/>
-                    <a:pt x="85758" y="171515"/>
-                  </a:cubicBezTo>
-                  <a:cubicBezTo>
-                    <a:pt x="92187" y="171515"/>
-                    <a:pt x="97399" y="166303"/>
-                    <a:pt x="97399" y="159874"/>
-                  </a:cubicBezTo>
-                  <a:lnTo>
-                    <a:pt x="97399" y="97399"/>
-                  </a:lnTo>
-                  <a:lnTo>
-                    <a:pt x="159874" y="97399"/>
-                  </a:lnTo>
-                  <a:cubicBezTo>
-                    <a:pt x="166303" y="97399"/>
-                    <a:pt x="171515" y="92187"/>
-                    <a:pt x="171515" y="85758"/>
-                  </a:cubicBezTo>
-                  <a:cubicBezTo>
-                    <a:pt x="171515" y="79328"/>
-                    <a:pt x="166303" y="74116"/>
-                    <a:pt x="159874" y="74116"/>
-                  </a:cubicBezTo>
-                  <a:close/>
-                </a:path>
-              </a:pathLst>
-            </a:custGeom>
-            <a:grpFill/>
-            <a:ln w="776" cap="flat">
-              <a:noFill/>
-              <a:prstDash val="solid"/>
-              <a:miter/>
-            </a:ln>
-          </p:spPr>
-          <p:txBody>
-            <a:bodyPr rtlCol="0" anchor="ctr"/>
-            <a:lstStyle/>
-            <a:p>
-              <a:endParaRPr lang="en-US" dirty="0"/>
-            </a:p>
-          </p:txBody>
-        </p:sp>
-        <p:sp>
-          <p:nvSpPr>
-            <p:cNvPr id="25" name="Graphic 10">
-              <a:extLst>
-                <a:ext uri="{FF2B5EF4-FFF2-40B4-BE49-F238E27FC236}">
-                  <a16:creationId xmlns:a16="http://schemas.microsoft.com/office/drawing/2014/main" id="{E3020543-B24B-4EC4-8FFC-8DD88EEA91A8}"/>
-                </a:ext>
-                <a:ext uri="{C183D7F6-B498-43B3-948B-1728B52AA6E4}">
-                  <adec:decorative xmlns:adec="http://schemas.microsoft.com/office/drawing/2017/decorative" val="1"/>
-                </a:ext>
-              </a:extLst>
-            </p:cNvPr>
-            <p:cNvSpPr/>
-            <p:nvPr>
-              <p:extLst>
-                <p:ext uri="{386F3935-93C4-4BCD-93E2-E3B085C9AB24}">
-                  <p16:designElem xmlns:p16="http://schemas.microsoft.com/office/powerpoint/2015/main" val="1"/>
-                </p:ext>
-              </p:extLst>
-            </p:nvPr>
-          </p:nvSpPr>
-          <p:spPr>
-            <a:xfrm>
-              <a:off x="1075643" y="837005"/>
-              <a:ext cx="112426" cy="112426"/>
-            </a:xfrm>
-            <a:custGeom>
-              <a:avLst/>
-              <a:gdLst>
-                <a:gd name="connsiteX0" fmla="*/ 112426 w 112426"/>
-                <a:gd name="connsiteY0" fmla="*/ 56213 h 112426"/>
-                <a:gd name="connsiteX1" fmla="*/ 56213 w 112426"/>
-                <a:gd name="connsiteY1" fmla="*/ 112426 h 112426"/>
-                <a:gd name="connsiteX2" fmla="*/ 0 w 112426"/>
-                <a:gd name="connsiteY2" fmla="*/ 56213 h 112426"/>
-                <a:gd name="connsiteX3" fmla="*/ 56213 w 112426"/>
-                <a:gd name="connsiteY3" fmla="*/ 0 h 112426"/>
-                <a:gd name="connsiteX4" fmla="*/ 112426 w 112426"/>
-                <a:gd name="connsiteY4" fmla="*/ 56213 h 112426"/>
-              </a:gdLst>
-              <a:ahLst/>
-              <a:cxnLst>
-                <a:cxn ang="0">
-                  <a:pos x="connsiteX0" y="connsiteY0"/>
-                </a:cxn>
-                <a:cxn ang="0">
-                  <a:pos x="connsiteX1" y="connsiteY1"/>
-                </a:cxn>
-                <a:cxn ang="0">
-                  <a:pos x="connsiteX2" y="connsiteY2"/>
-                </a:cxn>
-                <a:cxn ang="0">
-                  <a:pos x="connsiteX3" y="connsiteY3"/>
-                </a:cxn>
-                <a:cxn ang="0">
-                  <a:pos x="connsiteX4" y="connsiteY4"/>
-                </a:cxn>
-              </a:cxnLst>
-              <a:rect l="l" t="t" r="r" b="b"/>
-              <a:pathLst>
-                <a:path w="112426" h="112426">
-                  <a:moveTo>
-                    <a:pt x="112426" y="56213"/>
-                  </a:moveTo>
-                  <a:cubicBezTo>
-                    <a:pt x="112426" y="87259"/>
-                    <a:pt x="87259" y="112426"/>
-                    <a:pt x="56213" y="112426"/>
-                  </a:cubicBezTo>
-                  <a:cubicBezTo>
-                    <a:pt x="25167" y="112426"/>
-                    <a:pt x="0" y="87259"/>
-                    <a:pt x="0" y="56213"/>
-                  </a:cubicBezTo>
-                  <a:cubicBezTo>
-                    <a:pt x="0" y="25167"/>
-                    <a:pt x="25167" y="0"/>
-                    <a:pt x="56213" y="0"/>
-                  </a:cubicBezTo>
-                  <a:cubicBezTo>
-                    <a:pt x="87259" y="0"/>
-                    <a:pt x="112426" y="25167"/>
-                    <a:pt x="112426" y="56213"/>
-                  </a:cubicBezTo>
-                  <a:close/>
-                </a:path>
-              </a:pathLst>
-            </a:custGeom>
-            <a:grpFill/>
-            <a:ln w="516" cap="flat">
-              <a:noFill/>
-              <a:prstDash val="solid"/>
-              <a:miter/>
-            </a:ln>
-          </p:spPr>
-          <p:txBody>
-            <a:bodyPr rtlCol="0" anchor="ctr"/>
-            <a:lstStyle/>
-            <a:p>
-              <a:endParaRPr lang="en-US" dirty="0"/>
-            </a:p>
-          </p:txBody>
-        </p:sp>
-        <p:sp>
-          <p:nvSpPr>
-            <p:cNvPr id="26" name="Graphic 12">
-              <a:extLst>
-                <a:ext uri="{FF2B5EF4-FFF2-40B4-BE49-F238E27FC236}">
-                  <a16:creationId xmlns:a16="http://schemas.microsoft.com/office/drawing/2014/main" id="{1453BF6C-B012-48B7-B4E8-6D7AC7C27D02}"/>
-                </a:ext>
-                <a:ext uri="{C183D7F6-B498-43B3-948B-1728B52AA6E4}">
-                  <adec:decorative xmlns:adec="http://schemas.microsoft.com/office/drawing/2017/decorative" val="1"/>
-                </a:ext>
-              </a:extLst>
-            </p:cNvPr>
-            <p:cNvSpPr/>
-            <p:nvPr>
-              <p:extLst>
-                <p:ext uri="{386F3935-93C4-4BCD-93E2-E3B085C9AB24}">
-                  <p16:designElem xmlns:p16="http://schemas.microsoft.com/office/powerpoint/2015/main" val="1"/>
-                </p:ext>
-              </p:extLst>
-            </p:nvPr>
-          </p:nvSpPr>
-          <p:spPr>
-            <a:xfrm>
-              <a:off x="613892" y="1472473"/>
-              <a:ext cx="157545" cy="157545"/>
-            </a:xfrm>
-            <a:custGeom>
-              <a:avLst/>
-              <a:gdLst>
-                <a:gd name="connsiteX0" fmla="*/ 78773 w 157545"/>
-                <a:gd name="connsiteY0" fmla="*/ 23283 h 157545"/>
-                <a:gd name="connsiteX1" fmla="*/ 134262 w 157545"/>
-                <a:gd name="connsiteY1" fmla="*/ 78773 h 157545"/>
-                <a:gd name="connsiteX2" fmla="*/ 78773 w 157545"/>
-                <a:gd name="connsiteY2" fmla="*/ 134262 h 157545"/>
-                <a:gd name="connsiteX3" fmla="*/ 23283 w 157545"/>
-                <a:gd name="connsiteY3" fmla="*/ 78773 h 157545"/>
-                <a:gd name="connsiteX4" fmla="*/ 78773 w 157545"/>
-                <a:gd name="connsiteY4" fmla="*/ 23283 h 157545"/>
-                <a:gd name="connsiteX5" fmla="*/ 78773 w 157545"/>
-                <a:gd name="connsiteY5" fmla="*/ 0 h 157545"/>
-                <a:gd name="connsiteX6" fmla="*/ 0 w 157545"/>
-                <a:gd name="connsiteY6" fmla="*/ 78773 h 157545"/>
-                <a:gd name="connsiteX7" fmla="*/ 78773 w 157545"/>
-                <a:gd name="connsiteY7" fmla="*/ 157545 h 157545"/>
-                <a:gd name="connsiteX8" fmla="*/ 157545 w 157545"/>
-                <a:gd name="connsiteY8" fmla="*/ 78773 h 157545"/>
-                <a:gd name="connsiteX9" fmla="*/ 78773 w 157545"/>
-                <a:gd name="connsiteY9" fmla="*/ 0 h 157545"/>
-              </a:gdLst>
-              <a:ahLst/>
-              <a:cxnLst>
-                <a:cxn ang="0">
-                  <a:pos x="connsiteX0" y="connsiteY0"/>
-                </a:cxn>
-                <a:cxn ang="0">
-                  <a:pos x="connsiteX1" y="connsiteY1"/>
-                </a:cxn>
-                <a:cxn ang="0">
-                  <a:pos x="connsiteX2" y="connsiteY2"/>
-                </a:cxn>
-                <a:cxn ang="0">
-                  <a:pos x="connsiteX3" y="connsiteY3"/>
-                </a:cxn>
-                <a:cxn ang="0">
-                  <a:pos x="connsiteX4" y="connsiteY4"/>
-                </a:cxn>
-                <a:cxn ang="0">
-                  <a:pos x="connsiteX5" y="connsiteY5"/>
-                </a:cxn>
-                <a:cxn ang="0">
-                  <a:pos x="connsiteX6" y="connsiteY6"/>
-                </a:cxn>
-                <a:cxn ang="0">
-                  <a:pos x="connsiteX7" y="connsiteY7"/>
-                </a:cxn>
-                <a:cxn ang="0">
-                  <a:pos x="connsiteX8" y="connsiteY8"/>
-                </a:cxn>
-                <a:cxn ang="0">
-                  <a:pos x="connsiteX9" y="connsiteY9"/>
-                </a:cxn>
-              </a:cxnLst>
-              <a:rect l="l" t="t" r="r" b="b"/>
-              <a:pathLst>
-                <a:path w="157545" h="157545">
-                  <a:moveTo>
-                    <a:pt x="78773" y="23283"/>
-                  </a:moveTo>
-                  <a:cubicBezTo>
-                    <a:pt x="109419" y="23283"/>
-                    <a:pt x="134262" y="48126"/>
-                    <a:pt x="134262" y="78773"/>
-                  </a:cubicBezTo>
-                  <a:cubicBezTo>
-                    <a:pt x="134262" y="109419"/>
-                    <a:pt x="109419" y="134262"/>
-                    <a:pt x="78773" y="134262"/>
-                  </a:cubicBezTo>
-                  <a:cubicBezTo>
-                    <a:pt x="48126" y="134262"/>
-                    <a:pt x="23283" y="109419"/>
-                    <a:pt x="23283" y="78773"/>
-                  </a:cubicBezTo>
-                  <a:cubicBezTo>
-                    <a:pt x="23312" y="48139"/>
-                    <a:pt x="48139" y="23312"/>
-                    <a:pt x="78773" y="23283"/>
-                  </a:cubicBezTo>
-                  <a:moveTo>
-                    <a:pt x="78773" y="0"/>
-                  </a:moveTo>
-                  <a:cubicBezTo>
-                    <a:pt x="35268" y="0"/>
-                    <a:pt x="0" y="35268"/>
-                    <a:pt x="0" y="78773"/>
-                  </a:cubicBezTo>
-                  <a:cubicBezTo>
-                    <a:pt x="0" y="122277"/>
-                    <a:pt x="35268" y="157545"/>
-                    <a:pt x="78773" y="157545"/>
-                  </a:cubicBezTo>
-                  <a:cubicBezTo>
-                    <a:pt x="122277" y="157545"/>
-                    <a:pt x="157545" y="122277"/>
-                    <a:pt x="157545" y="78773"/>
-                  </a:cubicBezTo>
-                  <a:cubicBezTo>
-                    <a:pt x="157545" y="35268"/>
-                    <a:pt x="122277" y="0"/>
-                    <a:pt x="78773" y="0"/>
-                  </a:cubicBezTo>
-                  <a:close/>
-                </a:path>
-              </a:pathLst>
-            </a:custGeom>
-            <a:grpFill/>
-            <a:ln w="751" cap="flat">
-              <a:noFill/>
-              <a:prstDash val="solid"/>
-              <a:miter/>
-            </a:ln>
-          </p:spPr>
-          <p:txBody>
-            <a:bodyPr rtlCol="0" anchor="ctr"/>
-            <a:lstStyle/>
-            <a:p>
-              <a:endParaRPr lang="en-US" dirty="0"/>
-            </a:p>
-          </p:txBody>
-        </p:sp>
-      </p:grpSp>
-      <p:sp>
-        <p:nvSpPr>
-          <p:cNvPr id="5" name="Espaço Reservado para Conteúdo 4">
-            <a:extLst>
-              <a:ext uri="{FF2B5EF4-FFF2-40B4-BE49-F238E27FC236}">
-                <a16:creationId xmlns:a16="http://schemas.microsoft.com/office/drawing/2014/main" id="{EDBD3915-12A3-4DEC-FBBC-61FC372A62A7}"/>
-              </a:ext>
-            </a:extLst>
-          </p:cNvPr>
-          <p:cNvSpPr>
-            <a:spLocks noGrp="1"/>
-          </p:cNvSpPr>
-          <p:nvPr>
-            <p:ph idx="1"/>
-          </p:nvPr>
-        </p:nvSpPr>
-        <p:spPr>
-          <a:xfrm>
-            <a:off x="6297233" y="518400"/>
-            <a:ext cx="4771607" cy="5837949"/>
-          </a:xfrm>
-        </p:spPr>
-        <p:txBody>
-          <a:bodyPr anchor="ctr">
-            <a:normAutofit/>
-          </a:bodyPr>
-          <a:lstStyle/>
-          <a:p>
-            <a:r>
-              <a:rPr lang="pt-US" sz="2000" dirty="0">
-                <a:solidFill>
-                  <a:schemeClr val="tx1">
-                    <a:alpha val="80000"/>
-                  </a:schemeClr>
-                </a:solidFill>
-              </a:rPr>
-              <a:t>Essa apresentação é referente ao trabalho desenvolvido para o curso de </a:t>
-            </a:r>
-            <a:r>
-              <a:rPr lang="pt-US" sz="2000" i="1" dirty="0">
-                <a:solidFill>
-                  <a:schemeClr val="tx1">
-                    <a:alpha val="80000"/>
-                  </a:schemeClr>
-                </a:solidFill>
-              </a:rPr>
-              <a:t>PÓS-GRADUAÇÃO</a:t>
-            </a:r>
-            <a:r>
-              <a:rPr lang="pt-US" sz="2000" dirty="0">
-                <a:solidFill>
-                  <a:schemeClr val="tx1">
-                    <a:alpha val="80000"/>
-                  </a:schemeClr>
-                </a:solidFill>
-              </a:rPr>
-              <a:t> em </a:t>
-            </a:r>
-            <a:r>
-              <a:rPr lang="pt-US" sz="2000" i="1" dirty="0">
-                <a:solidFill>
-                  <a:schemeClr val="tx1">
-                    <a:alpha val="80000"/>
-                  </a:schemeClr>
-                </a:solidFill>
-              </a:rPr>
-              <a:t>ARQUITETURA DE SOFTWARE</a:t>
-            </a:r>
-            <a:r>
-              <a:rPr lang="pt-US" sz="2000" dirty="0">
-                <a:solidFill>
-                  <a:schemeClr val="tx1">
-                    <a:alpha val="80000"/>
-                  </a:schemeClr>
-                </a:solidFill>
-              </a:rPr>
-              <a:t> DISTRIBUÍDO da </a:t>
-            </a:r>
-            <a:r>
-              <a:rPr lang="pt-US" sz="2000" i="1" dirty="0">
-                <a:solidFill>
-                  <a:schemeClr val="tx1">
-                    <a:alpha val="80000"/>
-                  </a:schemeClr>
-                </a:solidFill>
-              </a:rPr>
-              <a:t>PONTIFÍCIA UNIVERSIDADE CATÓLICA DE MINAS GERAIS</a:t>
-            </a:r>
-            <a:endParaRPr lang="pt-US" sz="2000" dirty="0">
-              <a:solidFill>
-                <a:schemeClr val="tx1">
-                  <a:alpha val="80000"/>
-                </a:schemeClr>
-              </a:solidFill>
-            </a:endParaRPr>
-          </a:p>
-          <a:p>
-            <a:pPr marL="0" indent="0">
-              <a:buNone/>
-            </a:pPr>
-            <a:endParaRPr lang="pt-US" sz="2000" dirty="0">
-              <a:solidFill>
-                <a:schemeClr val="tx1">
-                  <a:alpha val="80000"/>
-                </a:schemeClr>
-              </a:solidFill>
-            </a:endParaRPr>
-          </a:p>
-        </p:txBody>
-      </p:sp>
-      <p:cxnSp>
-        <p:nvCxnSpPr>
-          <p:cNvPr id="28" name="Straight Connector 27">
-            <a:extLst>
-              <a:ext uri="{FF2B5EF4-FFF2-40B4-BE49-F238E27FC236}">
-                <a16:creationId xmlns:a16="http://schemas.microsoft.com/office/drawing/2014/main" id="{C49DA8F6-BCC1-4447-B54C-57856834B94B}"/>
-              </a:ext>
-              <a:ext uri="{C183D7F6-B498-43B3-948B-1728B52AA6E4}">
-                <adec:decorative xmlns:adec="http://schemas.microsoft.com/office/drawing/2017/decorative" val="1"/>
-              </a:ext>
-            </a:extLst>
-          </p:cNvPr>
-          <p:cNvCxnSpPr>
-            <a:cxnSpLocks noGrp="1" noRot="1" noChangeAspect="1" noMove="1" noResize="1" noEditPoints="1" noAdjustHandles="1" noChangeArrowheads="1" noChangeShapeType="1"/>
-          </p:cNvCxnSpPr>
-          <p:nvPr>
-            <p:extLst>
-              <p:ext uri="{386F3935-93C4-4BCD-93E2-E3B085C9AB24}">
-                <p16:designElem xmlns:p16="http://schemas.microsoft.com/office/powerpoint/2015/main" val="1"/>
-              </p:ext>
-            </p:extLst>
-          </p:nvPr>
-        </p:nvCxnSpPr>
-        <p:spPr>
-          <a:xfrm>
-            <a:off x="11586162" y="3610394"/>
-            <a:ext cx="0" cy="3238728"/>
-          </a:xfrm>
-          <a:prstGeom prst="line">
-            <a:avLst/>
-          </a:prstGeom>
-          <a:ln w="25400" cap="sq">
-            <a:gradFill flip="none" rotWithShape="1">
-              <a:gsLst>
-                <a:gs pos="0">
-                  <a:schemeClr val="accent1"/>
-                </a:gs>
-                <a:gs pos="100000">
-                  <a:schemeClr val="accent2"/>
-                </a:gs>
-              </a:gsLst>
-              <a:lin ang="5400000" scaled="0"/>
-              <a:tileRect/>
-            </a:gradFill>
-            <a:bevel/>
-          </a:ln>
-        </p:spPr>
-        <p:style>
-          <a:lnRef idx="1">
-            <a:schemeClr val="accent1"/>
-          </a:lnRef>
-          <a:fillRef idx="0">
-            <a:schemeClr val="accent1"/>
-          </a:fillRef>
-          <a:effectRef idx="0">
-            <a:schemeClr val="accent1"/>
-          </a:effectRef>
-          <a:fontRef idx="minor">
-            <a:schemeClr val="tx1"/>
-          </a:fontRef>
-        </p:style>
-      </p:cxnSp>
-    </p:spTree>
-    <p:extLst>
-      <p:ext uri="{BB962C8B-B14F-4D97-AF65-F5344CB8AC3E}">
-        <p14:creationId xmlns:p14="http://schemas.microsoft.com/office/powerpoint/2010/main" val="206448994"/>
-      </p:ext>
-    </p:extLst>
-  </p:cSld>
-  <p:clrMapOvr>
-    <a:masterClrMapping/>
-  </p:clrMapOvr>
-</p:sld>
-</file>
-
-<file path=ppt/slides/slide2.xml><?xml version="1.0" encoding="utf-8"?>
-<p:sld xmlns:a="http://schemas.openxmlformats.org/drawingml/2006/main" xmlns:r="http://schemas.openxmlformats.org/officeDocument/2006/relationships" xmlns:p="http://schemas.openxmlformats.org/presentationml/2006/main">
-  <p:cSld>
-    <p:bg>
-      <p:bgPr>
-        <a:solidFill>
-          <a:schemeClr val="bg1"/>
-        </a:solidFill>
-        <a:effectLst/>
-      </p:bgPr>
-    </p:bg>
-    <p:spTree>
-      <p:nvGrpSpPr>
-        <p:cNvPr id="1" name=""/>
-        <p:cNvGrpSpPr/>
-        <p:nvPr/>
-      </p:nvGrpSpPr>
-      <p:grpSpPr>
-        <a:xfrm>
-          <a:off x="0" y="0"/>
-          <a:ext cx="0" cy="0"/>
-          <a:chOff x="0" y="0"/>
-          <a:chExt cx="0" cy="0"/>
-        </a:xfrm>
-      </p:grpSpPr>
-      <p:sp useBgFill="1">
-        <p:nvSpPr>
-          <p:cNvPr id="31" name="Rectangle 30">
-            <a:extLst>
-              <a:ext uri="{FF2B5EF4-FFF2-40B4-BE49-F238E27FC236}">
-                <a16:creationId xmlns:a16="http://schemas.microsoft.com/office/drawing/2014/main" id="{A2679492-7988-4050-9056-542444452411}"/>
-              </a:ext>
-              <a:ext uri="{C183D7F6-B498-43B3-948B-1728B52AA6E4}">
-                <adec:decorative xmlns:adec="http://schemas.microsoft.com/office/drawing/2017/decorative" val="1"/>
-              </a:ext>
-            </a:extLst>
-          </p:cNvPr>
-          <p:cNvSpPr>
-            <a:spLocks noGrp="1" noRot="1" noChangeAspect="1" noMove="1" noResize="1" noEditPoints="1" noAdjustHandles="1" noChangeArrowheads="1" noChangeShapeType="1" noTextEdit="1"/>
-          </p:cNvSpPr>
-          <p:nvPr>
-            <p:extLst>
-              <p:ext uri="{386F3935-93C4-4BCD-93E2-E3B085C9AB24}">
-                <p16:designElem xmlns:p16="http://schemas.microsoft.com/office/powerpoint/2015/main" val="1"/>
-              </p:ext>
-            </p:extLst>
-          </p:nvPr>
-        </p:nvSpPr>
-        <p:spPr>
-          <a:xfrm>
-            <a:off x="0" y="0"/>
-            <a:ext cx="12192000" cy="6858000"/>
-          </a:xfrm>
-          <a:prstGeom prst="rect">
-            <a:avLst/>
-          </a:prstGeom>
-          <a:ln>
-            <a:noFill/>
-          </a:ln>
-        </p:spPr>
-        <p:style>
-          <a:lnRef idx="2">
-            <a:schemeClr val="accent1">
-              <a:shade val="50000"/>
-            </a:schemeClr>
-          </a:lnRef>
-          <a:fillRef idx="1">
-            <a:schemeClr val="accent1"/>
-          </a:fillRef>
-          <a:effectRef idx="0">
-            <a:schemeClr val="accent1"/>
-          </a:effectRef>
-          <a:fontRef idx="minor">
-            <a:schemeClr val="lt1"/>
-          </a:fontRef>
-        </p:style>
-        <p:txBody>
-          <a:bodyPr rtlCol="0" anchor="ctr"/>
-          <a:lstStyle/>
-          <a:p>
-            <a:pPr algn="ctr"/>
-            <a:endParaRPr lang="en-US" dirty="0"/>
-          </a:p>
-        </p:txBody>
-      </p:sp>
-      <p:sp>
-        <p:nvSpPr>
-          <p:cNvPr id="33" name="Rectangle 32">
-            <a:extLst>
-              <a:ext uri="{FF2B5EF4-FFF2-40B4-BE49-F238E27FC236}">
-                <a16:creationId xmlns:a16="http://schemas.microsoft.com/office/drawing/2014/main" id="{B091B163-7D61-4891-ABCF-5C13D9C418D0}"/>
-              </a:ext>
-              <a:ext uri="{C183D7F6-B498-43B3-948B-1728B52AA6E4}">
-                <adec:decorative xmlns:adec="http://schemas.microsoft.com/office/drawing/2017/decorative" val="1"/>
-              </a:ext>
-            </a:extLst>
-          </p:cNvPr>
-          <p:cNvSpPr>
-            <a:spLocks noGrp="1" noRot="1" noChangeAspect="1" noMove="1" noResize="1" noEditPoints="1" noAdjustHandles="1" noChangeArrowheads="1" noChangeShapeType="1" noTextEdit="1"/>
-          </p:cNvSpPr>
-          <p:nvPr>
-            <p:extLst>
-              <p:ext uri="{386F3935-93C4-4BCD-93E2-E3B085C9AB24}">
-                <p16:designElem xmlns:p16="http://schemas.microsoft.com/office/powerpoint/2015/main" val="1"/>
-              </p:ext>
-            </p:extLst>
-          </p:nvPr>
-        </p:nvSpPr>
-        <p:spPr>
-          <a:xfrm>
-            <a:off x="0" y="0"/>
-            <a:ext cx="5779911" cy="6858000"/>
-          </a:xfrm>
-          <a:prstGeom prst="rect">
-            <a:avLst/>
-          </a:prstGeom>
-          <a:gradFill flip="none" rotWithShape="1">
-            <a:gsLst>
-              <a:gs pos="0">
-                <a:schemeClr val="accent1"/>
-              </a:gs>
-              <a:gs pos="100000">
-                <a:schemeClr val="accent2"/>
-              </a:gs>
-            </a:gsLst>
-            <a:lin ang="2700000" scaled="1"/>
-            <a:tileRect/>
-          </a:gradFill>
-          <a:ln>
-            <a:noFill/>
-          </a:ln>
-        </p:spPr>
-        <p:style>
-          <a:lnRef idx="2">
-            <a:schemeClr val="accent1">
-              <a:shade val="50000"/>
-            </a:schemeClr>
-          </a:lnRef>
-          <a:fillRef idx="1">
-            <a:schemeClr val="accent1"/>
-          </a:fillRef>
-          <a:effectRef idx="0">
-            <a:schemeClr val="accent1"/>
-          </a:effectRef>
-          <a:fontRef idx="minor">
-            <a:schemeClr val="lt1"/>
-          </a:fontRef>
-        </p:style>
-        <p:txBody>
-          <a:bodyPr rtlCol="0" anchor="ctr"/>
-          <a:lstStyle/>
-          <a:p>
-            <a:pPr algn="ctr"/>
-            <a:endParaRPr lang="en-US" dirty="0">
-              <a:solidFill>
-                <a:schemeClr val="tx1"/>
-              </a:solidFill>
-            </a:endParaRPr>
-          </a:p>
-        </p:txBody>
-      </p:sp>
-      <p:sp>
-        <p:nvSpPr>
-          <p:cNvPr id="8" name="Título 7">
-            <a:extLst>
-              <a:ext uri="{FF2B5EF4-FFF2-40B4-BE49-F238E27FC236}">
-                <a16:creationId xmlns:a16="http://schemas.microsoft.com/office/drawing/2014/main" id="{9CFC5901-110A-974E-D414-F604F76DB5F7}"/>
-              </a:ext>
-            </a:extLst>
-          </p:cNvPr>
-          <p:cNvSpPr>
-            <a:spLocks noGrp="1"/>
-          </p:cNvSpPr>
-          <p:nvPr>
-            <p:ph type="title"/>
-          </p:nvPr>
-        </p:nvSpPr>
-        <p:spPr>
-          <a:xfrm>
-            <a:off x="1188069" y="381935"/>
-            <a:ext cx="4008583" cy="5974414"/>
-          </a:xfrm>
-        </p:spPr>
-        <p:txBody>
-          <a:bodyPr vert="horz" lIns="91440" tIns="45720" rIns="91440" bIns="45720" rtlCol="0" anchor="ctr">
-            <a:normAutofit/>
-          </a:bodyPr>
-          <a:lstStyle/>
-          <a:p>
-            <a:r>
-              <a:rPr lang="en-US" sz="8000" b="1" dirty="0" err="1">
-                <a:solidFill>
-                  <a:srgbClr val="FFFFFF"/>
-                </a:solidFill>
-              </a:rPr>
-              <a:t>Sobre</a:t>
-            </a:r>
-            <a:r>
-              <a:rPr lang="en-US" sz="8000" b="1">
-                <a:solidFill>
-                  <a:srgbClr val="FFFFFF"/>
-                </a:solidFill>
-              </a:rPr>
-              <a:t> o </a:t>
-            </a:r>
-            <a:r>
-              <a:rPr lang="en-US" sz="8000" b="1" err="1">
-                <a:solidFill>
-                  <a:srgbClr val="FFFFFF"/>
-                </a:solidFill>
-              </a:rPr>
-              <a:t>autor</a:t>
-            </a:r>
-            <a:br>
-              <a:rPr lang="en-US" sz="8000" b="1">
-                <a:solidFill>
-                  <a:srgbClr val="FFFFFF"/>
-                </a:solidFill>
-              </a:rPr>
-            </a:br>
-            <a:endParaRPr lang="en-US" sz="8000" kern="1200">
-              <a:solidFill>
-                <a:srgbClr val="FFFFFF"/>
-              </a:solidFill>
-              <a:latin typeface="+mj-lt"/>
-              <a:ea typeface="+mj-ea"/>
-              <a:cs typeface="+mj-cs"/>
-            </a:endParaRPr>
-          </a:p>
-        </p:txBody>
-      </p:sp>
-      <p:grpSp>
-        <p:nvGrpSpPr>
-          <p:cNvPr id="35" name="Group 34">
-            <a:extLst>
-              <a:ext uri="{FF2B5EF4-FFF2-40B4-BE49-F238E27FC236}">
-                <a16:creationId xmlns:a16="http://schemas.microsoft.com/office/drawing/2014/main" id="{0474DF76-993E-44DE-AFB0-C416182ACECF}"/>
-              </a:ext>
-              <a:ext uri="{C183D7F6-B498-43B3-948B-1728B52AA6E4}">
-                <adec:decorative xmlns:adec="http://schemas.microsoft.com/office/drawing/2017/decorative" val="1"/>
-              </a:ext>
-            </a:extLst>
-          </p:cNvPr>
-          <p:cNvGrpSpPr>
-            <a:grpSpLocks noGrp="1" noUngrp="1" noRot="1" noChangeAspect="1" noMove="1" noResize="1"/>
-          </p:cNvGrpSpPr>
-          <p:nvPr>
-            <p:extLst>
-              <p:ext uri="{386F3935-93C4-4BCD-93E2-E3B085C9AB24}">
-                <p16:designElem xmlns:p16="http://schemas.microsoft.com/office/powerpoint/2015/main" val="1"/>
-              </p:ext>
-            </p:extLst>
-          </p:nvPr>
-        </p:nvGrpSpPr>
-        <p:grpSpPr>
-          <a:xfrm>
-            <a:off x="613892" y="554152"/>
-            <a:ext cx="574177" cy="1075866"/>
-            <a:chOff x="613892" y="554152"/>
-            <a:chExt cx="574177" cy="1075866"/>
-          </a:xfrm>
-          <a:solidFill>
-            <a:srgbClr val="FFFFFF"/>
-          </a:solidFill>
-        </p:grpSpPr>
-        <p:sp>
-          <p:nvSpPr>
-            <p:cNvPr id="36" name="Graphic 11">
-              <a:extLst>
-                <a:ext uri="{FF2B5EF4-FFF2-40B4-BE49-F238E27FC236}">
-                  <a16:creationId xmlns:a16="http://schemas.microsoft.com/office/drawing/2014/main" id="{6CB927A4-E432-4310-9CD5-E89FF5063179}"/>
-                </a:ext>
-                <a:ext uri="{C183D7F6-B498-43B3-948B-1728B52AA6E4}">
-                  <adec:decorative xmlns:adec="http://schemas.microsoft.com/office/drawing/2017/decorative" val="1"/>
-                </a:ext>
-              </a:extLst>
-            </p:cNvPr>
-            <p:cNvSpPr/>
-            <p:nvPr>
-              <p:extLst>
-                <p:ext uri="{386F3935-93C4-4BCD-93E2-E3B085C9AB24}">
-                  <p16:designElem xmlns:p16="http://schemas.microsoft.com/office/powerpoint/2015/main" val="1"/>
-                </p:ext>
-              </p:extLst>
-            </p:nvPr>
-          </p:nvSpPr>
-          <p:spPr>
-            <a:xfrm>
-              <a:off x="633061" y="554152"/>
-              <a:ext cx="171515" cy="171515"/>
-            </a:xfrm>
-            <a:custGeom>
-              <a:avLst/>
-              <a:gdLst>
-                <a:gd name="connsiteX0" fmla="*/ 159874 w 171515"/>
-                <a:gd name="connsiteY0" fmla="*/ 74116 h 171515"/>
-                <a:gd name="connsiteX1" fmla="*/ 97399 w 171515"/>
-                <a:gd name="connsiteY1" fmla="*/ 74116 h 171515"/>
-                <a:gd name="connsiteX2" fmla="*/ 97399 w 171515"/>
-                <a:gd name="connsiteY2" fmla="*/ 11641 h 171515"/>
-                <a:gd name="connsiteX3" fmla="*/ 85758 w 171515"/>
-                <a:gd name="connsiteY3" fmla="*/ 0 h 171515"/>
-                <a:gd name="connsiteX4" fmla="*/ 74116 w 171515"/>
-                <a:gd name="connsiteY4" fmla="*/ 11641 h 171515"/>
-                <a:gd name="connsiteX5" fmla="*/ 74116 w 171515"/>
-                <a:gd name="connsiteY5" fmla="*/ 74116 h 171515"/>
-                <a:gd name="connsiteX6" fmla="*/ 11641 w 171515"/>
-                <a:gd name="connsiteY6" fmla="*/ 74116 h 171515"/>
-                <a:gd name="connsiteX7" fmla="*/ 0 w 171515"/>
-                <a:gd name="connsiteY7" fmla="*/ 85758 h 171515"/>
-                <a:gd name="connsiteX8" fmla="*/ 11641 w 171515"/>
-                <a:gd name="connsiteY8" fmla="*/ 97399 h 171515"/>
-                <a:gd name="connsiteX9" fmla="*/ 74116 w 171515"/>
-                <a:gd name="connsiteY9" fmla="*/ 97399 h 171515"/>
-                <a:gd name="connsiteX10" fmla="*/ 74116 w 171515"/>
-                <a:gd name="connsiteY10" fmla="*/ 159874 h 171515"/>
-                <a:gd name="connsiteX11" fmla="*/ 85758 w 171515"/>
-                <a:gd name="connsiteY11" fmla="*/ 171515 h 171515"/>
-                <a:gd name="connsiteX12" fmla="*/ 97399 w 171515"/>
-                <a:gd name="connsiteY12" fmla="*/ 159874 h 171515"/>
-                <a:gd name="connsiteX13" fmla="*/ 97399 w 171515"/>
-                <a:gd name="connsiteY13" fmla="*/ 97399 h 171515"/>
-                <a:gd name="connsiteX14" fmla="*/ 159874 w 171515"/>
-                <a:gd name="connsiteY14" fmla="*/ 97399 h 171515"/>
-                <a:gd name="connsiteX15" fmla="*/ 171515 w 171515"/>
-                <a:gd name="connsiteY15" fmla="*/ 85758 h 171515"/>
-                <a:gd name="connsiteX16" fmla="*/ 159874 w 171515"/>
-                <a:gd name="connsiteY16" fmla="*/ 74116 h 171515"/>
-              </a:gdLst>
-              <a:ahLst/>
-              <a:cxnLst>
-                <a:cxn ang="0">
-                  <a:pos x="connsiteX0" y="connsiteY0"/>
-                </a:cxn>
-                <a:cxn ang="0">
-                  <a:pos x="connsiteX1" y="connsiteY1"/>
-                </a:cxn>
-                <a:cxn ang="0">
-                  <a:pos x="connsiteX2" y="connsiteY2"/>
-                </a:cxn>
-                <a:cxn ang="0">
-                  <a:pos x="connsiteX3" y="connsiteY3"/>
-                </a:cxn>
-                <a:cxn ang="0">
-                  <a:pos x="connsiteX4" y="connsiteY4"/>
-                </a:cxn>
-                <a:cxn ang="0">
-                  <a:pos x="connsiteX5" y="connsiteY5"/>
-                </a:cxn>
-                <a:cxn ang="0">
-                  <a:pos x="connsiteX6" y="connsiteY6"/>
-                </a:cxn>
-                <a:cxn ang="0">
-                  <a:pos x="connsiteX7" y="connsiteY7"/>
-                </a:cxn>
-                <a:cxn ang="0">
-                  <a:pos x="connsiteX8" y="connsiteY8"/>
-                </a:cxn>
-                <a:cxn ang="0">
-                  <a:pos x="connsiteX9" y="connsiteY9"/>
-                </a:cxn>
-                <a:cxn ang="0">
-                  <a:pos x="connsiteX10" y="connsiteY10"/>
-                </a:cxn>
-                <a:cxn ang="0">
-                  <a:pos x="connsiteX11" y="connsiteY11"/>
-                </a:cxn>
-                <a:cxn ang="0">
-                  <a:pos x="connsiteX12" y="connsiteY12"/>
-                </a:cxn>
-                <a:cxn ang="0">
-                  <a:pos x="connsiteX13" y="connsiteY13"/>
-                </a:cxn>
-                <a:cxn ang="0">
-                  <a:pos x="connsiteX14" y="connsiteY14"/>
-                </a:cxn>
-                <a:cxn ang="0">
-                  <a:pos x="connsiteX15" y="connsiteY15"/>
-                </a:cxn>
-                <a:cxn ang="0">
-                  <a:pos x="connsiteX16" y="connsiteY16"/>
-                </a:cxn>
-              </a:cxnLst>
-              <a:rect l="l" t="t" r="r" b="b"/>
-              <a:pathLst>
-                <a:path w="171515" h="171515">
-                  <a:moveTo>
-                    <a:pt x="159874" y="74116"/>
-                  </a:moveTo>
-                  <a:lnTo>
-                    <a:pt x="97399" y="74116"/>
-                  </a:lnTo>
-                  <a:lnTo>
-                    <a:pt x="97399" y="11641"/>
-                  </a:lnTo>
-                  <a:cubicBezTo>
-                    <a:pt x="97399" y="5212"/>
-                    <a:pt x="92187" y="0"/>
-                    <a:pt x="85758" y="0"/>
-                  </a:cubicBezTo>
-                  <a:cubicBezTo>
-                    <a:pt x="79328" y="0"/>
-                    <a:pt x="74116" y="5212"/>
-                    <a:pt x="74116" y="11641"/>
-                  </a:cubicBezTo>
-                  <a:lnTo>
-                    <a:pt x="74116" y="74116"/>
-                  </a:lnTo>
-                  <a:lnTo>
-                    <a:pt x="11641" y="74116"/>
-                  </a:lnTo>
-                  <a:cubicBezTo>
-                    <a:pt x="5212" y="74116"/>
-                    <a:pt x="0" y="79328"/>
-                    <a:pt x="0" y="85758"/>
-                  </a:cubicBezTo>
-                  <a:cubicBezTo>
-                    <a:pt x="0" y="92187"/>
-                    <a:pt x="5212" y="97399"/>
-                    <a:pt x="11641" y="97399"/>
-                  </a:cubicBezTo>
-                  <a:lnTo>
-                    <a:pt x="74116" y="97399"/>
-                  </a:lnTo>
-                  <a:lnTo>
-                    <a:pt x="74116" y="159874"/>
-                  </a:lnTo>
-                  <a:cubicBezTo>
-                    <a:pt x="74116" y="166303"/>
-                    <a:pt x="79328" y="171515"/>
-                    <a:pt x="85758" y="171515"/>
-                  </a:cubicBezTo>
-                  <a:cubicBezTo>
-                    <a:pt x="92187" y="171515"/>
-                    <a:pt x="97399" y="166303"/>
-                    <a:pt x="97399" y="159874"/>
-                  </a:cubicBezTo>
-                  <a:lnTo>
-                    <a:pt x="97399" y="97399"/>
-                  </a:lnTo>
-                  <a:lnTo>
-                    <a:pt x="159874" y="97399"/>
-                  </a:lnTo>
-                  <a:cubicBezTo>
-                    <a:pt x="166303" y="97399"/>
-                    <a:pt x="171515" y="92187"/>
-                    <a:pt x="171515" y="85758"/>
-                  </a:cubicBezTo>
-                  <a:cubicBezTo>
-                    <a:pt x="171515" y="79328"/>
-                    <a:pt x="166303" y="74116"/>
-                    <a:pt x="159874" y="74116"/>
-                  </a:cubicBezTo>
-                  <a:close/>
-                </a:path>
-              </a:pathLst>
-            </a:custGeom>
-            <a:grpFill/>
-            <a:ln w="776" cap="flat">
-              <a:noFill/>
-              <a:prstDash val="solid"/>
-              <a:miter/>
-            </a:ln>
-          </p:spPr>
-          <p:txBody>
-            <a:bodyPr rtlCol="0" anchor="ctr"/>
-            <a:lstStyle/>
-            <a:p>
-              <a:endParaRPr lang="en-US"/>
-            </a:p>
-          </p:txBody>
-        </p:sp>
-        <p:sp>
-          <p:nvSpPr>
-            <p:cNvPr id="37" name="Graphic 10">
-              <a:extLst>
-                <a:ext uri="{FF2B5EF4-FFF2-40B4-BE49-F238E27FC236}">
-                  <a16:creationId xmlns:a16="http://schemas.microsoft.com/office/drawing/2014/main" id="{E3020543-B24B-4EC4-8FFC-8DD88EEA91A8}"/>
-                </a:ext>
-                <a:ext uri="{C183D7F6-B498-43B3-948B-1728B52AA6E4}">
-                  <adec:decorative xmlns:adec="http://schemas.microsoft.com/office/drawing/2017/decorative" val="1"/>
-                </a:ext>
-              </a:extLst>
-            </p:cNvPr>
-            <p:cNvSpPr/>
-            <p:nvPr>
-              <p:extLst>
-                <p:ext uri="{386F3935-93C4-4BCD-93E2-E3B085C9AB24}">
-                  <p16:designElem xmlns:p16="http://schemas.microsoft.com/office/powerpoint/2015/main" val="1"/>
-                </p:ext>
-              </p:extLst>
-            </p:nvPr>
-          </p:nvSpPr>
-          <p:spPr>
-            <a:xfrm>
-              <a:off x="1075643" y="837005"/>
-              <a:ext cx="112426" cy="112426"/>
-            </a:xfrm>
-            <a:custGeom>
-              <a:avLst/>
-              <a:gdLst>
-                <a:gd name="connsiteX0" fmla="*/ 112426 w 112426"/>
-                <a:gd name="connsiteY0" fmla="*/ 56213 h 112426"/>
-                <a:gd name="connsiteX1" fmla="*/ 56213 w 112426"/>
-                <a:gd name="connsiteY1" fmla="*/ 112426 h 112426"/>
-                <a:gd name="connsiteX2" fmla="*/ 0 w 112426"/>
-                <a:gd name="connsiteY2" fmla="*/ 56213 h 112426"/>
-                <a:gd name="connsiteX3" fmla="*/ 56213 w 112426"/>
-                <a:gd name="connsiteY3" fmla="*/ 0 h 112426"/>
-                <a:gd name="connsiteX4" fmla="*/ 112426 w 112426"/>
-                <a:gd name="connsiteY4" fmla="*/ 56213 h 112426"/>
-              </a:gdLst>
-              <a:ahLst/>
-              <a:cxnLst>
-                <a:cxn ang="0">
-                  <a:pos x="connsiteX0" y="connsiteY0"/>
-                </a:cxn>
-                <a:cxn ang="0">
-                  <a:pos x="connsiteX1" y="connsiteY1"/>
-                </a:cxn>
-                <a:cxn ang="0">
-                  <a:pos x="connsiteX2" y="connsiteY2"/>
-                </a:cxn>
-                <a:cxn ang="0">
-                  <a:pos x="connsiteX3" y="connsiteY3"/>
-                </a:cxn>
-                <a:cxn ang="0">
-                  <a:pos x="connsiteX4" y="connsiteY4"/>
-                </a:cxn>
-              </a:cxnLst>
-              <a:rect l="l" t="t" r="r" b="b"/>
-              <a:pathLst>
-                <a:path w="112426" h="112426">
-                  <a:moveTo>
-                    <a:pt x="112426" y="56213"/>
-                  </a:moveTo>
-                  <a:cubicBezTo>
-                    <a:pt x="112426" y="87259"/>
-                    <a:pt x="87259" y="112426"/>
-                    <a:pt x="56213" y="112426"/>
-                  </a:cubicBezTo>
-                  <a:cubicBezTo>
-                    <a:pt x="25167" y="112426"/>
-                    <a:pt x="0" y="87259"/>
-                    <a:pt x="0" y="56213"/>
-                  </a:cubicBezTo>
-                  <a:cubicBezTo>
-                    <a:pt x="0" y="25167"/>
-                    <a:pt x="25167" y="0"/>
-                    <a:pt x="56213" y="0"/>
-                  </a:cubicBezTo>
-                  <a:cubicBezTo>
-                    <a:pt x="87259" y="0"/>
-                    <a:pt x="112426" y="25167"/>
-                    <a:pt x="112426" y="56213"/>
-                  </a:cubicBezTo>
-                  <a:close/>
-                </a:path>
-              </a:pathLst>
-            </a:custGeom>
-            <a:grpFill/>
-            <a:ln w="516" cap="flat">
-              <a:noFill/>
-              <a:prstDash val="solid"/>
-              <a:miter/>
-            </a:ln>
-          </p:spPr>
-          <p:txBody>
-            <a:bodyPr rtlCol="0" anchor="ctr"/>
-            <a:lstStyle/>
-            <a:p>
-              <a:endParaRPr lang="en-US"/>
-            </a:p>
-          </p:txBody>
-        </p:sp>
-        <p:sp>
-          <p:nvSpPr>
-            <p:cNvPr id="38" name="Graphic 12">
-              <a:extLst>
-                <a:ext uri="{FF2B5EF4-FFF2-40B4-BE49-F238E27FC236}">
-                  <a16:creationId xmlns:a16="http://schemas.microsoft.com/office/drawing/2014/main" id="{1453BF6C-B012-48B7-B4E8-6D7AC7C27D02}"/>
-                </a:ext>
-                <a:ext uri="{C183D7F6-B498-43B3-948B-1728B52AA6E4}">
-                  <adec:decorative xmlns:adec="http://schemas.microsoft.com/office/drawing/2017/decorative" val="1"/>
-                </a:ext>
-              </a:extLst>
-            </p:cNvPr>
-            <p:cNvSpPr/>
-            <p:nvPr>
-              <p:extLst>
-                <p:ext uri="{386F3935-93C4-4BCD-93E2-E3B085C9AB24}">
-                  <p16:designElem xmlns:p16="http://schemas.microsoft.com/office/powerpoint/2015/main" val="1"/>
-                </p:ext>
-              </p:extLst>
-            </p:nvPr>
-          </p:nvSpPr>
-          <p:spPr>
-            <a:xfrm>
-              <a:off x="613892" y="1472473"/>
-              <a:ext cx="157545" cy="157545"/>
-            </a:xfrm>
-            <a:custGeom>
-              <a:avLst/>
-              <a:gdLst>
-                <a:gd name="connsiteX0" fmla="*/ 78773 w 157545"/>
-                <a:gd name="connsiteY0" fmla="*/ 23283 h 157545"/>
-                <a:gd name="connsiteX1" fmla="*/ 134262 w 157545"/>
-                <a:gd name="connsiteY1" fmla="*/ 78773 h 157545"/>
-                <a:gd name="connsiteX2" fmla="*/ 78773 w 157545"/>
-                <a:gd name="connsiteY2" fmla="*/ 134262 h 157545"/>
-                <a:gd name="connsiteX3" fmla="*/ 23283 w 157545"/>
-                <a:gd name="connsiteY3" fmla="*/ 78773 h 157545"/>
-                <a:gd name="connsiteX4" fmla="*/ 78773 w 157545"/>
-                <a:gd name="connsiteY4" fmla="*/ 23283 h 157545"/>
-                <a:gd name="connsiteX5" fmla="*/ 78773 w 157545"/>
-                <a:gd name="connsiteY5" fmla="*/ 0 h 157545"/>
-                <a:gd name="connsiteX6" fmla="*/ 0 w 157545"/>
-                <a:gd name="connsiteY6" fmla="*/ 78773 h 157545"/>
-                <a:gd name="connsiteX7" fmla="*/ 78773 w 157545"/>
-                <a:gd name="connsiteY7" fmla="*/ 157545 h 157545"/>
-                <a:gd name="connsiteX8" fmla="*/ 157545 w 157545"/>
-                <a:gd name="connsiteY8" fmla="*/ 78773 h 157545"/>
-                <a:gd name="connsiteX9" fmla="*/ 78773 w 157545"/>
-                <a:gd name="connsiteY9" fmla="*/ 0 h 157545"/>
-              </a:gdLst>
-              <a:ahLst/>
-              <a:cxnLst>
-                <a:cxn ang="0">
-                  <a:pos x="connsiteX0" y="connsiteY0"/>
-                </a:cxn>
-                <a:cxn ang="0">
-                  <a:pos x="connsiteX1" y="connsiteY1"/>
-                </a:cxn>
-                <a:cxn ang="0">
-                  <a:pos x="connsiteX2" y="connsiteY2"/>
-                </a:cxn>
-                <a:cxn ang="0">
-                  <a:pos x="connsiteX3" y="connsiteY3"/>
-                </a:cxn>
-                <a:cxn ang="0">
-                  <a:pos x="connsiteX4" y="connsiteY4"/>
-                </a:cxn>
-                <a:cxn ang="0">
-                  <a:pos x="connsiteX5" y="connsiteY5"/>
-                </a:cxn>
-                <a:cxn ang="0">
-                  <a:pos x="connsiteX6" y="connsiteY6"/>
-                </a:cxn>
-                <a:cxn ang="0">
-                  <a:pos x="connsiteX7" y="connsiteY7"/>
-                </a:cxn>
-                <a:cxn ang="0">
-                  <a:pos x="connsiteX8" y="connsiteY8"/>
-                </a:cxn>
-                <a:cxn ang="0">
-                  <a:pos x="connsiteX9" y="connsiteY9"/>
-                </a:cxn>
-              </a:cxnLst>
-              <a:rect l="l" t="t" r="r" b="b"/>
-              <a:pathLst>
-                <a:path w="157545" h="157545">
-                  <a:moveTo>
-                    <a:pt x="78773" y="23283"/>
-                  </a:moveTo>
-                  <a:cubicBezTo>
-                    <a:pt x="109419" y="23283"/>
-                    <a:pt x="134262" y="48126"/>
-                    <a:pt x="134262" y="78773"/>
-                  </a:cubicBezTo>
-                  <a:cubicBezTo>
-                    <a:pt x="134262" y="109419"/>
-                    <a:pt x="109419" y="134262"/>
-                    <a:pt x="78773" y="134262"/>
-                  </a:cubicBezTo>
-                  <a:cubicBezTo>
-                    <a:pt x="48126" y="134262"/>
-                    <a:pt x="23283" y="109419"/>
-                    <a:pt x="23283" y="78773"/>
-                  </a:cubicBezTo>
-                  <a:cubicBezTo>
-                    <a:pt x="23312" y="48139"/>
-                    <a:pt x="48139" y="23312"/>
-                    <a:pt x="78773" y="23283"/>
-                  </a:cubicBezTo>
-                  <a:moveTo>
-                    <a:pt x="78773" y="0"/>
-                  </a:moveTo>
-                  <a:cubicBezTo>
-                    <a:pt x="35268" y="0"/>
-                    <a:pt x="0" y="35268"/>
-                    <a:pt x="0" y="78773"/>
-                  </a:cubicBezTo>
-                  <a:cubicBezTo>
-                    <a:pt x="0" y="122277"/>
-                    <a:pt x="35268" y="157545"/>
-                    <a:pt x="78773" y="157545"/>
-                  </a:cubicBezTo>
-                  <a:cubicBezTo>
-                    <a:pt x="122277" y="157545"/>
-                    <a:pt x="157545" y="122277"/>
-                    <a:pt x="157545" y="78773"/>
-                  </a:cubicBezTo>
-                  <a:cubicBezTo>
-                    <a:pt x="157545" y="35268"/>
-                    <a:pt x="122277" y="0"/>
-                    <a:pt x="78773" y="0"/>
-                  </a:cubicBezTo>
-                  <a:close/>
-                </a:path>
-              </a:pathLst>
-            </a:custGeom>
-            <a:grpFill/>
-            <a:ln w="751" cap="flat">
-              <a:noFill/>
-              <a:prstDash val="solid"/>
-              <a:miter/>
-            </a:ln>
-          </p:spPr>
-          <p:txBody>
-            <a:bodyPr rtlCol="0" anchor="ctr"/>
-            <a:lstStyle/>
-            <a:p>
-              <a:endParaRPr lang="en-US"/>
-            </a:p>
-          </p:txBody>
-        </p:sp>
-      </p:grpSp>
-      <p:sp>
-        <p:nvSpPr>
-          <p:cNvPr id="9" name="Espaço Reservado para Conteúdo 8">
-            <a:extLst>
-              <a:ext uri="{FF2B5EF4-FFF2-40B4-BE49-F238E27FC236}">
-                <a16:creationId xmlns:a16="http://schemas.microsoft.com/office/drawing/2014/main" id="{85CBA7C7-0AEA-A04D-299E-70F13F233181}"/>
-              </a:ext>
-            </a:extLst>
-          </p:cNvPr>
-          <p:cNvSpPr>
-            <a:spLocks noGrp="1"/>
-          </p:cNvSpPr>
-          <p:nvPr>
-            <p:ph idx="1"/>
-          </p:nvPr>
-        </p:nvSpPr>
-        <p:spPr>
-          <a:xfrm>
-            <a:off x="6297233" y="518400"/>
-            <a:ext cx="4771607" cy="5837949"/>
-          </a:xfrm>
-        </p:spPr>
-        <p:txBody>
-          <a:bodyPr vert="horz" lIns="91440" tIns="45720" rIns="91440" bIns="45720" rtlCol="0" anchor="ctr">
-            <a:normAutofit/>
-          </a:bodyPr>
-          <a:lstStyle/>
-          <a:p>
-            <a:pPr marL="0" indent="0">
-              <a:buNone/>
-            </a:pPr>
-            <a:endParaRPr lang="en-US" sz="2000" dirty="0">
-              <a:solidFill>
-                <a:schemeClr val="tx1">
-                  <a:alpha val="80000"/>
-                </a:schemeClr>
-              </a:solidFill>
-            </a:endParaRPr>
-          </a:p>
-          <a:p>
-            <a:r>
-              <a:rPr lang="en-US" sz="2000" dirty="0">
-                <a:solidFill>
-                  <a:schemeClr val="tx1">
-                    <a:alpha val="80000"/>
-                  </a:schemeClr>
-                </a:solidFill>
-              </a:rPr>
-              <a:t>Meu </a:t>
-            </a:r>
-            <a:r>
-              <a:rPr lang="en-US" sz="2000" dirty="0" err="1">
-                <a:solidFill>
-                  <a:schemeClr val="tx1">
-                    <a:alpha val="80000"/>
-                  </a:schemeClr>
-                </a:solidFill>
-              </a:rPr>
-              <a:t>nome</a:t>
-            </a:r>
-            <a:r>
-              <a:rPr lang="en-US" sz="2000" dirty="0">
-                <a:solidFill>
-                  <a:schemeClr val="tx1">
-                    <a:alpha val="80000"/>
-                  </a:schemeClr>
-                </a:solidFill>
-              </a:rPr>
-              <a:t> </a:t>
-            </a:r>
-            <a:r>
-              <a:rPr lang="en-US" sz="2000" dirty="0" err="1">
-                <a:solidFill>
-                  <a:schemeClr val="tx1">
-                    <a:alpha val="80000"/>
-                  </a:schemeClr>
-                </a:solidFill>
-              </a:rPr>
-              <a:t>é</a:t>
-            </a:r>
-            <a:r>
-              <a:rPr lang="en-US" sz="2000" dirty="0">
-                <a:solidFill>
-                  <a:schemeClr val="tx1">
-                    <a:alpha val="80000"/>
-                  </a:schemeClr>
-                </a:solidFill>
-              </a:rPr>
-              <a:t> Frederick Fernando Frigieri, sou </a:t>
-            </a:r>
-            <a:r>
-              <a:rPr lang="en-US" sz="2000" dirty="0" err="1">
-                <a:solidFill>
-                  <a:schemeClr val="tx1">
-                    <a:alpha val="80000"/>
-                  </a:schemeClr>
-                </a:solidFill>
-              </a:rPr>
-              <a:t>formado</a:t>
-            </a:r>
-            <a:r>
-              <a:rPr lang="en-US" sz="2000" dirty="0">
-                <a:solidFill>
-                  <a:schemeClr val="tx1">
-                    <a:alpha val="80000"/>
-                  </a:schemeClr>
-                </a:solidFill>
-              </a:rPr>
-              <a:t> </a:t>
-            </a:r>
-            <a:r>
-              <a:rPr lang="en-US" sz="2000" dirty="0" err="1">
-                <a:solidFill>
-                  <a:schemeClr val="tx1">
-                    <a:alpha val="80000"/>
-                  </a:schemeClr>
-                </a:solidFill>
-              </a:rPr>
-              <a:t>em</a:t>
-            </a:r>
-            <a:r>
-              <a:rPr lang="en-US" sz="2000" dirty="0">
-                <a:solidFill>
-                  <a:schemeClr val="tx1">
-                    <a:alpha val="80000"/>
-                  </a:schemeClr>
-                </a:solidFill>
-              </a:rPr>
-              <a:t> </a:t>
-            </a:r>
-            <a:r>
-              <a:rPr lang="en-US" sz="2000" dirty="0" err="1">
-                <a:solidFill>
-                  <a:schemeClr val="tx1">
-                    <a:alpha val="80000"/>
-                  </a:schemeClr>
-                </a:solidFill>
-              </a:rPr>
-              <a:t>Análise</a:t>
-            </a:r>
-            <a:r>
-              <a:rPr lang="en-US" sz="2000" dirty="0">
-                <a:solidFill>
-                  <a:schemeClr val="tx1">
-                    <a:alpha val="80000"/>
-                  </a:schemeClr>
-                </a:solidFill>
-              </a:rPr>
-              <a:t> e </a:t>
-            </a:r>
-            <a:r>
-              <a:rPr lang="en-US" sz="2000" dirty="0" err="1">
-                <a:solidFill>
-                  <a:schemeClr val="tx1">
-                    <a:alpha val="80000"/>
-                  </a:schemeClr>
-                </a:solidFill>
-              </a:rPr>
-              <a:t>Desenvolvimento</a:t>
-            </a:r>
-            <a:r>
-              <a:rPr lang="en-US" sz="2000" dirty="0">
-                <a:solidFill>
-                  <a:schemeClr val="tx1">
-                    <a:alpha val="80000"/>
-                  </a:schemeClr>
-                </a:solidFill>
-              </a:rPr>
-              <a:t> de </a:t>
-            </a:r>
-            <a:r>
-              <a:rPr lang="en-US" sz="2000" dirty="0" err="1">
-                <a:solidFill>
-                  <a:schemeClr val="tx1">
-                    <a:alpha val="80000"/>
-                  </a:schemeClr>
-                </a:solidFill>
-              </a:rPr>
-              <a:t>Sistemas</a:t>
-            </a:r>
-            <a:r>
-              <a:rPr lang="en-US" sz="2000" dirty="0">
-                <a:solidFill>
-                  <a:schemeClr val="tx1">
-                    <a:alpha val="80000"/>
-                  </a:schemeClr>
-                </a:solidFill>
-              </a:rPr>
-              <a:t>, </a:t>
-            </a:r>
-            <a:r>
-              <a:rPr lang="en-US" sz="2000" dirty="0" err="1">
-                <a:solidFill>
-                  <a:schemeClr val="tx1">
-                    <a:alpha val="80000"/>
-                  </a:schemeClr>
-                </a:solidFill>
-              </a:rPr>
-              <a:t>tenho</a:t>
-            </a:r>
-            <a:r>
-              <a:rPr lang="en-US" sz="2000" dirty="0">
-                <a:solidFill>
-                  <a:schemeClr val="tx1">
-                    <a:alpha val="80000"/>
-                  </a:schemeClr>
-                </a:solidFill>
-              </a:rPr>
-              <a:t> </a:t>
-            </a:r>
-            <a:r>
-              <a:rPr lang="en-US" sz="2000" dirty="0" err="1">
-                <a:solidFill>
-                  <a:schemeClr val="tx1">
-                    <a:alpha val="80000"/>
-                  </a:schemeClr>
-                </a:solidFill>
-              </a:rPr>
-              <a:t>mais</a:t>
-            </a:r>
-            <a:r>
-              <a:rPr lang="en-US" sz="2000" dirty="0">
-                <a:solidFill>
-                  <a:schemeClr val="tx1">
-                    <a:alpha val="80000"/>
-                  </a:schemeClr>
-                </a:solidFill>
-              </a:rPr>
-              <a:t> de 15 </a:t>
-            </a:r>
-            <a:r>
-              <a:rPr lang="en-US" sz="2000" dirty="0" err="1">
-                <a:solidFill>
-                  <a:schemeClr val="tx1">
-                    <a:alpha val="80000"/>
-                  </a:schemeClr>
-                </a:solidFill>
-              </a:rPr>
-              <a:t>anos</a:t>
-            </a:r>
-            <a:r>
-              <a:rPr lang="en-US" sz="2000" dirty="0">
-                <a:solidFill>
-                  <a:schemeClr val="tx1">
-                    <a:alpha val="80000"/>
-                  </a:schemeClr>
-                </a:solidFill>
-              </a:rPr>
-              <a:t> de </a:t>
-            </a:r>
-            <a:r>
-              <a:rPr lang="en-US" sz="2000" dirty="0" err="1">
-                <a:solidFill>
-                  <a:schemeClr val="tx1">
-                    <a:alpha val="80000"/>
-                  </a:schemeClr>
-                </a:solidFill>
-              </a:rPr>
-              <a:t>experiência</a:t>
-            </a:r>
-            <a:r>
-              <a:rPr lang="en-US" sz="2000" dirty="0">
-                <a:solidFill>
-                  <a:schemeClr val="tx1">
-                    <a:alpha val="80000"/>
-                  </a:schemeClr>
-                </a:solidFill>
-              </a:rPr>
-              <a:t> </a:t>
-            </a:r>
-            <a:r>
-              <a:rPr lang="en-US" sz="2000" dirty="0" err="1">
-                <a:solidFill>
-                  <a:schemeClr val="tx1">
-                    <a:alpha val="80000"/>
-                  </a:schemeClr>
-                </a:solidFill>
-              </a:rPr>
-              <a:t>profissional</a:t>
-            </a:r>
-            <a:r>
-              <a:rPr lang="en-US" sz="2000" dirty="0">
-                <a:solidFill>
-                  <a:schemeClr val="tx1">
-                    <a:alpha val="80000"/>
-                  </a:schemeClr>
-                </a:solidFill>
-              </a:rPr>
-              <a:t> </a:t>
-            </a:r>
-            <a:r>
-              <a:rPr lang="en-US" sz="2000" dirty="0" err="1">
-                <a:solidFill>
-                  <a:schemeClr val="tx1">
-                    <a:alpha val="80000"/>
-                  </a:schemeClr>
-                </a:solidFill>
-              </a:rPr>
-              <a:t>desenvolvendo</a:t>
-            </a:r>
-            <a:r>
-              <a:rPr lang="en-US" sz="2000" dirty="0">
-                <a:solidFill>
-                  <a:schemeClr val="tx1">
-                    <a:alpha val="80000"/>
-                  </a:schemeClr>
-                </a:solidFill>
-              </a:rPr>
-              <a:t> </a:t>
-            </a:r>
-            <a:r>
-              <a:rPr lang="en-US" sz="2000" dirty="0" err="1">
-                <a:solidFill>
-                  <a:schemeClr val="tx1">
-                    <a:alpha val="80000"/>
-                  </a:schemeClr>
-                </a:solidFill>
-              </a:rPr>
-              <a:t>sistemas</a:t>
-            </a:r>
-            <a:r>
-              <a:rPr lang="en-US" sz="2000" dirty="0">
-                <a:solidFill>
-                  <a:schemeClr val="tx1">
-                    <a:alpha val="80000"/>
-                  </a:schemeClr>
-                </a:solidFill>
-              </a:rPr>
-              <a:t> para web</a:t>
-            </a:r>
-          </a:p>
-          <a:p>
-            <a:endParaRPr lang="en-US" sz="2000" dirty="0">
-              <a:solidFill>
-                <a:schemeClr val="tx1">
-                  <a:alpha val="80000"/>
-                </a:schemeClr>
-              </a:solidFill>
-            </a:endParaRPr>
-          </a:p>
-          <a:p>
-            <a:pPr marL="0" indent="0">
-              <a:buNone/>
-            </a:pPr>
-            <a:endParaRPr lang="en-US" sz="2000" b="1" dirty="0">
-              <a:solidFill>
-                <a:schemeClr val="tx1">
-                  <a:alpha val="80000"/>
-                </a:schemeClr>
-              </a:solidFill>
-            </a:endParaRPr>
-          </a:p>
-        </p:txBody>
-      </p:sp>
-      <p:cxnSp>
-        <p:nvCxnSpPr>
-          <p:cNvPr id="40" name="Straight Connector 39">
-            <a:extLst>
-              <a:ext uri="{FF2B5EF4-FFF2-40B4-BE49-F238E27FC236}">
-                <a16:creationId xmlns:a16="http://schemas.microsoft.com/office/drawing/2014/main" id="{C49DA8F6-BCC1-4447-B54C-57856834B94B}"/>
-              </a:ext>
-              <a:ext uri="{C183D7F6-B498-43B3-948B-1728B52AA6E4}">
-                <adec:decorative xmlns:adec="http://schemas.microsoft.com/office/drawing/2017/decorative" val="1"/>
-              </a:ext>
-            </a:extLst>
-          </p:cNvPr>
-          <p:cNvCxnSpPr>
-            <a:cxnSpLocks noGrp="1" noRot="1" noChangeAspect="1" noMove="1" noResize="1" noEditPoints="1" noAdjustHandles="1" noChangeArrowheads="1" noChangeShapeType="1"/>
-          </p:cNvCxnSpPr>
-          <p:nvPr>
-            <p:extLst>
-              <p:ext uri="{386F3935-93C4-4BCD-93E2-E3B085C9AB24}">
-                <p16:designElem xmlns:p16="http://schemas.microsoft.com/office/powerpoint/2015/main" val="1"/>
-              </p:ext>
-            </p:extLst>
-          </p:nvPr>
-        </p:nvCxnSpPr>
-        <p:spPr>
-          <a:xfrm>
-            <a:off x="11586162" y="3610394"/>
-            <a:ext cx="0" cy="3238728"/>
-          </a:xfrm>
-          <a:prstGeom prst="line">
-            <a:avLst/>
-          </a:prstGeom>
-          <a:ln w="25400" cap="sq">
-            <a:gradFill flip="none" rotWithShape="1">
-              <a:gsLst>
-                <a:gs pos="0">
-                  <a:schemeClr val="accent1"/>
-                </a:gs>
-                <a:gs pos="100000">
-                  <a:schemeClr val="accent2"/>
-                </a:gs>
-              </a:gsLst>
-              <a:lin ang="5400000" scaled="0"/>
-              <a:tileRect/>
-            </a:gradFill>
-            <a:bevel/>
-          </a:ln>
-        </p:spPr>
-        <p:style>
-          <a:lnRef idx="1">
-            <a:schemeClr val="accent1"/>
-          </a:lnRef>
-          <a:fillRef idx="0">
-            <a:schemeClr val="accent1"/>
-          </a:fillRef>
-          <a:effectRef idx="0">
-            <a:schemeClr val="accent1"/>
-          </a:effectRef>
-          <a:fontRef idx="minor">
-            <a:schemeClr val="tx1"/>
-          </a:fontRef>
-        </p:style>
-      </p:cxnSp>
-    </p:spTree>
-    <p:extLst>
-      <p:ext uri="{BB962C8B-B14F-4D97-AF65-F5344CB8AC3E}">
-        <p14:creationId xmlns:p14="http://schemas.microsoft.com/office/powerpoint/2010/main" val="2050230447"/>
-      </p:ext>
-    </p:extLst>
-  </p:cSld>
-  <p:clrMapOvr>
-    <a:masterClrMapping/>
-  </p:clrMapOvr>
-</p:sld>
-</file>
-
-<file path=ppt/slides/slide3.xml><?xml version="1.0" encoding="utf-8"?>
-<p:sld xmlns:a="http://schemas.openxmlformats.org/drawingml/2006/main" xmlns:r="http://schemas.openxmlformats.org/officeDocument/2006/relationships" xmlns:p="http://schemas.openxmlformats.org/presentationml/2006/main">
-  <p:cSld>
-    <p:bg>
-      <p:bgPr>
-        <a:solidFill>
-          <a:schemeClr val="bg1"/>
-        </a:solidFill>
-        <a:effectLst/>
-      </p:bgPr>
-    </p:bg>
-    <p:spTree>
-      <p:nvGrpSpPr>
-        <p:cNvPr id="1" name=""/>
-        <p:cNvGrpSpPr/>
-        <p:nvPr/>
-      </p:nvGrpSpPr>
-      <p:grpSpPr>
-        <a:xfrm>
-          <a:off x="0" y="0"/>
-          <a:ext cx="0" cy="0"/>
-          <a:chOff x="0" y="0"/>
-          <a:chExt cx="0" cy="0"/>
-        </a:xfrm>
-      </p:grpSpPr>
-      <p:sp useBgFill="1">
-        <p:nvSpPr>
-          <p:cNvPr id="17" name="Rectangle 16">
-            <a:extLst>
-              <a:ext uri="{FF2B5EF4-FFF2-40B4-BE49-F238E27FC236}">
-                <a16:creationId xmlns:a16="http://schemas.microsoft.com/office/drawing/2014/main" id="{A2679492-7988-4050-9056-542444452411}"/>
-              </a:ext>
-              <a:ext uri="{C183D7F6-B498-43B3-948B-1728B52AA6E4}">
-                <adec:decorative xmlns:adec="http://schemas.microsoft.com/office/drawing/2017/decorative" val="1"/>
-              </a:ext>
-            </a:extLst>
-          </p:cNvPr>
-          <p:cNvSpPr>
-            <a:spLocks noGrp="1" noRot="1" noChangeAspect="1" noMove="1" noResize="1" noEditPoints="1" noAdjustHandles="1" noChangeArrowheads="1" noChangeShapeType="1" noTextEdit="1"/>
-          </p:cNvSpPr>
-          <p:nvPr>
-            <p:extLst>
-              <p:ext uri="{386F3935-93C4-4BCD-93E2-E3B085C9AB24}">
-                <p16:designElem xmlns:p16="http://schemas.microsoft.com/office/powerpoint/2015/main" val="1"/>
-              </p:ext>
-            </p:extLst>
-          </p:nvPr>
-        </p:nvSpPr>
-        <p:spPr>
-          <a:xfrm>
-            <a:off x="0" y="0"/>
-            <a:ext cx="12192000" cy="6858000"/>
-          </a:xfrm>
-          <a:prstGeom prst="rect">
-            <a:avLst/>
-          </a:prstGeom>
-          <a:ln>
-            <a:noFill/>
-          </a:ln>
-        </p:spPr>
-        <p:style>
-          <a:lnRef idx="2">
-            <a:schemeClr val="accent1">
-              <a:shade val="50000"/>
-            </a:schemeClr>
-          </a:lnRef>
-          <a:fillRef idx="1">
-            <a:schemeClr val="accent1"/>
-          </a:fillRef>
-          <a:effectRef idx="0">
-            <a:schemeClr val="accent1"/>
-          </a:effectRef>
-          <a:fontRef idx="minor">
-            <a:schemeClr val="lt1"/>
-          </a:fontRef>
-        </p:style>
-        <p:txBody>
-          <a:bodyPr rtlCol="0" anchor="ctr"/>
-          <a:lstStyle/>
-          <a:p>
-            <a:pPr algn="ctr"/>
-            <a:endParaRPr lang="en-US"/>
-          </a:p>
-        </p:txBody>
-      </p:sp>
-      <p:sp>
-        <p:nvSpPr>
-          <p:cNvPr id="19" name="Rectangle 18">
-            <a:extLst>
-              <a:ext uri="{FF2B5EF4-FFF2-40B4-BE49-F238E27FC236}">
-                <a16:creationId xmlns:a16="http://schemas.microsoft.com/office/drawing/2014/main" id="{B091B163-7D61-4891-ABCF-5C13D9C418D0}"/>
-              </a:ext>
-              <a:ext uri="{C183D7F6-B498-43B3-948B-1728B52AA6E4}">
-                <adec:decorative xmlns:adec="http://schemas.microsoft.com/office/drawing/2017/decorative" val="1"/>
-              </a:ext>
-            </a:extLst>
-          </p:cNvPr>
-          <p:cNvSpPr>
-            <a:spLocks noGrp="1" noRot="1" noChangeAspect="1" noMove="1" noResize="1" noEditPoints="1" noAdjustHandles="1" noChangeArrowheads="1" noChangeShapeType="1" noTextEdit="1"/>
-          </p:cNvSpPr>
-          <p:nvPr>
-            <p:extLst>
-              <p:ext uri="{386F3935-93C4-4BCD-93E2-E3B085C9AB24}">
-                <p16:designElem xmlns:p16="http://schemas.microsoft.com/office/powerpoint/2015/main" val="1"/>
-              </p:ext>
-            </p:extLst>
-          </p:nvPr>
-        </p:nvSpPr>
-        <p:spPr>
-          <a:xfrm>
-            <a:off x="0" y="0"/>
-            <a:ext cx="5779911" cy="6858000"/>
-          </a:xfrm>
-          <a:prstGeom prst="rect">
-            <a:avLst/>
-          </a:prstGeom>
-          <a:gradFill flip="none" rotWithShape="1">
-            <a:gsLst>
-              <a:gs pos="0">
-                <a:schemeClr val="accent1"/>
-              </a:gs>
-              <a:gs pos="100000">
-                <a:schemeClr val="accent2"/>
-              </a:gs>
-            </a:gsLst>
-            <a:lin ang="2700000" scaled="1"/>
-            <a:tileRect/>
-          </a:gradFill>
-          <a:ln>
-            <a:noFill/>
-          </a:ln>
-        </p:spPr>
-        <p:style>
-          <a:lnRef idx="2">
-            <a:schemeClr val="accent1">
-              <a:shade val="50000"/>
-            </a:schemeClr>
-          </a:lnRef>
-          <a:fillRef idx="1">
-            <a:schemeClr val="accent1"/>
-          </a:fillRef>
-          <a:effectRef idx="0">
-            <a:schemeClr val="accent1"/>
-          </a:effectRef>
-          <a:fontRef idx="minor">
-            <a:schemeClr val="lt1"/>
-          </a:fontRef>
-        </p:style>
-        <p:txBody>
-          <a:bodyPr rtlCol="0" anchor="ctr"/>
-          <a:lstStyle/>
-          <a:p>
-            <a:pPr algn="ctr"/>
-            <a:endParaRPr lang="en-US">
-              <a:solidFill>
-                <a:schemeClr val="tx1"/>
-              </a:solidFill>
-            </a:endParaRPr>
-          </a:p>
-        </p:txBody>
-      </p:sp>
-      <p:sp>
-        <p:nvSpPr>
-          <p:cNvPr id="2" name="Título 1">
-            <a:extLst>
-              <a:ext uri="{FF2B5EF4-FFF2-40B4-BE49-F238E27FC236}">
-                <a16:creationId xmlns:a16="http://schemas.microsoft.com/office/drawing/2014/main" id="{5B68EC49-1E90-62F4-040F-EC5CD8DFE952}"/>
-              </a:ext>
-            </a:extLst>
-          </p:cNvPr>
-          <p:cNvSpPr>
-            <a:spLocks noGrp="1"/>
-          </p:cNvSpPr>
-          <p:nvPr>
-            <p:ph type="title"/>
-          </p:nvPr>
-        </p:nvSpPr>
-        <p:spPr>
-          <a:xfrm>
-            <a:off x="1188069" y="381935"/>
-            <a:ext cx="4008583" cy="5974414"/>
-          </a:xfrm>
-        </p:spPr>
-        <p:txBody>
-          <a:bodyPr anchor="ctr">
-            <a:normAutofit/>
-          </a:bodyPr>
-          <a:lstStyle/>
-          <a:p>
-            <a:r>
-              <a:rPr lang="en-US" sz="7400" b="1" err="1">
-                <a:solidFill>
-                  <a:srgbClr val="FFFFFF"/>
-                </a:solidFill>
-              </a:rPr>
-              <a:t>Sobre</a:t>
-            </a:r>
-            <a:r>
-              <a:rPr lang="en-US" sz="7400" b="1">
-                <a:solidFill>
-                  <a:srgbClr val="FFFFFF"/>
-                </a:solidFill>
-              </a:rPr>
-              <a:t> a </a:t>
-            </a:r>
-            <a:r>
-              <a:rPr lang="en-US" sz="7400" b="1" err="1">
-                <a:solidFill>
-                  <a:srgbClr val="FFFFFF"/>
-                </a:solidFill>
-              </a:rPr>
-              <a:t>empresa</a:t>
-            </a:r>
-            <a:endParaRPr lang="pt-US" sz="7400">
-              <a:solidFill>
-                <a:srgbClr val="FFFFFF"/>
-              </a:solidFill>
-            </a:endParaRPr>
-          </a:p>
-        </p:txBody>
-      </p:sp>
-      <p:grpSp>
-        <p:nvGrpSpPr>
-          <p:cNvPr id="21" name="Group 20">
-            <a:extLst>
-              <a:ext uri="{FF2B5EF4-FFF2-40B4-BE49-F238E27FC236}">
-                <a16:creationId xmlns:a16="http://schemas.microsoft.com/office/drawing/2014/main" id="{0474DF76-993E-44DE-AFB0-C416182ACECF}"/>
-              </a:ext>
-              <a:ext uri="{C183D7F6-B498-43B3-948B-1728B52AA6E4}">
-                <adec:decorative xmlns:adec="http://schemas.microsoft.com/office/drawing/2017/decorative" val="1"/>
-              </a:ext>
-            </a:extLst>
-          </p:cNvPr>
-          <p:cNvGrpSpPr>
-            <a:grpSpLocks noGrp="1" noUngrp="1" noRot="1" noChangeAspect="1" noMove="1" noResize="1"/>
-          </p:cNvGrpSpPr>
-          <p:nvPr>
-            <p:extLst>
-              <p:ext uri="{386F3935-93C4-4BCD-93E2-E3B085C9AB24}">
-                <p16:designElem xmlns:p16="http://schemas.microsoft.com/office/powerpoint/2015/main" val="1"/>
-              </p:ext>
-            </p:extLst>
-          </p:nvPr>
-        </p:nvGrpSpPr>
-        <p:grpSpPr>
-          <a:xfrm>
-            <a:off x="613892" y="554152"/>
-            <a:ext cx="574177" cy="1075866"/>
-            <a:chOff x="613892" y="554152"/>
-            <a:chExt cx="574177" cy="1075866"/>
-          </a:xfrm>
-          <a:solidFill>
-            <a:srgbClr val="FFFFFF"/>
-          </a:solidFill>
-        </p:grpSpPr>
-        <p:sp>
-          <p:nvSpPr>
-            <p:cNvPr id="22" name="Graphic 11">
-              <a:extLst>
-                <a:ext uri="{FF2B5EF4-FFF2-40B4-BE49-F238E27FC236}">
-                  <a16:creationId xmlns:a16="http://schemas.microsoft.com/office/drawing/2014/main" id="{6CB927A4-E432-4310-9CD5-E89FF5063179}"/>
-                </a:ext>
-                <a:ext uri="{C183D7F6-B498-43B3-948B-1728B52AA6E4}">
-                  <adec:decorative xmlns:adec="http://schemas.microsoft.com/office/drawing/2017/decorative" val="1"/>
-                </a:ext>
-              </a:extLst>
-            </p:cNvPr>
-            <p:cNvSpPr/>
-            <p:nvPr>
-              <p:extLst>
-                <p:ext uri="{386F3935-93C4-4BCD-93E2-E3B085C9AB24}">
-                  <p16:designElem xmlns:p16="http://schemas.microsoft.com/office/powerpoint/2015/main" val="1"/>
-                </p:ext>
-              </p:extLst>
-            </p:nvPr>
-          </p:nvSpPr>
-          <p:spPr>
-            <a:xfrm>
-              <a:off x="633061" y="554152"/>
-              <a:ext cx="171515" cy="171515"/>
-            </a:xfrm>
-            <a:custGeom>
-              <a:avLst/>
-              <a:gdLst>
-                <a:gd name="connsiteX0" fmla="*/ 159874 w 171515"/>
-                <a:gd name="connsiteY0" fmla="*/ 74116 h 171515"/>
-                <a:gd name="connsiteX1" fmla="*/ 97399 w 171515"/>
-                <a:gd name="connsiteY1" fmla="*/ 74116 h 171515"/>
-                <a:gd name="connsiteX2" fmla="*/ 97399 w 171515"/>
-                <a:gd name="connsiteY2" fmla="*/ 11641 h 171515"/>
-                <a:gd name="connsiteX3" fmla="*/ 85758 w 171515"/>
-                <a:gd name="connsiteY3" fmla="*/ 0 h 171515"/>
-                <a:gd name="connsiteX4" fmla="*/ 74116 w 171515"/>
-                <a:gd name="connsiteY4" fmla="*/ 11641 h 171515"/>
-                <a:gd name="connsiteX5" fmla="*/ 74116 w 171515"/>
-                <a:gd name="connsiteY5" fmla="*/ 74116 h 171515"/>
-                <a:gd name="connsiteX6" fmla="*/ 11641 w 171515"/>
-                <a:gd name="connsiteY6" fmla="*/ 74116 h 171515"/>
-                <a:gd name="connsiteX7" fmla="*/ 0 w 171515"/>
-                <a:gd name="connsiteY7" fmla="*/ 85758 h 171515"/>
-                <a:gd name="connsiteX8" fmla="*/ 11641 w 171515"/>
-                <a:gd name="connsiteY8" fmla="*/ 97399 h 171515"/>
-                <a:gd name="connsiteX9" fmla="*/ 74116 w 171515"/>
-                <a:gd name="connsiteY9" fmla="*/ 97399 h 171515"/>
-                <a:gd name="connsiteX10" fmla="*/ 74116 w 171515"/>
-                <a:gd name="connsiteY10" fmla="*/ 159874 h 171515"/>
-                <a:gd name="connsiteX11" fmla="*/ 85758 w 171515"/>
-                <a:gd name="connsiteY11" fmla="*/ 171515 h 171515"/>
-                <a:gd name="connsiteX12" fmla="*/ 97399 w 171515"/>
-                <a:gd name="connsiteY12" fmla="*/ 159874 h 171515"/>
-                <a:gd name="connsiteX13" fmla="*/ 97399 w 171515"/>
-                <a:gd name="connsiteY13" fmla="*/ 97399 h 171515"/>
-                <a:gd name="connsiteX14" fmla="*/ 159874 w 171515"/>
-                <a:gd name="connsiteY14" fmla="*/ 97399 h 171515"/>
-                <a:gd name="connsiteX15" fmla="*/ 171515 w 171515"/>
-                <a:gd name="connsiteY15" fmla="*/ 85758 h 171515"/>
-                <a:gd name="connsiteX16" fmla="*/ 159874 w 171515"/>
-                <a:gd name="connsiteY16" fmla="*/ 74116 h 171515"/>
-              </a:gdLst>
-              <a:ahLst/>
-              <a:cxnLst>
-                <a:cxn ang="0">
-                  <a:pos x="connsiteX0" y="connsiteY0"/>
-                </a:cxn>
-                <a:cxn ang="0">
-                  <a:pos x="connsiteX1" y="connsiteY1"/>
-                </a:cxn>
-                <a:cxn ang="0">
-                  <a:pos x="connsiteX2" y="connsiteY2"/>
-                </a:cxn>
-                <a:cxn ang="0">
-                  <a:pos x="connsiteX3" y="connsiteY3"/>
-                </a:cxn>
-                <a:cxn ang="0">
-                  <a:pos x="connsiteX4" y="connsiteY4"/>
-                </a:cxn>
-                <a:cxn ang="0">
-                  <a:pos x="connsiteX5" y="connsiteY5"/>
-                </a:cxn>
-                <a:cxn ang="0">
-                  <a:pos x="connsiteX6" y="connsiteY6"/>
-                </a:cxn>
-                <a:cxn ang="0">
-                  <a:pos x="connsiteX7" y="connsiteY7"/>
-                </a:cxn>
-                <a:cxn ang="0">
-                  <a:pos x="connsiteX8" y="connsiteY8"/>
-                </a:cxn>
-                <a:cxn ang="0">
-                  <a:pos x="connsiteX9" y="connsiteY9"/>
-                </a:cxn>
-                <a:cxn ang="0">
-                  <a:pos x="connsiteX10" y="connsiteY10"/>
-                </a:cxn>
-                <a:cxn ang="0">
-                  <a:pos x="connsiteX11" y="connsiteY11"/>
-                </a:cxn>
-                <a:cxn ang="0">
-                  <a:pos x="connsiteX12" y="connsiteY12"/>
-                </a:cxn>
-                <a:cxn ang="0">
-                  <a:pos x="connsiteX13" y="connsiteY13"/>
-                </a:cxn>
-                <a:cxn ang="0">
-                  <a:pos x="connsiteX14" y="connsiteY14"/>
-                </a:cxn>
-                <a:cxn ang="0">
-                  <a:pos x="connsiteX15" y="connsiteY15"/>
-                </a:cxn>
-                <a:cxn ang="0">
-                  <a:pos x="connsiteX16" y="connsiteY16"/>
-                </a:cxn>
-              </a:cxnLst>
-              <a:rect l="l" t="t" r="r" b="b"/>
-              <a:pathLst>
-                <a:path w="171515" h="171515">
-                  <a:moveTo>
-                    <a:pt x="159874" y="74116"/>
-                  </a:moveTo>
-                  <a:lnTo>
-                    <a:pt x="97399" y="74116"/>
-                  </a:lnTo>
-                  <a:lnTo>
-                    <a:pt x="97399" y="11641"/>
-                  </a:lnTo>
-                  <a:cubicBezTo>
-                    <a:pt x="97399" y="5212"/>
-                    <a:pt x="92187" y="0"/>
-                    <a:pt x="85758" y="0"/>
-                  </a:cubicBezTo>
-                  <a:cubicBezTo>
-                    <a:pt x="79328" y="0"/>
-                    <a:pt x="74116" y="5212"/>
-                    <a:pt x="74116" y="11641"/>
-                  </a:cubicBezTo>
-                  <a:lnTo>
-                    <a:pt x="74116" y="74116"/>
-                  </a:lnTo>
-                  <a:lnTo>
-                    <a:pt x="11641" y="74116"/>
-                  </a:lnTo>
-                  <a:cubicBezTo>
-                    <a:pt x="5212" y="74116"/>
-                    <a:pt x="0" y="79328"/>
-                    <a:pt x="0" y="85758"/>
-                  </a:cubicBezTo>
-                  <a:cubicBezTo>
-                    <a:pt x="0" y="92187"/>
-                    <a:pt x="5212" y="97399"/>
-                    <a:pt x="11641" y="97399"/>
-                  </a:cubicBezTo>
-                  <a:lnTo>
-                    <a:pt x="74116" y="97399"/>
-                  </a:lnTo>
-                  <a:lnTo>
-                    <a:pt x="74116" y="159874"/>
-                  </a:lnTo>
-                  <a:cubicBezTo>
-                    <a:pt x="74116" y="166303"/>
-                    <a:pt x="79328" y="171515"/>
-                    <a:pt x="85758" y="171515"/>
-                  </a:cubicBezTo>
-                  <a:cubicBezTo>
-                    <a:pt x="92187" y="171515"/>
-                    <a:pt x="97399" y="166303"/>
-                    <a:pt x="97399" y="159874"/>
-                  </a:cubicBezTo>
-                  <a:lnTo>
-                    <a:pt x="97399" y="97399"/>
-                  </a:lnTo>
-                  <a:lnTo>
-                    <a:pt x="159874" y="97399"/>
-                  </a:lnTo>
-                  <a:cubicBezTo>
-                    <a:pt x="166303" y="97399"/>
-                    <a:pt x="171515" y="92187"/>
-                    <a:pt x="171515" y="85758"/>
-                  </a:cubicBezTo>
-                  <a:cubicBezTo>
-                    <a:pt x="171515" y="79328"/>
-                    <a:pt x="166303" y="74116"/>
-                    <a:pt x="159874" y="74116"/>
-                  </a:cubicBezTo>
-                  <a:close/>
-                </a:path>
-              </a:pathLst>
-            </a:custGeom>
-            <a:grpFill/>
-            <a:ln w="776" cap="flat">
-              <a:noFill/>
-              <a:prstDash val="solid"/>
-              <a:miter/>
-            </a:ln>
-          </p:spPr>
-          <p:txBody>
-            <a:bodyPr rtlCol="0" anchor="ctr"/>
-            <a:lstStyle/>
-            <a:p>
-              <a:endParaRPr lang="en-US"/>
-            </a:p>
-          </p:txBody>
-        </p:sp>
-        <p:sp>
-          <p:nvSpPr>
-            <p:cNvPr id="23" name="Graphic 10">
-              <a:extLst>
-                <a:ext uri="{FF2B5EF4-FFF2-40B4-BE49-F238E27FC236}">
-                  <a16:creationId xmlns:a16="http://schemas.microsoft.com/office/drawing/2014/main" id="{E3020543-B24B-4EC4-8FFC-8DD88EEA91A8}"/>
-                </a:ext>
-                <a:ext uri="{C183D7F6-B498-43B3-948B-1728B52AA6E4}">
-                  <adec:decorative xmlns:adec="http://schemas.microsoft.com/office/drawing/2017/decorative" val="1"/>
-                </a:ext>
-              </a:extLst>
-            </p:cNvPr>
-            <p:cNvSpPr/>
-            <p:nvPr>
-              <p:extLst>
-                <p:ext uri="{386F3935-93C4-4BCD-93E2-E3B085C9AB24}">
-                  <p16:designElem xmlns:p16="http://schemas.microsoft.com/office/powerpoint/2015/main" val="1"/>
-                </p:ext>
-              </p:extLst>
-            </p:nvPr>
-          </p:nvSpPr>
-          <p:spPr>
-            <a:xfrm>
-              <a:off x="1075643" y="837005"/>
-              <a:ext cx="112426" cy="112426"/>
-            </a:xfrm>
-            <a:custGeom>
-              <a:avLst/>
-              <a:gdLst>
-                <a:gd name="connsiteX0" fmla="*/ 112426 w 112426"/>
-                <a:gd name="connsiteY0" fmla="*/ 56213 h 112426"/>
-                <a:gd name="connsiteX1" fmla="*/ 56213 w 112426"/>
-                <a:gd name="connsiteY1" fmla="*/ 112426 h 112426"/>
-                <a:gd name="connsiteX2" fmla="*/ 0 w 112426"/>
-                <a:gd name="connsiteY2" fmla="*/ 56213 h 112426"/>
-                <a:gd name="connsiteX3" fmla="*/ 56213 w 112426"/>
-                <a:gd name="connsiteY3" fmla="*/ 0 h 112426"/>
-                <a:gd name="connsiteX4" fmla="*/ 112426 w 112426"/>
-                <a:gd name="connsiteY4" fmla="*/ 56213 h 112426"/>
-              </a:gdLst>
-              <a:ahLst/>
-              <a:cxnLst>
-                <a:cxn ang="0">
-                  <a:pos x="connsiteX0" y="connsiteY0"/>
-                </a:cxn>
-                <a:cxn ang="0">
-                  <a:pos x="connsiteX1" y="connsiteY1"/>
-                </a:cxn>
-                <a:cxn ang="0">
-                  <a:pos x="connsiteX2" y="connsiteY2"/>
-                </a:cxn>
-                <a:cxn ang="0">
-                  <a:pos x="connsiteX3" y="connsiteY3"/>
-                </a:cxn>
-                <a:cxn ang="0">
-                  <a:pos x="connsiteX4" y="connsiteY4"/>
-                </a:cxn>
-              </a:cxnLst>
-              <a:rect l="l" t="t" r="r" b="b"/>
-              <a:pathLst>
-                <a:path w="112426" h="112426">
-                  <a:moveTo>
-                    <a:pt x="112426" y="56213"/>
-                  </a:moveTo>
-                  <a:cubicBezTo>
-                    <a:pt x="112426" y="87259"/>
-                    <a:pt x="87259" y="112426"/>
-                    <a:pt x="56213" y="112426"/>
-                  </a:cubicBezTo>
-                  <a:cubicBezTo>
-                    <a:pt x="25167" y="112426"/>
-                    <a:pt x="0" y="87259"/>
-                    <a:pt x="0" y="56213"/>
-                  </a:cubicBezTo>
-                  <a:cubicBezTo>
-                    <a:pt x="0" y="25167"/>
-                    <a:pt x="25167" y="0"/>
-                    <a:pt x="56213" y="0"/>
-                  </a:cubicBezTo>
-                  <a:cubicBezTo>
-                    <a:pt x="87259" y="0"/>
-                    <a:pt x="112426" y="25167"/>
-                    <a:pt x="112426" y="56213"/>
-                  </a:cubicBezTo>
-                  <a:close/>
-                </a:path>
-              </a:pathLst>
-            </a:custGeom>
-            <a:grpFill/>
-            <a:ln w="516" cap="flat">
-              <a:noFill/>
-              <a:prstDash val="solid"/>
-              <a:miter/>
-            </a:ln>
-          </p:spPr>
-          <p:txBody>
-            <a:bodyPr rtlCol="0" anchor="ctr"/>
-            <a:lstStyle/>
-            <a:p>
-              <a:endParaRPr lang="en-US"/>
-            </a:p>
-          </p:txBody>
-        </p:sp>
-        <p:sp>
-          <p:nvSpPr>
-            <p:cNvPr id="24" name="Graphic 12">
-              <a:extLst>
-                <a:ext uri="{FF2B5EF4-FFF2-40B4-BE49-F238E27FC236}">
-                  <a16:creationId xmlns:a16="http://schemas.microsoft.com/office/drawing/2014/main" id="{1453BF6C-B012-48B7-B4E8-6D7AC7C27D02}"/>
-                </a:ext>
-                <a:ext uri="{C183D7F6-B498-43B3-948B-1728B52AA6E4}">
-                  <adec:decorative xmlns:adec="http://schemas.microsoft.com/office/drawing/2017/decorative" val="1"/>
-                </a:ext>
-              </a:extLst>
-            </p:cNvPr>
-            <p:cNvSpPr/>
-            <p:nvPr>
-              <p:extLst>
-                <p:ext uri="{386F3935-93C4-4BCD-93E2-E3B085C9AB24}">
-                  <p16:designElem xmlns:p16="http://schemas.microsoft.com/office/powerpoint/2015/main" val="1"/>
-                </p:ext>
-              </p:extLst>
-            </p:nvPr>
-          </p:nvSpPr>
-          <p:spPr>
-            <a:xfrm>
-              <a:off x="613892" y="1472473"/>
-              <a:ext cx="157545" cy="157545"/>
-            </a:xfrm>
-            <a:custGeom>
-              <a:avLst/>
-              <a:gdLst>
-                <a:gd name="connsiteX0" fmla="*/ 78773 w 157545"/>
-                <a:gd name="connsiteY0" fmla="*/ 23283 h 157545"/>
-                <a:gd name="connsiteX1" fmla="*/ 134262 w 157545"/>
-                <a:gd name="connsiteY1" fmla="*/ 78773 h 157545"/>
-                <a:gd name="connsiteX2" fmla="*/ 78773 w 157545"/>
-                <a:gd name="connsiteY2" fmla="*/ 134262 h 157545"/>
-                <a:gd name="connsiteX3" fmla="*/ 23283 w 157545"/>
-                <a:gd name="connsiteY3" fmla="*/ 78773 h 157545"/>
-                <a:gd name="connsiteX4" fmla="*/ 78773 w 157545"/>
-                <a:gd name="connsiteY4" fmla="*/ 23283 h 157545"/>
-                <a:gd name="connsiteX5" fmla="*/ 78773 w 157545"/>
-                <a:gd name="connsiteY5" fmla="*/ 0 h 157545"/>
-                <a:gd name="connsiteX6" fmla="*/ 0 w 157545"/>
-                <a:gd name="connsiteY6" fmla="*/ 78773 h 157545"/>
-                <a:gd name="connsiteX7" fmla="*/ 78773 w 157545"/>
-                <a:gd name="connsiteY7" fmla="*/ 157545 h 157545"/>
-                <a:gd name="connsiteX8" fmla="*/ 157545 w 157545"/>
-                <a:gd name="connsiteY8" fmla="*/ 78773 h 157545"/>
-                <a:gd name="connsiteX9" fmla="*/ 78773 w 157545"/>
-                <a:gd name="connsiteY9" fmla="*/ 0 h 157545"/>
-              </a:gdLst>
-              <a:ahLst/>
-              <a:cxnLst>
-                <a:cxn ang="0">
-                  <a:pos x="connsiteX0" y="connsiteY0"/>
-                </a:cxn>
-                <a:cxn ang="0">
-                  <a:pos x="connsiteX1" y="connsiteY1"/>
-                </a:cxn>
-                <a:cxn ang="0">
-                  <a:pos x="connsiteX2" y="connsiteY2"/>
-                </a:cxn>
-                <a:cxn ang="0">
-                  <a:pos x="connsiteX3" y="connsiteY3"/>
-                </a:cxn>
-                <a:cxn ang="0">
-                  <a:pos x="connsiteX4" y="connsiteY4"/>
-                </a:cxn>
-                <a:cxn ang="0">
-                  <a:pos x="connsiteX5" y="connsiteY5"/>
-                </a:cxn>
-                <a:cxn ang="0">
-                  <a:pos x="connsiteX6" y="connsiteY6"/>
-                </a:cxn>
-                <a:cxn ang="0">
-                  <a:pos x="connsiteX7" y="connsiteY7"/>
-                </a:cxn>
-                <a:cxn ang="0">
-                  <a:pos x="connsiteX8" y="connsiteY8"/>
-                </a:cxn>
-                <a:cxn ang="0">
-                  <a:pos x="connsiteX9" y="connsiteY9"/>
-                </a:cxn>
-              </a:cxnLst>
-              <a:rect l="l" t="t" r="r" b="b"/>
-              <a:pathLst>
-                <a:path w="157545" h="157545">
-                  <a:moveTo>
-                    <a:pt x="78773" y="23283"/>
-                  </a:moveTo>
-                  <a:cubicBezTo>
-                    <a:pt x="109419" y="23283"/>
-                    <a:pt x="134262" y="48126"/>
-                    <a:pt x="134262" y="78773"/>
-                  </a:cubicBezTo>
-                  <a:cubicBezTo>
-                    <a:pt x="134262" y="109419"/>
-                    <a:pt x="109419" y="134262"/>
-                    <a:pt x="78773" y="134262"/>
-                  </a:cubicBezTo>
-                  <a:cubicBezTo>
-                    <a:pt x="48126" y="134262"/>
-                    <a:pt x="23283" y="109419"/>
-                    <a:pt x="23283" y="78773"/>
-                  </a:cubicBezTo>
-                  <a:cubicBezTo>
-                    <a:pt x="23312" y="48139"/>
-                    <a:pt x="48139" y="23312"/>
-                    <a:pt x="78773" y="23283"/>
-                  </a:cubicBezTo>
-                  <a:moveTo>
-                    <a:pt x="78773" y="0"/>
-                  </a:moveTo>
-                  <a:cubicBezTo>
-                    <a:pt x="35268" y="0"/>
-                    <a:pt x="0" y="35268"/>
-                    <a:pt x="0" y="78773"/>
-                  </a:cubicBezTo>
-                  <a:cubicBezTo>
-                    <a:pt x="0" y="122277"/>
-                    <a:pt x="35268" y="157545"/>
-                    <a:pt x="78773" y="157545"/>
-                  </a:cubicBezTo>
-                  <a:cubicBezTo>
-                    <a:pt x="122277" y="157545"/>
-                    <a:pt x="157545" y="122277"/>
-                    <a:pt x="157545" y="78773"/>
-                  </a:cubicBezTo>
-                  <a:cubicBezTo>
-                    <a:pt x="157545" y="35268"/>
-                    <a:pt x="122277" y="0"/>
-                    <a:pt x="78773" y="0"/>
-                  </a:cubicBezTo>
-                  <a:close/>
-                </a:path>
-              </a:pathLst>
-            </a:custGeom>
-            <a:grpFill/>
-            <a:ln w="751" cap="flat">
-              <a:noFill/>
-              <a:prstDash val="solid"/>
-              <a:miter/>
-            </a:ln>
-          </p:spPr>
-          <p:txBody>
-            <a:bodyPr rtlCol="0" anchor="ctr"/>
-            <a:lstStyle/>
-            <a:p>
-              <a:endParaRPr lang="en-US"/>
-            </a:p>
-          </p:txBody>
-        </p:sp>
-      </p:grpSp>
-      <p:sp>
-        <p:nvSpPr>
-          <p:cNvPr id="3" name="Espaço Reservado para Conteúdo 2">
-            <a:extLst>
-              <a:ext uri="{FF2B5EF4-FFF2-40B4-BE49-F238E27FC236}">
-                <a16:creationId xmlns:a16="http://schemas.microsoft.com/office/drawing/2014/main" id="{16535EFC-9E13-8C7A-F3ED-153CCAB8C525}"/>
-              </a:ext>
-            </a:extLst>
-          </p:cNvPr>
-          <p:cNvSpPr>
-            <a:spLocks noGrp="1"/>
-          </p:cNvSpPr>
-          <p:nvPr>
-            <p:ph idx="1"/>
-          </p:nvPr>
-        </p:nvSpPr>
-        <p:spPr>
-          <a:xfrm>
-            <a:off x="6297233" y="518400"/>
-            <a:ext cx="4771607" cy="5837949"/>
-          </a:xfrm>
-        </p:spPr>
-        <p:txBody>
-          <a:bodyPr anchor="ctr">
-            <a:normAutofit/>
-          </a:bodyPr>
-          <a:lstStyle/>
-          <a:p>
-            <a:r>
-              <a:rPr lang="en-US" sz="2000" dirty="0">
-                <a:solidFill>
-                  <a:schemeClr val="tx1">
-                    <a:alpha val="80000"/>
-                  </a:schemeClr>
-                </a:solidFill>
-              </a:rPr>
-              <a:t>A </a:t>
-            </a:r>
-            <a:r>
-              <a:rPr lang="en-US" sz="2000" dirty="0" err="1">
-                <a:solidFill>
-                  <a:schemeClr val="tx1">
-                    <a:alpha val="80000"/>
-                  </a:schemeClr>
-                </a:solidFill>
-              </a:rPr>
-              <a:t>empresa</a:t>
-            </a:r>
-            <a:r>
-              <a:rPr lang="en-US" sz="2000" dirty="0">
-                <a:solidFill>
-                  <a:schemeClr val="tx1">
-                    <a:alpha val="80000"/>
-                  </a:schemeClr>
-                </a:solidFill>
-              </a:rPr>
-              <a:t> “Delivery Store” </a:t>
-            </a:r>
-            <a:r>
-              <a:rPr lang="en-US" sz="2000" dirty="0" err="1">
-                <a:solidFill>
-                  <a:schemeClr val="tx1">
-                    <a:alpha val="80000"/>
-                  </a:schemeClr>
-                </a:solidFill>
-              </a:rPr>
-              <a:t>trabalha</a:t>
-            </a:r>
-            <a:r>
-              <a:rPr lang="en-US" sz="2000" dirty="0">
-                <a:solidFill>
-                  <a:schemeClr val="tx1">
-                    <a:alpha val="80000"/>
-                  </a:schemeClr>
-                </a:solidFill>
-              </a:rPr>
-              <a:t> com </a:t>
-            </a:r>
-            <a:r>
-              <a:rPr lang="en-US" sz="2000" dirty="0" err="1">
-                <a:solidFill>
-                  <a:schemeClr val="tx1">
-                    <a:alpha val="80000"/>
-                  </a:schemeClr>
-                </a:solidFill>
-              </a:rPr>
-              <a:t>grandes</a:t>
-            </a:r>
-            <a:r>
-              <a:rPr lang="en-US" sz="2000" dirty="0">
-                <a:solidFill>
-                  <a:schemeClr val="tx1">
-                    <a:alpha val="80000"/>
-                  </a:schemeClr>
-                </a:solidFill>
-              </a:rPr>
-              <a:t> </a:t>
-            </a:r>
-            <a:r>
-              <a:rPr lang="en-US" sz="2000" dirty="0" err="1">
-                <a:solidFill>
-                  <a:schemeClr val="tx1">
-                    <a:alpha val="80000"/>
-                  </a:schemeClr>
-                </a:solidFill>
-              </a:rPr>
-              <a:t>empresas</a:t>
-            </a:r>
-            <a:r>
-              <a:rPr lang="en-US" sz="2000" dirty="0">
-                <a:solidFill>
-                  <a:schemeClr val="tx1">
-                    <a:alpha val="80000"/>
-                  </a:schemeClr>
-                </a:solidFill>
-              </a:rPr>
-              <a:t> que </a:t>
-            </a:r>
-            <a:r>
-              <a:rPr lang="en-US" sz="2000" dirty="0" err="1">
-                <a:solidFill>
-                  <a:schemeClr val="tx1">
-                    <a:alpha val="80000"/>
-                  </a:schemeClr>
-                </a:solidFill>
-              </a:rPr>
-              <a:t>vendem</a:t>
-            </a:r>
-            <a:r>
-              <a:rPr lang="en-US" sz="2000" dirty="0">
-                <a:solidFill>
-                  <a:schemeClr val="tx1">
-                    <a:alpha val="80000"/>
-                  </a:schemeClr>
-                </a:solidFill>
-              </a:rPr>
-              <a:t> </a:t>
-            </a:r>
-            <a:r>
-              <a:rPr lang="en-US" sz="2000" dirty="0" err="1">
-                <a:solidFill>
-                  <a:schemeClr val="tx1">
-                    <a:alpha val="80000"/>
-                  </a:schemeClr>
-                </a:solidFill>
-              </a:rPr>
-              <a:t>através</a:t>
-            </a:r>
-            <a:r>
-              <a:rPr lang="en-US" sz="2000" dirty="0">
-                <a:solidFill>
-                  <a:schemeClr val="tx1">
-                    <a:alpha val="80000"/>
-                  </a:schemeClr>
-                </a:solidFill>
-              </a:rPr>
-              <a:t> da internet.</a:t>
-            </a:r>
-          </a:p>
-          <a:p>
-            <a:r>
-              <a:rPr lang="en-US" sz="2000" dirty="0" err="1">
-                <a:solidFill>
-                  <a:schemeClr val="tx1">
-                    <a:alpha val="80000"/>
-                  </a:schemeClr>
-                </a:solidFill>
-              </a:rPr>
-              <a:t>Responsável</a:t>
-            </a:r>
-            <a:r>
-              <a:rPr lang="en-US" sz="2000" dirty="0">
-                <a:solidFill>
-                  <a:schemeClr val="tx1">
-                    <a:alpha val="80000"/>
-                  </a:schemeClr>
-                </a:solidFill>
-              </a:rPr>
-              <a:t> </a:t>
-            </a:r>
-            <a:r>
-              <a:rPr lang="en-US" sz="2000" dirty="0" err="1">
-                <a:solidFill>
-                  <a:schemeClr val="tx1">
-                    <a:alpha val="80000"/>
-                  </a:schemeClr>
-                </a:solidFill>
-              </a:rPr>
-              <a:t>por</a:t>
-            </a:r>
-            <a:r>
-              <a:rPr lang="en-US" sz="2000" dirty="0">
-                <a:solidFill>
-                  <a:schemeClr val="tx1">
-                    <a:alpha val="80000"/>
-                  </a:schemeClr>
-                </a:solidFill>
-              </a:rPr>
-              <a:t> </a:t>
-            </a:r>
-            <a:r>
-              <a:rPr lang="en-US" sz="2000" dirty="0" err="1">
-                <a:solidFill>
-                  <a:schemeClr val="tx1">
-                    <a:alpha val="80000"/>
-                  </a:schemeClr>
-                </a:solidFill>
-              </a:rPr>
-              <a:t>armazenar</a:t>
-            </a:r>
-            <a:r>
-              <a:rPr lang="en-US" sz="2000" dirty="0">
-                <a:solidFill>
-                  <a:schemeClr val="tx1">
-                    <a:alpha val="80000"/>
-                  </a:schemeClr>
-                </a:solidFill>
-              </a:rPr>
-              <a:t> e </a:t>
-            </a:r>
-            <a:r>
-              <a:rPr lang="en-US" sz="2000" dirty="0" err="1">
-                <a:solidFill>
-                  <a:schemeClr val="tx1">
-                    <a:alpha val="80000"/>
-                  </a:schemeClr>
-                </a:solidFill>
-              </a:rPr>
-              <a:t>entregar</a:t>
-            </a:r>
-            <a:r>
-              <a:rPr lang="en-US" sz="2000" dirty="0">
-                <a:solidFill>
-                  <a:schemeClr val="tx1">
-                    <a:alpha val="80000"/>
-                  </a:schemeClr>
-                </a:solidFill>
-              </a:rPr>
-              <a:t> </a:t>
-            </a:r>
-            <a:r>
-              <a:rPr lang="en-US" sz="2000" dirty="0" err="1">
-                <a:solidFill>
-                  <a:schemeClr val="tx1">
-                    <a:alpha val="80000"/>
-                  </a:schemeClr>
-                </a:solidFill>
-              </a:rPr>
-              <a:t>os</a:t>
-            </a:r>
-            <a:r>
-              <a:rPr lang="en-US" sz="2000" dirty="0">
-                <a:solidFill>
-                  <a:schemeClr val="tx1">
-                    <a:alpha val="80000"/>
-                  </a:schemeClr>
-                </a:solidFill>
-              </a:rPr>
-              <a:t> </a:t>
-            </a:r>
-            <a:r>
-              <a:rPr lang="en-US" sz="2000" dirty="0" err="1">
-                <a:solidFill>
-                  <a:schemeClr val="tx1">
-                    <a:alpha val="80000"/>
-                  </a:schemeClr>
-                </a:solidFill>
-              </a:rPr>
-              <a:t>produtos</a:t>
-            </a:r>
-            <a:r>
-              <a:rPr lang="en-US" sz="2000" dirty="0">
-                <a:solidFill>
-                  <a:schemeClr val="tx1">
-                    <a:alpha val="80000"/>
-                  </a:schemeClr>
-                </a:solidFill>
-              </a:rPr>
-              <a:t> para o </a:t>
-            </a:r>
-            <a:r>
-              <a:rPr lang="en-US" sz="2000" dirty="0" err="1">
-                <a:solidFill>
-                  <a:schemeClr val="tx1">
-                    <a:alpha val="80000"/>
-                  </a:schemeClr>
-                </a:solidFill>
-              </a:rPr>
-              <a:t>consumidor</a:t>
-            </a:r>
-            <a:r>
-              <a:rPr lang="en-US" sz="2000" dirty="0">
-                <a:solidFill>
-                  <a:schemeClr val="tx1">
-                    <a:alpha val="80000"/>
-                  </a:schemeClr>
-                </a:solidFill>
-              </a:rPr>
-              <a:t> final de </a:t>
-            </a:r>
-            <a:r>
-              <a:rPr lang="en-US" sz="2000" dirty="0" err="1">
-                <a:solidFill>
-                  <a:schemeClr val="tx1">
-                    <a:alpha val="80000"/>
-                  </a:schemeClr>
-                </a:solidFill>
-              </a:rPr>
-              <a:t>seus</a:t>
-            </a:r>
-            <a:r>
-              <a:rPr lang="en-US" sz="2000" dirty="0">
-                <a:solidFill>
-                  <a:schemeClr val="tx1">
-                    <a:alpha val="80000"/>
-                  </a:schemeClr>
-                </a:solidFill>
-              </a:rPr>
-              <a:t> </a:t>
-            </a:r>
-            <a:r>
-              <a:rPr lang="en-US" sz="2000" dirty="0" err="1">
-                <a:solidFill>
-                  <a:schemeClr val="tx1">
-                    <a:alpha val="80000"/>
-                  </a:schemeClr>
-                </a:solidFill>
-              </a:rPr>
-              <a:t>clientes</a:t>
-            </a:r>
-            <a:endParaRPr lang="en-US" sz="2000" dirty="0">
-              <a:solidFill>
-                <a:schemeClr val="tx1">
-                  <a:alpha val="80000"/>
-                </a:schemeClr>
-              </a:solidFill>
-            </a:endParaRPr>
-          </a:p>
-          <a:p>
-            <a:r>
-              <a:rPr lang="en-US" sz="2000" dirty="0">
-                <a:solidFill>
-                  <a:schemeClr val="tx1">
-                    <a:alpha val="80000"/>
-                  </a:schemeClr>
-                </a:solidFill>
-              </a:rPr>
-              <a:t>O </a:t>
-            </a:r>
-            <a:r>
-              <a:rPr lang="en-US" sz="2000" dirty="0" err="1">
-                <a:solidFill>
-                  <a:schemeClr val="tx1">
-                    <a:alpha val="80000"/>
-                  </a:schemeClr>
-                </a:solidFill>
-              </a:rPr>
-              <a:t>objetivo</a:t>
-            </a:r>
-            <a:r>
-              <a:rPr lang="en-US" sz="2000" dirty="0">
-                <a:solidFill>
-                  <a:schemeClr val="tx1">
-                    <a:alpha val="80000"/>
-                  </a:schemeClr>
-                </a:solidFill>
-              </a:rPr>
-              <a:t> da </a:t>
-            </a:r>
-            <a:r>
-              <a:rPr lang="en-US" sz="2000" dirty="0" err="1">
-                <a:solidFill>
-                  <a:schemeClr val="tx1">
-                    <a:alpha val="80000"/>
-                  </a:schemeClr>
-                </a:solidFill>
-              </a:rPr>
-              <a:t>empresa</a:t>
-            </a:r>
-            <a:r>
-              <a:rPr lang="en-US" sz="2000" dirty="0">
-                <a:solidFill>
-                  <a:schemeClr val="tx1">
-                    <a:alpha val="80000"/>
-                  </a:schemeClr>
-                </a:solidFill>
-              </a:rPr>
-              <a:t> </a:t>
-            </a:r>
-            <a:r>
-              <a:rPr lang="en-US" sz="2000" dirty="0" err="1">
-                <a:solidFill>
-                  <a:schemeClr val="tx1">
-                    <a:alpha val="80000"/>
-                  </a:schemeClr>
-                </a:solidFill>
-              </a:rPr>
-              <a:t>é</a:t>
-            </a:r>
-            <a:r>
-              <a:rPr lang="en-US" sz="2000" dirty="0">
-                <a:solidFill>
-                  <a:schemeClr val="tx1">
-                    <a:alpha val="80000"/>
-                  </a:schemeClr>
-                </a:solidFill>
-              </a:rPr>
-              <a:t> </a:t>
-            </a:r>
-            <a:r>
-              <a:rPr lang="en-US" sz="2000" dirty="0" err="1">
-                <a:solidFill>
-                  <a:schemeClr val="tx1">
-                    <a:alpha val="80000"/>
-                  </a:schemeClr>
-                </a:solidFill>
-              </a:rPr>
-              <a:t>garantir</a:t>
-            </a:r>
-            <a:r>
-              <a:rPr lang="en-US" sz="2000" dirty="0">
-                <a:solidFill>
-                  <a:schemeClr val="tx1">
-                    <a:alpha val="80000"/>
-                  </a:schemeClr>
-                </a:solidFill>
-              </a:rPr>
-              <a:t> a </a:t>
-            </a:r>
-            <a:r>
-              <a:rPr lang="en-US" sz="2000" dirty="0" err="1">
-                <a:solidFill>
-                  <a:schemeClr val="tx1">
-                    <a:alpha val="80000"/>
-                  </a:schemeClr>
-                </a:solidFill>
-              </a:rPr>
-              <a:t>entrega</a:t>
-            </a:r>
-            <a:r>
-              <a:rPr lang="en-US" sz="2000" dirty="0">
-                <a:solidFill>
-                  <a:schemeClr val="tx1">
-                    <a:alpha val="80000"/>
-                  </a:schemeClr>
-                </a:solidFill>
-              </a:rPr>
-              <a:t> dos </a:t>
-            </a:r>
-            <a:r>
-              <a:rPr lang="en-US" sz="2000" dirty="0" err="1">
-                <a:solidFill>
-                  <a:schemeClr val="tx1">
-                    <a:alpha val="80000"/>
-                  </a:schemeClr>
-                </a:solidFill>
-              </a:rPr>
-              <a:t>produtos</a:t>
-            </a:r>
-            <a:r>
-              <a:rPr lang="en-US" sz="2000" dirty="0">
-                <a:solidFill>
-                  <a:schemeClr val="tx1">
-                    <a:alpha val="80000"/>
-                  </a:schemeClr>
-                </a:solidFill>
-              </a:rPr>
-              <a:t> de </a:t>
-            </a:r>
-            <a:r>
-              <a:rPr lang="en-US" sz="2000" dirty="0" err="1">
-                <a:solidFill>
-                  <a:schemeClr val="tx1">
-                    <a:alpha val="80000"/>
-                  </a:schemeClr>
-                </a:solidFill>
-              </a:rPr>
-              <a:t>seus</a:t>
-            </a:r>
-            <a:r>
-              <a:rPr lang="en-US" sz="2000" dirty="0">
-                <a:solidFill>
-                  <a:schemeClr val="tx1">
-                    <a:alpha val="80000"/>
-                  </a:schemeClr>
-                </a:solidFill>
-              </a:rPr>
-              <a:t> </a:t>
-            </a:r>
-            <a:r>
-              <a:rPr lang="en-US" sz="2000" dirty="0" err="1">
-                <a:solidFill>
-                  <a:schemeClr val="tx1">
-                    <a:alpha val="80000"/>
-                  </a:schemeClr>
-                </a:solidFill>
-              </a:rPr>
-              <a:t>clientes</a:t>
-            </a:r>
-            <a:r>
-              <a:rPr lang="en-US" sz="2000" dirty="0">
-                <a:solidFill>
-                  <a:schemeClr val="tx1">
-                    <a:alpha val="80000"/>
-                  </a:schemeClr>
-                </a:solidFill>
-              </a:rPr>
-              <a:t> </a:t>
-            </a:r>
-            <a:r>
-              <a:rPr lang="en-US" sz="2000" dirty="0" err="1">
-                <a:solidFill>
-                  <a:schemeClr val="tx1">
-                    <a:alpha val="80000"/>
-                  </a:schemeClr>
-                </a:solidFill>
-              </a:rPr>
-              <a:t>em</a:t>
-            </a:r>
-            <a:r>
-              <a:rPr lang="en-US" sz="2000" dirty="0">
-                <a:solidFill>
-                  <a:schemeClr val="tx1">
-                    <a:alpha val="80000"/>
-                  </a:schemeClr>
-                </a:solidFill>
-              </a:rPr>
-              <a:t> </a:t>
-            </a:r>
-            <a:r>
-              <a:rPr lang="en-US" sz="2000" dirty="0" err="1">
-                <a:solidFill>
-                  <a:schemeClr val="tx1">
-                    <a:alpha val="80000"/>
-                  </a:schemeClr>
-                </a:solidFill>
-              </a:rPr>
-              <a:t>até</a:t>
-            </a:r>
-            <a:r>
-              <a:rPr lang="en-US" sz="2000" dirty="0">
-                <a:solidFill>
-                  <a:schemeClr val="tx1">
-                    <a:alpha val="80000"/>
-                  </a:schemeClr>
-                </a:solidFill>
-              </a:rPr>
-              <a:t> 1 </a:t>
-            </a:r>
-            <a:r>
-              <a:rPr lang="en-US" sz="2000" dirty="0" err="1">
-                <a:solidFill>
-                  <a:schemeClr val="tx1">
-                    <a:alpha val="80000"/>
-                  </a:schemeClr>
-                </a:solidFill>
-              </a:rPr>
-              <a:t>dia</a:t>
-            </a:r>
-            <a:r>
-              <a:rPr lang="en-US" sz="2000" dirty="0">
-                <a:solidFill>
-                  <a:schemeClr val="tx1">
-                    <a:alpha val="80000"/>
-                  </a:schemeClr>
-                </a:solidFill>
-              </a:rPr>
-              <a:t> </a:t>
-            </a:r>
-            <a:r>
-              <a:rPr lang="en-US" sz="2000" dirty="0" err="1">
-                <a:solidFill>
-                  <a:schemeClr val="tx1">
-                    <a:alpha val="80000"/>
-                  </a:schemeClr>
-                </a:solidFill>
-              </a:rPr>
-              <a:t>após</a:t>
-            </a:r>
-            <a:r>
-              <a:rPr lang="en-US" sz="2000" dirty="0">
-                <a:solidFill>
-                  <a:schemeClr val="tx1">
-                    <a:alpha val="80000"/>
-                  </a:schemeClr>
-                </a:solidFill>
-              </a:rPr>
-              <a:t> a </a:t>
-            </a:r>
-            <a:r>
-              <a:rPr lang="en-US" sz="2000" dirty="0" err="1">
-                <a:solidFill>
-                  <a:schemeClr val="tx1">
-                    <a:alpha val="80000"/>
-                  </a:schemeClr>
-                </a:solidFill>
-              </a:rPr>
-              <a:t>compra</a:t>
-            </a:r>
-            <a:endParaRPr lang="en-US" sz="2000" b="1" dirty="0">
-              <a:solidFill>
-                <a:schemeClr val="tx1">
-                  <a:alpha val="80000"/>
-                </a:schemeClr>
-              </a:solidFill>
-            </a:endParaRPr>
-          </a:p>
-          <a:p>
-            <a:endParaRPr lang="en-US" sz="2000" dirty="0">
-              <a:solidFill>
-                <a:schemeClr val="tx1">
-                  <a:alpha val="80000"/>
-                </a:schemeClr>
-              </a:solidFill>
-            </a:endParaRPr>
-          </a:p>
-          <a:p>
-            <a:endParaRPr lang="pt-US" sz="2000" dirty="0">
-              <a:solidFill>
-                <a:schemeClr val="tx1">
-                  <a:alpha val="80000"/>
-                </a:schemeClr>
-              </a:solidFill>
-            </a:endParaRPr>
-          </a:p>
-        </p:txBody>
-      </p:sp>
-      <p:cxnSp>
-        <p:nvCxnSpPr>
-          <p:cNvPr id="26" name="Straight Connector 25">
-            <a:extLst>
-              <a:ext uri="{FF2B5EF4-FFF2-40B4-BE49-F238E27FC236}">
-                <a16:creationId xmlns:a16="http://schemas.microsoft.com/office/drawing/2014/main" id="{C49DA8F6-BCC1-4447-B54C-57856834B94B}"/>
-              </a:ext>
-              <a:ext uri="{C183D7F6-B498-43B3-948B-1728B52AA6E4}">
-                <adec:decorative xmlns:adec="http://schemas.microsoft.com/office/drawing/2017/decorative" val="1"/>
-              </a:ext>
-            </a:extLst>
-          </p:cNvPr>
-          <p:cNvCxnSpPr>
-            <a:cxnSpLocks noGrp="1" noRot="1" noChangeAspect="1" noMove="1" noResize="1" noEditPoints="1" noAdjustHandles="1" noChangeArrowheads="1" noChangeShapeType="1"/>
-          </p:cNvCxnSpPr>
-          <p:nvPr>
-            <p:extLst>
-              <p:ext uri="{386F3935-93C4-4BCD-93E2-E3B085C9AB24}">
-                <p16:designElem xmlns:p16="http://schemas.microsoft.com/office/powerpoint/2015/main" val="1"/>
-              </p:ext>
-            </p:extLst>
-          </p:nvPr>
-        </p:nvCxnSpPr>
-        <p:spPr>
-          <a:xfrm>
-            <a:off x="11586162" y="3610394"/>
-            <a:ext cx="0" cy="3238728"/>
-          </a:xfrm>
-          <a:prstGeom prst="line">
-            <a:avLst/>
-          </a:prstGeom>
-          <a:ln w="25400" cap="sq">
-            <a:gradFill flip="none" rotWithShape="1">
-              <a:gsLst>
-                <a:gs pos="0">
-                  <a:schemeClr val="accent1"/>
-                </a:gs>
-                <a:gs pos="100000">
-                  <a:schemeClr val="accent2"/>
-                </a:gs>
-              </a:gsLst>
-              <a:lin ang="5400000" scaled="0"/>
-              <a:tileRect/>
-            </a:gradFill>
-            <a:bevel/>
-          </a:ln>
-        </p:spPr>
-        <p:style>
-          <a:lnRef idx="1">
-            <a:schemeClr val="accent1"/>
-          </a:lnRef>
-          <a:fillRef idx="0">
-            <a:schemeClr val="accent1"/>
-          </a:fillRef>
-          <a:effectRef idx="0">
-            <a:schemeClr val="accent1"/>
-          </a:effectRef>
-          <a:fontRef idx="minor">
-            <a:schemeClr val="tx1"/>
-          </a:fontRef>
-        </p:style>
-      </p:cxnSp>
-    </p:spTree>
-    <p:extLst>
-      <p:ext uri="{BB962C8B-B14F-4D97-AF65-F5344CB8AC3E}">
-        <p14:creationId xmlns:p14="http://schemas.microsoft.com/office/powerpoint/2010/main" val="3691925009"/>
-      </p:ext>
-    </p:extLst>
-  </p:cSld>
-  <p:clrMapOvr>
-    <a:masterClrMapping/>
-  </p:clrMapOvr>
-</p:sld>
-</file>
-
-<file path=ppt/slides/slide4.xml><?xml version="1.0" encoding="utf-8"?>
-<p:sld xmlns:a="http://schemas.openxmlformats.org/drawingml/2006/main" xmlns:r="http://schemas.openxmlformats.org/officeDocument/2006/relationships" xmlns:p="http://schemas.openxmlformats.org/presentationml/2006/main">
-  <p:cSld>
-    <p:bg>
-      <p:bgPr>
-        <a:solidFill>
-          <a:schemeClr val="bg1"/>
-        </a:solidFill>
-        <a:effectLst/>
-      </p:bgPr>
-    </p:bg>
-    <p:spTree>
-      <p:nvGrpSpPr>
-        <p:cNvPr id="1" name=""/>
-        <p:cNvGrpSpPr/>
-        <p:nvPr/>
-      </p:nvGrpSpPr>
-      <p:grpSpPr>
-        <a:xfrm>
-          <a:off x="0" y="0"/>
-          <a:ext cx="0" cy="0"/>
-          <a:chOff x="0" y="0"/>
-          <a:chExt cx="0" cy="0"/>
-        </a:xfrm>
-      </p:grpSpPr>
-      <p:sp useBgFill="1">
-        <p:nvSpPr>
-          <p:cNvPr id="19" name="Rectangle 18">
-            <a:extLst>
-              <a:ext uri="{FF2B5EF4-FFF2-40B4-BE49-F238E27FC236}">
-                <a16:creationId xmlns:a16="http://schemas.microsoft.com/office/drawing/2014/main" id="{A2679492-7988-4050-9056-542444452411}"/>
-              </a:ext>
-              <a:ext uri="{C183D7F6-B498-43B3-948B-1728B52AA6E4}">
-                <adec:decorative xmlns:adec="http://schemas.microsoft.com/office/drawing/2017/decorative" val="1"/>
-              </a:ext>
-            </a:extLst>
-          </p:cNvPr>
-          <p:cNvSpPr>
-            <a:spLocks noGrp="1" noRot="1" noChangeAspect="1" noMove="1" noResize="1" noEditPoints="1" noAdjustHandles="1" noChangeArrowheads="1" noChangeShapeType="1" noTextEdit="1"/>
-          </p:cNvSpPr>
-          <p:nvPr>
-            <p:extLst>
-              <p:ext uri="{386F3935-93C4-4BCD-93E2-E3B085C9AB24}">
-                <p16:designElem xmlns:p16="http://schemas.microsoft.com/office/powerpoint/2015/main" val="1"/>
-              </p:ext>
-            </p:extLst>
-          </p:nvPr>
-        </p:nvSpPr>
-        <p:spPr>
-          <a:xfrm>
-            <a:off x="0" y="0"/>
-            <a:ext cx="12192000" cy="6858000"/>
-          </a:xfrm>
-          <a:prstGeom prst="rect">
-            <a:avLst/>
-          </a:prstGeom>
-          <a:ln>
-            <a:noFill/>
-          </a:ln>
-        </p:spPr>
-        <p:style>
-          <a:lnRef idx="2">
-            <a:schemeClr val="accent1">
-              <a:shade val="50000"/>
-            </a:schemeClr>
-          </a:lnRef>
-          <a:fillRef idx="1">
-            <a:schemeClr val="accent1"/>
-          </a:fillRef>
-          <a:effectRef idx="0">
-            <a:schemeClr val="accent1"/>
-          </a:effectRef>
-          <a:fontRef idx="minor">
-            <a:schemeClr val="lt1"/>
-          </a:fontRef>
-        </p:style>
-        <p:txBody>
-          <a:bodyPr rtlCol="0" anchor="ctr"/>
-          <a:lstStyle/>
-          <a:p>
-            <a:pPr algn="ctr"/>
-            <a:endParaRPr lang="en-US" dirty="0"/>
-          </a:p>
-        </p:txBody>
-      </p:sp>
-      <p:sp>
-        <p:nvSpPr>
-          <p:cNvPr id="21" name="Rectangle 20">
-            <a:extLst>
-              <a:ext uri="{FF2B5EF4-FFF2-40B4-BE49-F238E27FC236}">
-                <a16:creationId xmlns:a16="http://schemas.microsoft.com/office/drawing/2014/main" id="{B091B163-7D61-4891-ABCF-5C13D9C418D0}"/>
-              </a:ext>
-              <a:ext uri="{C183D7F6-B498-43B3-948B-1728B52AA6E4}">
-                <adec:decorative xmlns:adec="http://schemas.microsoft.com/office/drawing/2017/decorative" val="1"/>
-              </a:ext>
-            </a:extLst>
-          </p:cNvPr>
-          <p:cNvSpPr>
-            <a:spLocks noGrp="1" noRot="1" noChangeAspect="1" noMove="1" noResize="1" noEditPoints="1" noAdjustHandles="1" noChangeArrowheads="1" noChangeShapeType="1" noTextEdit="1"/>
-          </p:cNvSpPr>
-          <p:nvPr>
-            <p:extLst>
-              <p:ext uri="{386F3935-93C4-4BCD-93E2-E3B085C9AB24}">
-                <p16:designElem xmlns:p16="http://schemas.microsoft.com/office/powerpoint/2015/main" val="1"/>
-              </p:ext>
-            </p:extLst>
-          </p:nvPr>
-        </p:nvSpPr>
-        <p:spPr>
-          <a:xfrm>
-            <a:off x="0" y="0"/>
-            <a:ext cx="5779911" cy="6858000"/>
-          </a:xfrm>
-          <a:prstGeom prst="rect">
-            <a:avLst/>
-          </a:prstGeom>
-          <a:gradFill flip="none" rotWithShape="1">
-            <a:gsLst>
-              <a:gs pos="0">
-                <a:schemeClr val="accent1"/>
-              </a:gs>
-              <a:gs pos="100000">
-                <a:schemeClr val="accent2"/>
-              </a:gs>
-            </a:gsLst>
-            <a:lin ang="2700000" scaled="1"/>
-            <a:tileRect/>
-          </a:gradFill>
-          <a:ln>
-            <a:noFill/>
-          </a:ln>
-        </p:spPr>
-        <p:style>
-          <a:lnRef idx="2">
-            <a:schemeClr val="accent1">
-              <a:shade val="50000"/>
-            </a:schemeClr>
-          </a:lnRef>
-          <a:fillRef idx="1">
-            <a:schemeClr val="accent1"/>
-          </a:fillRef>
-          <a:effectRef idx="0">
-            <a:schemeClr val="accent1"/>
-          </a:effectRef>
-          <a:fontRef idx="minor">
-            <a:schemeClr val="lt1"/>
-          </a:fontRef>
-        </p:style>
-        <p:txBody>
-          <a:bodyPr rtlCol="0" anchor="ctr"/>
-          <a:lstStyle/>
-          <a:p>
-            <a:pPr algn="ctr"/>
-            <a:endParaRPr lang="en-US" dirty="0">
-              <a:solidFill>
-                <a:schemeClr val="tx1"/>
-              </a:solidFill>
-            </a:endParaRPr>
-          </a:p>
-        </p:txBody>
-      </p:sp>
-      <p:sp>
-        <p:nvSpPr>
-          <p:cNvPr id="4" name="Título 3">
-            <a:extLst>
-              <a:ext uri="{FF2B5EF4-FFF2-40B4-BE49-F238E27FC236}">
-                <a16:creationId xmlns:a16="http://schemas.microsoft.com/office/drawing/2014/main" id="{73E68725-FA89-66FA-9661-694FB126D165}"/>
-              </a:ext>
-            </a:extLst>
-          </p:cNvPr>
-          <p:cNvSpPr>
-            <a:spLocks noGrp="1"/>
-          </p:cNvSpPr>
-          <p:nvPr>
-            <p:ph type="title"/>
-          </p:nvPr>
-        </p:nvSpPr>
-        <p:spPr>
-          <a:xfrm>
-            <a:off x="1188069" y="381935"/>
-            <a:ext cx="4008583" cy="5974414"/>
-          </a:xfrm>
-        </p:spPr>
-        <p:txBody>
-          <a:bodyPr anchor="ctr">
-            <a:normAutofit/>
-          </a:bodyPr>
-          <a:lstStyle/>
-          <a:p>
-            <a:r>
-              <a:rPr lang="en-US" sz="8000" b="1" dirty="0">
-                <a:solidFill>
-                  <a:srgbClr val="FFFFFF"/>
-                </a:solidFill>
-              </a:rPr>
-              <a:t>Proposta como solução</a:t>
-            </a:r>
-            <a:endParaRPr lang="pt-US" sz="8000" dirty="0">
-              <a:solidFill>
-                <a:srgbClr val="FFFFFF"/>
-              </a:solidFill>
-            </a:endParaRPr>
-          </a:p>
-        </p:txBody>
-      </p:sp>
-      <p:grpSp>
-        <p:nvGrpSpPr>
-          <p:cNvPr id="23" name="Group 22">
-            <a:extLst>
-              <a:ext uri="{FF2B5EF4-FFF2-40B4-BE49-F238E27FC236}">
-                <a16:creationId xmlns:a16="http://schemas.microsoft.com/office/drawing/2014/main" id="{0474DF76-993E-44DE-AFB0-C416182ACECF}"/>
-              </a:ext>
-              <a:ext uri="{C183D7F6-B498-43B3-948B-1728B52AA6E4}">
-                <adec:decorative xmlns:adec="http://schemas.microsoft.com/office/drawing/2017/decorative" val="1"/>
-              </a:ext>
-            </a:extLst>
-          </p:cNvPr>
-          <p:cNvGrpSpPr>
-            <a:grpSpLocks noGrp="1" noUngrp="1" noRot="1" noChangeAspect="1" noMove="1" noResize="1"/>
-          </p:cNvGrpSpPr>
-          <p:nvPr>
-            <p:extLst>
-              <p:ext uri="{386F3935-93C4-4BCD-93E2-E3B085C9AB24}">
-                <p16:designElem xmlns:p16="http://schemas.microsoft.com/office/powerpoint/2015/main" val="1"/>
-              </p:ext>
-            </p:extLst>
-          </p:nvPr>
-        </p:nvGrpSpPr>
-        <p:grpSpPr>
-          <a:xfrm>
-            <a:off x="613892" y="554152"/>
-            <a:ext cx="574177" cy="1075866"/>
-            <a:chOff x="613892" y="554152"/>
-            <a:chExt cx="574177" cy="1075866"/>
-          </a:xfrm>
-          <a:solidFill>
-            <a:srgbClr val="FFFFFF"/>
-          </a:solidFill>
-        </p:grpSpPr>
-        <p:sp>
-          <p:nvSpPr>
-            <p:cNvPr id="24" name="Graphic 11">
-              <a:extLst>
-                <a:ext uri="{FF2B5EF4-FFF2-40B4-BE49-F238E27FC236}">
-                  <a16:creationId xmlns:a16="http://schemas.microsoft.com/office/drawing/2014/main" id="{6CB927A4-E432-4310-9CD5-E89FF5063179}"/>
-                </a:ext>
-                <a:ext uri="{C183D7F6-B498-43B3-948B-1728B52AA6E4}">
-                  <adec:decorative xmlns:adec="http://schemas.microsoft.com/office/drawing/2017/decorative" val="1"/>
-                </a:ext>
-              </a:extLst>
-            </p:cNvPr>
-            <p:cNvSpPr/>
-            <p:nvPr>
-              <p:extLst>
-                <p:ext uri="{386F3935-93C4-4BCD-93E2-E3B085C9AB24}">
-                  <p16:designElem xmlns:p16="http://schemas.microsoft.com/office/powerpoint/2015/main" val="1"/>
-                </p:ext>
-              </p:extLst>
-            </p:nvPr>
-          </p:nvSpPr>
-          <p:spPr>
-            <a:xfrm>
-              <a:off x="633061" y="554152"/>
-              <a:ext cx="171515" cy="171515"/>
-            </a:xfrm>
-            <a:custGeom>
-              <a:avLst/>
-              <a:gdLst>
-                <a:gd name="connsiteX0" fmla="*/ 159874 w 171515"/>
-                <a:gd name="connsiteY0" fmla="*/ 74116 h 171515"/>
-                <a:gd name="connsiteX1" fmla="*/ 97399 w 171515"/>
-                <a:gd name="connsiteY1" fmla="*/ 74116 h 171515"/>
-                <a:gd name="connsiteX2" fmla="*/ 97399 w 171515"/>
-                <a:gd name="connsiteY2" fmla="*/ 11641 h 171515"/>
-                <a:gd name="connsiteX3" fmla="*/ 85758 w 171515"/>
-                <a:gd name="connsiteY3" fmla="*/ 0 h 171515"/>
-                <a:gd name="connsiteX4" fmla="*/ 74116 w 171515"/>
-                <a:gd name="connsiteY4" fmla="*/ 11641 h 171515"/>
-                <a:gd name="connsiteX5" fmla="*/ 74116 w 171515"/>
-                <a:gd name="connsiteY5" fmla="*/ 74116 h 171515"/>
-                <a:gd name="connsiteX6" fmla="*/ 11641 w 171515"/>
-                <a:gd name="connsiteY6" fmla="*/ 74116 h 171515"/>
-                <a:gd name="connsiteX7" fmla="*/ 0 w 171515"/>
-                <a:gd name="connsiteY7" fmla="*/ 85758 h 171515"/>
-                <a:gd name="connsiteX8" fmla="*/ 11641 w 171515"/>
-                <a:gd name="connsiteY8" fmla="*/ 97399 h 171515"/>
-                <a:gd name="connsiteX9" fmla="*/ 74116 w 171515"/>
-                <a:gd name="connsiteY9" fmla="*/ 97399 h 171515"/>
-                <a:gd name="connsiteX10" fmla="*/ 74116 w 171515"/>
-                <a:gd name="connsiteY10" fmla="*/ 159874 h 171515"/>
-                <a:gd name="connsiteX11" fmla="*/ 85758 w 171515"/>
-                <a:gd name="connsiteY11" fmla="*/ 171515 h 171515"/>
-                <a:gd name="connsiteX12" fmla="*/ 97399 w 171515"/>
-                <a:gd name="connsiteY12" fmla="*/ 159874 h 171515"/>
-                <a:gd name="connsiteX13" fmla="*/ 97399 w 171515"/>
-                <a:gd name="connsiteY13" fmla="*/ 97399 h 171515"/>
-                <a:gd name="connsiteX14" fmla="*/ 159874 w 171515"/>
-                <a:gd name="connsiteY14" fmla="*/ 97399 h 171515"/>
-                <a:gd name="connsiteX15" fmla="*/ 171515 w 171515"/>
-                <a:gd name="connsiteY15" fmla="*/ 85758 h 171515"/>
-                <a:gd name="connsiteX16" fmla="*/ 159874 w 171515"/>
-                <a:gd name="connsiteY16" fmla="*/ 74116 h 171515"/>
-              </a:gdLst>
-              <a:ahLst/>
-              <a:cxnLst>
-                <a:cxn ang="0">
-                  <a:pos x="connsiteX0" y="connsiteY0"/>
-                </a:cxn>
-                <a:cxn ang="0">
-                  <a:pos x="connsiteX1" y="connsiteY1"/>
-                </a:cxn>
-                <a:cxn ang="0">
-                  <a:pos x="connsiteX2" y="connsiteY2"/>
-                </a:cxn>
-                <a:cxn ang="0">
-                  <a:pos x="connsiteX3" y="connsiteY3"/>
-                </a:cxn>
-                <a:cxn ang="0">
-                  <a:pos x="connsiteX4" y="connsiteY4"/>
-                </a:cxn>
-                <a:cxn ang="0">
-                  <a:pos x="connsiteX5" y="connsiteY5"/>
-                </a:cxn>
-                <a:cxn ang="0">
-                  <a:pos x="connsiteX6" y="connsiteY6"/>
-                </a:cxn>
-                <a:cxn ang="0">
-                  <a:pos x="connsiteX7" y="connsiteY7"/>
-                </a:cxn>
-                <a:cxn ang="0">
-                  <a:pos x="connsiteX8" y="connsiteY8"/>
-                </a:cxn>
-                <a:cxn ang="0">
-                  <a:pos x="connsiteX9" y="connsiteY9"/>
-                </a:cxn>
-                <a:cxn ang="0">
-                  <a:pos x="connsiteX10" y="connsiteY10"/>
-                </a:cxn>
-                <a:cxn ang="0">
-                  <a:pos x="connsiteX11" y="connsiteY11"/>
-                </a:cxn>
-                <a:cxn ang="0">
-                  <a:pos x="connsiteX12" y="connsiteY12"/>
-                </a:cxn>
-                <a:cxn ang="0">
-                  <a:pos x="connsiteX13" y="connsiteY13"/>
-                </a:cxn>
-                <a:cxn ang="0">
-                  <a:pos x="connsiteX14" y="connsiteY14"/>
-                </a:cxn>
-                <a:cxn ang="0">
-                  <a:pos x="connsiteX15" y="connsiteY15"/>
-                </a:cxn>
-                <a:cxn ang="0">
-                  <a:pos x="connsiteX16" y="connsiteY16"/>
-                </a:cxn>
-              </a:cxnLst>
-              <a:rect l="l" t="t" r="r" b="b"/>
-              <a:pathLst>
-                <a:path w="171515" h="171515">
-                  <a:moveTo>
-                    <a:pt x="159874" y="74116"/>
-                  </a:moveTo>
-                  <a:lnTo>
-                    <a:pt x="97399" y="74116"/>
-                  </a:lnTo>
-                  <a:lnTo>
-                    <a:pt x="97399" y="11641"/>
-                  </a:lnTo>
-                  <a:cubicBezTo>
-                    <a:pt x="97399" y="5212"/>
-                    <a:pt x="92187" y="0"/>
-                    <a:pt x="85758" y="0"/>
-                  </a:cubicBezTo>
-                  <a:cubicBezTo>
-                    <a:pt x="79328" y="0"/>
-                    <a:pt x="74116" y="5212"/>
-                    <a:pt x="74116" y="11641"/>
-                  </a:cubicBezTo>
-                  <a:lnTo>
-                    <a:pt x="74116" y="74116"/>
-                  </a:lnTo>
-                  <a:lnTo>
-                    <a:pt x="11641" y="74116"/>
-                  </a:lnTo>
-                  <a:cubicBezTo>
-                    <a:pt x="5212" y="74116"/>
-                    <a:pt x="0" y="79328"/>
-                    <a:pt x="0" y="85758"/>
-                  </a:cubicBezTo>
-                  <a:cubicBezTo>
-                    <a:pt x="0" y="92187"/>
-                    <a:pt x="5212" y="97399"/>
-                    <a:pt x="11641" y="97399"/>
-                  </a:cubicBezTo>
-                  <a:lnTo>
-                    <a:pt x="74116" y="97399"/>
-                  </a:lnTo>
-                  <a:lnTo>
-                    <a:pt x="74116" y="159874"/>
-                  </a:lnTo>
-                  <a:cubicBezTo>
-                    <a:pt x="74116" y="166303"/>
-                    <a:pt x="79328" y="171515"/>
-                    <a:pt x="85758" y="171515"/>
-                  </a:cubicBezTo>
-                  <a:cubicBezTo>
-                    <a:pt x="92187" y="171515"/>
-                    <a:pt x="97399" y="166303"/>
-                    <a:pt x="97399" y="159874"/>
-                  </a:cubicBezTo>
-                  <a:lnTo>
-                    <a:pt x="97399" y="97399"/>
-                  </a:lnTo>
-                  <a:lnTo>
-                    <a:pt x="159874" y="97399"/>
-                  </a:lnTo>
-                  <a:cubicBezTo>
-                    <a:pt x="166303" y="97399"/>
-                    <a:pt x="171515" y="92187"/>
-                    <a:pt x="171515" y="85758"/>
-                  </a:cubicBezTo>
-                  <a:cubicBezTo>
-                    <a:pt x="171515" y="79328"/>
-                    <a:pt x="166303" y="74116"/>
-                    <a:pt x="159874" y="74116"/>
-                  </a:cubicBezTo>
-                  <a:close/>
-                </a:path>
-              </a:pathLst>
-            </a:custGeom>
-            <a:grpFill/>
-            <a:ln w="776" cap="flat">
-              <a:noFill/>
-              <a:prstDash val="solid"/>
-              <a:miter/>
-            </a:ln>
-          </p:spPr>
-          <p:txBody>
-            <a:bodyPr rtlCol="0" anchor="ctr"/>
-            <a:lstStyle/>
-            <a:p>
-              <a:endParaRPr lang="en-US" dirty="0"/>
-            </a:p>
-          </p:txBody>
-        </p:sp>
-        <p:sp>
-          <p:nvSpPr>
-            <p:cNvPr id="25" name="Graphic 10">
-              <a:extLst>
-                <a:ext uri="{FF2B5EF4-FFF2-40B4-BE49-F238E27FC236}">
-                  <a16:creationId xmlns:a16="http://schemas.microsoft.com/office/drawing/2014/main" id="{E3020543-B24B-4EC4-8FFC-8DD88EEA91A8}"/>
-                </a:ext>
-                <a:ext uri="{C183D7F6-B498-43B3-948B-1728B52AA6E4}">
-                  <adec:decorative xmlns:adec="http://schemas.microsoft.com/office/drawing/2017/decorative" val="1"/>
-                </a:ext>
-              </a:extLst>
-            </p:cNvPr>
-            <p:cNvSpPr/>
-            <p:nvPr>
-              <p:extLst>
-                <p:ext uri="{386F3935-93C4-4BCD-93E2-E3B085C9AB24}">
-                  <p16:designElem xmlns:p16="http://schemas.microsoft.com/office/powerpoint/2015/main" val="1"/>
-                </p:ext>
-              </p:extLst>
-            </p:nvPr>
-          </p:nvSpPr>
-          <p:spPr>
-            <a:xfrm>
-              <a:off x="1075643" y="837005"/>
-              <a:ext cx="112426" cy="112426"/>
-            </a:xfrm>
-            <a:custGeom>
-              <a:avLst/>
-              <a:gdLst>
-                <a:gd name="connsiteX0" fmla="*/ 112426 w 112426"/>
-                <a:gd name="connsiteY0" fmla="*/ 56213 h 112426"/>
-                <a:gd name="connsiteX1" fmla="*/ 56213 w 112426"/>
-                <a:gd name="connsiteY1" fmla="*/ 112426 h 112426"/>
-                <a:gd name="connsiteX2" fmla="*/ 0 w 112426"/>
-                <a:gd name="connsiteY2" fmla="*/ 56213 h 112426"/>
-                <a:gd name="connsiteX3" fmla="*/ 56213 w 112426"/>
-                <a:gd name="connsiteY3" fmla="*/ 0 h 112426"/>
-                <a:gd name="connsiteX4" fmla="*/ 112426 w 112426"/>
-                <a:gd name="connsiteY4" fmla="*/ 56213 h 112426"/>
-              </a:gdLst>
-              <a:ahLst/>
-              <a:cxnLst>
-                <a:cxn ang="0">
-                  <a:pos x="connsiteX0" y="connsiteY0"/>
-                </a:cxn>
-                <a:cxn ang="0">
-                  <a:pos x="connsiteX1" y="connsiteY1"/>
-                </a:cxn>
-                <a:cxn ang="0">
-                  <a:pos x="connsiteX2" y="connsiteY2"/>
-                </a:cxn>
-                <a:cxn ang="0">
-                  <a:pos x="connsiteX3" y="connsiteY3"/>
-                </a:cxn>
-                <a:cxn ang="0">
-                  <a:pos x="connsiteX4" y="connsiteY4"/>
-                </a:cxn>
-              </a:cxnLst>
-              <a:rect l="l" t="t" r="r" b="b"/>
-              <a:pathLst>
-                <a:path w="112426" h="112426">
-                  <a:moveTo>
-                    <a:pt x="112426" y="56213"/>
-                  </a:moveTo>
-                  <a:cubicBezTo>
-                    <a:pt x="112426" y="87259"/>
-                    <a:pt x="87259" y="112426"/>
-                    <a:pt x="56213" y="112426"/>
-                  </a:cubicBezTo>
-                  <a:cubicBezTo>
-                    <a:pt x="25167" y="112426"/>
-                    <a:pt x="0" y="87259"/>
-                    <a:pt x="0" y="56213"/>
-                  </a:cubicBezTo>
-                  <a:cubicBezTo>
-                    <a:pt x="0" y="25167"/>
-                    <a:pt x="25167" y="0"/>
-                    <a:pt x="56213" y="0"/>
-                  </a:cubicBezTo>
-                  <a:cubicBezTo>
-                    <a:pt x="87259" y="0"/>
-                    <a:pt x="112426" y="25167"/>
-                    <a:pt x="112426" y="56213"/>
-                  </a:cubicBezTo>
-                  <a:close/>
-                </a:path>
-              </a:pathLst>
-            </a:custGeom>
-            <a:grpFill/>
-            <a:ln w="516" cap="flat">
-              <a:noFill/>
-              <a:prstDash val="solid"/>
-              <a:miter/>
-            </a:ln>
-          </p:spPr>
-          <p:txBody>
-            <a:bodyPr rtlCol="0" anchor="ctr"/>
-            <a:lstStyle/>
-            <a:p>
-              <a:endParaRPr lang="en-US" dirty="0"/>
-            </a:p>
-          </p:txBody>
-        </p:sp>
-        <p:sp>
-          <p:nvSpPr>
-            <p:cNvPr id="26" name="Graphic 12">
-              <a:extLst>
-                <a:ext uri="{FF2B5EF4-FFF2-40B4-BE49-F238E27FC236}">
-                  <a16:creationId xmlns:a16="http://schemas.microsoft.com/office/drawing/2014/main" id="{1453BF6C-B012-48B7-B4E8-6D7AC7C27D02}"/>
-                </a:ext>
-                <a:ext uri="{C183D7F6-B498-43B3-948B-1728B52AA6E4}">
-                  <adec:decorative xmlns:adec="http://schemas.microsoft.com/office/drawing/2017/decorative" val="1"/>
-                </a:ext>
-              </a:extLst>
-            </p:cNvPr>
-            <p:cNvSpPr/>
-            <p:nvPr>
-              <p:extLst>
-                <p:ext uri="{386F3935-93C4-4BCD-93E2-E3B085C9AB24}">
-                  <p16:designElem xmlns:p16="http://schemas.microsoft.com/office/powerpoint/2015/main" val="1"/>
-                </p:ext>
-              </p:extLst>
-            </p:nvPr>
-          </p:nvSpPr>
-          <p:spPr>
-            <a:xfrm>
-              <a:off x="613892" y="1472473"/>
-              <a:ext cx="157545" cy="157545"/>
-            </a:xfrm>
-            <a:custGeom>
-              <a:avLst/>
-              <a:gdLst>
-                <a:gd name="connsiteX0" fmla="*/ 78773 w 157545"/>
-                <a:gd name="connsiteY0" fmla="*/ 23283 h 157545"/>
-                <a:gd name="connsiteX1" fmla="*/ 134262 w 157545"/>
-                <a:gd name="connsiteY1" fmla="*/ 78773 h 157545"/>
-                <a:gd name="connsiteX2" fmla="*/ 78773 w 157545"/>
-                <a:gd name="connsiteY2" fmla="*/ 134262 h 157545"/>
-                <a:gd name="connsiteX3" fmla="*/ 23283 w 157545"/>
-                <a:gd name="connsiteY3" fmla="*/ 78773 h 157545"/>
-                <a:gd name="connsiteX4" fmla="*/ 78773 w 157545"/>
-                <a:gd name="connsiteY4" fmla="*/ 23283 h 157545"/>
-                <a:gd name="connsiteX5" fmla="*/ 78773 w 157545"/>
-                <a:gd name="connsiteY5" fmla="*/ 0 h 157545"/>
-                <a:gd name="connsiteX6" fmla="*/ 0 w 157545"/>
-                <a:gd name="connsiteY6" fmla="*/ 78773 h 157545"/>
-                <a:gd name="connsiteX7" fmla="*/ 78773 w 157545"/>
-                <a:gd name="connsiteY7" fmla="*/ 157545 h 157545"/>
-                <a:gd name="connsiteX8" fmla="*/ 157545 w 157545"/>
-                <a:gd name="connsiteY8" fmla="*/ 78773 h 157545"/>
-                <a:gd name="connsiteX9" fmla="*/ 78773 w 157545"/>
-                <a:gd name="connsiteY9" fmla="*/ 0 h 157545"/>
-              </a:gdLst>
-              <a:ahLst/>
-              <a:cxnLst>
-                <a:cxn ang="0">
-                  <a:pos x="connsiteX0" y="connsiteY0"/>
-                </a:cxn>
-                <a:cxn ang="0">
-                  <a:pos x="connsiteX1" y="connsiteY1"/>
-                </a:cxn>
-                <a:cxn ang="0">
-                  <a:pos x="connsiteX2" y="connsiteY2"/>
-                </a:cxn>
-                <a:cxn ang="0">
-                  <a:pos x="connsiteX3" y="connsiteY3"/>
-                </a:cxn>
-                <a:cxn ang="0">
-                  <a:pos x="connsiteX4" y="connsiteY4"/>
-                </a:cxn>
-                <a:cxn ang="0">
-                  <a:pos x="connsiteX5" y="connsiteY5"/>
-                </a:cxn>
-                <a:cxn ang="0">
-                  <a:pos x="connsiteX6" y="connsiteY6"/>
-                </a:cxn>
-                <a:cxn ang="0">
-                  <a:pos x="connsiteX7" y="connsiteY7"/>
-                </a:cxn>
-                <a:cxn ang="0">
-                  <a:pos x="connsiteX8" y="connsiteY8"/>
-                </a:cxn>
-                <a:cxn ang="0">
-                  <a:pos x="connsiteX9" y="connsiteY9"/>
-                </a:cxn>
-              </a:cxnLst>
-              <a:rect l="l" t="t" r="r" b="b"/>
-              <a:pathLst>
-                <a:path w="157545" h="157545">
-                  <a:moveTo>
-                    <a:pt x="78773" y="23283"/>
-                  </a:moveTo>
-                  <a:cubicBezTo>
-                    <a:pt x="109419" y="23283"/>
-                    <a:pt x="134262" y="48126"/>
-                    <a:pt x="134262" y="78773"/>
-                  </a:cubicBezTo>
-                  <a:cubicBezTo>
-                    <a:pt x="134262" y="109419"/>
-                    <a:pt x="109419" y="134262"/>
-                    <a:pt x="78773" y="134262"/>
-                  </a:cubicBezTo>
-                  <a:cubicBezTo>
-                    <a:pt x="48126" y="134262"/>
-                    <a:pt x="23283" y="109419"/>
-                    <a:pt x="23283" y="78773"/>
-                  </a:cubicBezTo>
-                  <a:cubicBezTo>
-                    <a:pt x="23312" y="48139"/>
-                    <a:pt x="48139" y="23312"/>
-                    <a:pt x="78773" y="23283"/>
-                  </a:cubicBezTo>
-                  <a:moveTo>
-                    <a:pt x="78773" y="0"/>
-                  </a:moveTo>
-                  <a:cubicBezTo>
-                    <a:pt x="35268" y="0"/>
-                    <a:pt x="0" y="35268"/>
-                    <a:pt x="0" y="78773"/>
-                  </a:cubicBezTo>
-                  <a:cubicBezTo>
-                    <a:pt x="0" y="122277"/>
-                    <a:pt x="35268" y="157545"/>
-                    <a:pt x="78773" y="157545"/>
-                  </a:cubicBezTo>
-                  <a:cubicBezTo>
-                    <a:pt x="122277" y="157545"/>
-                    <a:pt x="157545" y="122277"/>
-                    <a:pt x="157545" y="78773"/>
-                  </a:cubicBezTo>
-                  <a:cubicBezTo>
-                    <a:pt x="157545" y="35268"/>
-                    <a:pt x="122277" y="0"/>
-                    <a:pt x="78773" y="0"/>
-                  </a:cubicBezTo>
-                  <a:close/>
-                </a:path>
-              </a:pathLst>
-            </a:custGeom>
-            <a:grpFill/>
-            <a:ln w="751" cap="flat">
-              <a:noFill/>
-              <a:prstDash val="solid"/>
-              <a:miter/>
-            </a:ln>
-          </p:spPr>
-          <p:txBody>
-            <a:bodyPr rtlCol="0" anchor="ctr"/>
-            <a:lstStyle/>
-            <a:p>
-              <a:endParaRPr lang="en-US" dirty="0"/>
-            </a:p>
-          </p:txBody>
-        </p:sp>
-      </p:grpSp>
-      <p:sp>
-        <p:nvSpPr>
-          <p:cNvPr id="5" name="Espaço Reservado para Conteúdo 4">
-            <a:extLst>
-              <a:ext uri="{FF2B5EF4-FFF2-40B4-BE49-F238E27FC236}">
-                <a16:creationId xmlns:a16="http://schemas.microsoft.com/office/drawing/2014/main" id="{770EBDD3-C16C-7338-3EBD-05A2506C20E6}"/>
-              </a:ext>
-            </a:extLst>
-          </p:cNvPr>
-          <p:cNvSpPr>
-            <a:spLocks noGrp="1"/>
-          </p:cNvSpPr>
-          <p:nvPr>
-            <p:ph idx="1"/>
-          </p:nvPr>
-        </p:nvSpPr>
-        <p:spPr>
-          <a:xfrm>
-            <a:off x="6297233" y="518400"/>
-            <a:ext cx="4771607" cy="5837949"/>
-          </a:xfrm>
-        </p:spPr>
-        <p:txBody>
-          <a:bodyPr anchor="ctr">
-            <a:normAutofit/>
-          </a:bodyPr>
-          <a:lstStyle/>
-          <a:p>
-            <a:r>
-              <a:rPr lang="en-US" sz="2000" dirty="0">
-                <a:solidFill>
-                  <a:schemeClr val="tx1">
-                    <a:alpha val="80000"/>
-                  </a:schemeClr>
-                </a:solidFill>
-              </a:rPr>
-              <a:t>Criar um Sistema que:</a:t>
-            </a:r>
-          </a:p>
-          <a:p>
-            <a:pPr lvl="1"/>
-            <a:r>
-              <a:rPr lang="en-US" sz="1600" dirty="0" err="1">
-                <a:solidFill>
-                  <a:schemeClr val="tx1">
-                    <a:alpha val="80000"/>
-                  </a:schemeClr>
-                </a:solidFill>
-              </a:rPr>
-              <a:t>Integre</a:t>
-            </a:r>
-            <a:r>
-              <a:rPr lang="en-US" sz="1600" dirty="0">
-                <a:solidFill>
-                  <a:schemeClr val="tx1">
-                    <a:alpha val="80000"/>
-                  </a:schemeClr>
-                </a:solidFill>
-              </a:rPr>
-              <a:t> </a:t>
-            </a:r>
-            <a:r>
-              <a:rPr lang="en-US" sz="1600" dirty="0" err="1">
-                <a:solidFill>
-                  <a:schemeClr val="tx1">
-                    <a:alpha val="80000"/>
-                  </a:schemeClr>
-                </a:solidFill>
-              </a:rPr>
-              <a:t>ao</a:t>
-            </a:r>
-            <a:r>
-              <a:rPr lang="en-US" sz="1600" dirty="0">
-                <a:solidFill>
-                  <a:schemeClr val="tx1">
-                    <a:alpha val="80000"/>
-                  </a:schemeClr>
-                </a:solidFill>
-              </a:rPr>
-              <a:t> </a:t>
-            </a:r>
-            <a:r>
-              <a:rPr lang="en-US" sz="1600" dirty="0" err="1">
-                <a:solidFill>
-                  <a:schemeClr val="tx1">
-                    <a:alpha val="80000"/>
-                  </a:schemeClr>
-                </a:solidFill>
-              </a:rPr>
-              <a:t>sistema</a:t>
-            </a:r>
-            <a:r>
-              <a:rPr lang="en-US" sz="1600" dirty="0">
-                <a:solidFill>
-                  <a:schemeClr val="tx1">
-                    <a:alpha val="80000"/>
-                  </a:schemeClr>
-                </a:solidFill>
-              </a:rPr>
-              <a:t> do </a:t>
-            </a:r>
-            <a:r>
-              <a:rPr lang="en-US" sz="1600" dirty="0" err="1">
-                <a:solidFill>
-                  <a:schemeClr val="tx1">
-                    <a:alpha val="80000"/>
-                  </a:schemeClr>
-                </a:solidFill>
-              </a:rPr>
-              <a:t>cliente</a:t>
-            </a:r>
-            <a:r>
-              <a:rPr lang="en-US" sz="1600" dirty="0">
-                <a:solidFill>
-                  <a:schemeClr val="tx1">
-                    <a:alpha val="80000"/>
-                  </a:schemeClr>
-                </a:solidFill>
-              </a:rPr>
-              <a:t> para </a:t>
-            </a:r>
-            <a:r>
-              <a:rPr lang="en-US" sz="1600" dirty="0" err="1">
-                <a:solidFill>
-                  <a:schemeClr val="tx1">
-                    <a:alpha val="80000"/>
-                  </a:schemeClr>
-                </a:solidFill>
-              </a:rPr>
-              <a:t>obter</a:t>
-            </a:r>
-            <a:r>
-              <a:rPr lang="en-US" sz="1600" dirty="0">
-                <a:solidFill>
-                  <a:schemeClr val="tx1">
-                    <a:alpha val="80000"/>
-                  </a:schemeClr>
-                </a:solidFill>
-              </a:rPr>
-              <a:t> o(s) </a:t>
-            </a:r>
-            <a:r>
-              <a:rPr lang="en-US" sz="1600" dirty="0" err="1">
-                <a:solidFill>
-                  <a:schemeClr val="tx1">
-                    <a:alpha val="80000"/>
-                  </a:schemeClr>
-                </a:solidFill>
-              </a:rPr>
-              <a:t>pedido</a:t>
-            </a:r>
-            <a:r>
-              <a:rPr lang="en-US" sz="1600" dirty="0">
-                <a:solidFill>
-                  <a:schemeClr val="tx1">
-                    <a:alpha val="80000"/>
-                  </a:schemeClr>
-                </a:solidFill>
-              </a:rPr>
-              <a:t>(s) e </a:t>
-            </a:r>
-            <a:r>
-              <a:rPr lang="en-US" sz="1600" dirty="0" err="1">
-                <a:solidFill>
-                  <a:schemeClr val="tx1">
-                    <a:alpha val="80000"/>
-                  </a:schemeClr>
-                </a:solidFill>
-              </a:rPr>
-              <a:t>produto</a:t>
-            </a:r>
-            <a:r>
-              <a:rPr lang="en-US" sz="1600" dirty="0">
-                <a:solidFill>
-                  <a:schemeClr val="tx1">
-                    <a:alpha val="80000"/>
-                  </a:schemeClr>
-                </a:solidFill>
-              </a:rPr>
-              <a:t>(s)</a:t>
-            </a:r>
-          </a:p>
-          <a:p>
-            <a:pPr lvl="1"/>
-            <a:r>
-              <a:rPr lang="en-US" sz="1600" dirty="0" err="1">
-                <a:solidFill>
-                  <a:schemeClr val="tx1">
-                    <a:alpha val="80000"/>
-                  </a:schemeClr>
-                </a:solidFill>
-              </a:rPr>
-              <a:t>Associar</a:t>
-            </a:r>
-            <a:r>
-              <a:rPr lang="en-US" sz="1600" dirty="0">
-                <a:solidFill>
-                  <a:schemeClr val="tx1">
-                    <a:alpha val="80000"/>
-                  </a:schemeClr>
-                </a:solidFill>
-              </a:rPr>
-              <a:t> o </a:t>
-            </a:r>
-            <a:r>
-              <a:rPr lang="en-US" sz="1600" dirty="0" err="1">
-                <a:solidFill>
-                  <a:schemeClr val="tx1">
-                    <a:alpha val="80000"/>
-                  </a:schemeClr>
-                </a:solidFill>
-              </a:rPr>
-              <a:t>pedido</a:t>
-            </a:r>
-            <a:r>
-              <a:rPr lang="en-US" sz="1600" dirty="0">
-                <a:solidFill>
-                  <a:schemeClr val="tx1">
-                    <a:alpha val="80000"/>
-                  </a:schemeClr>
-                </a:solidFill>
-              </a:rPr>
-              <a:t> </a:t>
-            </a:r>
-            <a:r>
-              <a:rPr lang="en-US" sz="1600" b="1" dirty="0" err="1">
-                <a:solidFill>
-                  <a:schemeClr val="tx1">
-                    <a:alpha val="80000"/>
-                  </a:schemeClr>
-                </a:solidFill>
-              </a:rPr>
-              <a:t>ao</a:t>
-            </a:r>
-            <a:r>
-              <a:rPr lang="en-US" sz="1600" b="1" dirty="0">
-                <a:solidFill>
-                  <a:schemeClr val="tx1">
-                    <a:alpha val="80000"/>
-                  </a:schemeClr>
-                </a:solidFill>
-              </a:rPr>
-              <a:t> </a:t>
-            </a:r>
-            <a:r>
-              <a:rPr lang="en-US" sz="1600" b="1" dirty="0" err="1">
-                <a:solidFill>
-                  <a:schemeClr val="tx1">
-                    <a:alpha val="80000"/>
-                  </a:schemeClr>
-                </a:solidFill>
-              </a:rPr>
-              <a:t>armazém</a:t>
-            </a:r>
-            <a:r>
-              <a:rPr lang="en-US" sz="1600" b="1" dirty="0">
-                <a:solidFill>
-                  <a:schemeClr val="tx1">
-                    <a:alpha val="80000"/>
-                  </a:schemeClr>
-                </a:solidFill>
-              </a:rPr>
-              <a:t> que </a:t>
-            </a:r>
-            <a:r>
-              <a:rPr lang="en-US" sz="1600" b="1" dirty="0" err="1">
-                <a:solidFill>
-                  <a:schemeClr val="tx1">
-                    <a:alpha val="80000"/>
-                  </a:schemeClr>
-                </a:solidFill>
-              </a:rPr>
-              <a:t>esteja</a:t>
-            </a:r>
-            <a:r>
-              <a:rPr lang="en-US" sz="1600" b="1" dirty="0">
-                <a:solidFill>
-                  <a:schemeClr val="tx1">
-                    <a:alpha val="80000"/>
-                  </a:schemeClr>
-                </a:solidFill>
-              </a:rPr>
-              <a:t> </a:t>
-            </a:r>
-            <a:r>
-              <a:rPr lang="en-US" sz="1600" b="1" dirty="0" err="1">
-                <a:solidFill>
-                  <a:schemeClr val="tx1">
-                    <a:alpha val="80000"/>
-                  </a:schemeClr>
-                </a:solidFill>
-              </a:rPr>
-              <a:t>mais</a:t>
-            </a:r>
-            <a:r>
-              <a:rPr lang="en-US" sz="1600" b="1" dirty="0">
-                <a:solidFill>
-                  <a:schemeClr val="tx1">
-                    <a:alpha val="80000"/>
-                  </a:schemeClr>
-                </a:solidFill>
-              </a:rPr>
-              <a:t> </a:t>
-            </a:r>
-            <a:r>
-              <a:rPr lang="en-US" sz="1600" b="1" dirty="0" err="1">
-                <a:solidFill>
-                  <a:schemeClr val="tx1">
-                    <a:alpha val="80000"/>
-                  </a:schemeClr>
-                </a:solidFill>
-              </a:rPr>
-              <a:t>próximo</a:t>
-            </a:r>
-            <a:r>
-              <a:rPr lang="en-US" sz="1600" b="1" dirty="0">
-                <a:solidFill>
-                  <a:schemeClr val="tx1">
-                    <a:alpha val="80000"/>
-                  </a:schemeClr>
-                </a:solidFill>
-              </a:rPr>
-              <a:t> do </a:t>
-            </a:r>
-            <a:r>
-              <a:rPr lang="en-US" sz="1600" b="1" dirty="0" err="1">
-                <a:solidFill>
-                  <a:schemeClr val="tx1">
-                    <a:alpha val="80000"/>
-                  </a:schemeClr>
-                </a:solidFill>
-              </a:rPr>
-              <a:t>endereço</a:t>
-            </a:r>
-            <a:r>
-              <a:rPr lang="en-US" sz="1600" b="1" dirty="0">
-                <a:solidFill>
-                  <a:schemeClr val="tx1">
-                    <a:alpha val="80000"/>
-                  </a:schemeClr>
-                </a:solidFill>
-              </a:rPr>
-              <a:t> de </a:t>
-            </a:r>
-            <a:r>
-              <a:rPr lang="en-US" sz="1600" b="1" dirty="0" err="1">
-                <a:solidFill>
-                  <a:schemeClr val="tx1">
-                    <a:alpha val="80000"/>
-                  </a:schemeClr>
-                </a:solidFill>
-              </a:rPr>
-              <a:t>entrega</a:t>
-            </a:r>
-            <a:r>
-              <a:rPr lang="en-US" sz="1600" dirty="0">
-                <a:solidFill>
-                  <a:schemeClr val="tx1">
-                    <a:alpha val="80000"/>
-                  </a:schemeClr>
-                </a:solidFill>
-              </a:rPr>
-              <a:t> do </a:t>
-            </a:r>
-            <a:r>
-              <a:rPr lang="en-US" sz="1600" dirty="0" err="1">
-                <a:solidFill>
-                  <a:schemeClr val="tx1">
-                    <a:alpha val="80000"/>
-                  </a:schemeClr>
-                </a:solidFill>
-              </a:rPr>
-              <a:t>pedido</a:t>
-            </a:r>
-            <a:endParaRPr lang="en-US" sz="1600" dirty="0">
-              <a:solidFill>
-                <a:schemeClr val="tx1">
-                  <a:alpha val="80000"/>
-                </a:schemeClr>
-              </a:solidFill>
-            </a:endParaRPr>
-          </a:p>
-          <a:p>
-            <a:pPr lvl="1"/>
-            <a:r>
-              <a:rPr lang="en-US" sz="1600" dirty="0">
-                <a:solidFill>
-                  <a:schemeClr val="tx1">
-                    <a:alpha val="80000"/>
-                  </a:schemeClr>
-                </a:solidFill>
-              </a:rPr>
-              <a:t>Chamar a </a:t>
-            </a:r>
-            <a:r>
-              <a:rPr lang="en-US" sz="1600" b="1" dirty="0" err="1">
-                <a:solidFill>
-                  <a:schemeClr val="tx1">
-                    <a:alpha val="80000"/>
-                  </a:schemeClr>
-                </a:solidFill>
-              </a:rPr>
-              <a:t>transportadora</a:t>
-            </a:r>
-            <a:r>
-              <a:rPr lang="en-US" sz="1600" b="1" dirty="0">
-                <a:solidFill>
-                  <a:schemeClr val="tx1">
-                    <a:alpha val="80000"/>
-                  </a:schemeClr>
-                </a:solidFill>
-              </a:rPr>
-              <a:t> </a:t>
-            </a:r>
-            <a:r>
-              <a:rPr lang="en-US" sz="1600" b="1" dirty="0" err="1">
-                <a:solidFill>
-                  <a:schemeClr val="tx1">
-                    <a:alpha val="80000"/>
-                  </a:schemeClr>
-                </a:solidFill>
-              </a:rPr>
-              <a:t>mais</a:t>
-            </a:r>
-            <a:r>
-              <a:rPr lang="en-US" sz="1600" b="1" dirty="0">
-                <a:solidFill>
-                  <a:schemeClr val="tx1">
-                    <a:alpha val="80000"/>
-                  </a:schemeClr>
-                </a:solidFill>
-              </a:rPr>
-              <a:t> </a:t>
-            </a:r>
-            <a:r>
-              <a:rPr lang="en-US" sz="1600" b="1" dirty="0" err="1">
-                <a:solidFill>
-                  <a:schemeClr val="tx1">
-                    <a:alpha val="80000"/>
-                  </a:schemeClr>
-                </a:solidFill>
-              </a:rPr>
-              <a:t>perta</a:t>
-            </a:r>
-            <a:r>
-              <a:rPr lang="en-US" sz="1600" b="1" dirty="0">
-                <a:solidFill>
-                  <a:schemeClr val="tx1">
-                    <a:alpha val="80000"/>
-                  </a:schemeClr>
-                </a:solidFill>
-              </a:rPr>
-              <a:t> do </a:t>
-            </a:r>
-            <a:r>
-              <a:rPr lang="en-US" sz="1600" b="1" dirty="0" err="1">
-                <a:solidFill>
-                  <a:schemeClr val="tx1">
-                    <a:alpha val="80000"/>
-                  </a:schemeClr>
-                </a:solidFill>
-              </a:rPr>
-              <a:t>armazém</a:t>
-            </a:r>
-            <a:r>
-              <a:rPr lang="en-US" sz="1600" dirty="0">
-                <a:solidFill>
-                  <a:schemeClr val="tx1">
-                    <a:alpha val="80000"/>
-                  </a:schemeClr>
-                </a:solidFill>
-              </a:rPr>
-              <a:t> e </a:t>
-            </a:r>
-            <a:r>
-              <a:rPr lang="en-US" sz="1600" dirty="0" err="1">
-                <a:solidFill>
-                  <a:schemeClr val="tx1">
-                    <a:alpha val="80000"/>
-                  </a:schemeClr>
-                </a:solidFill>
-              </a:rPr>
-              <a:t>enviar</a:t>
-            </a:r>
-            <a:r>
-              <a:rPr lang="en-US" sz="1600" dirty="0">
-                <a:solidFill>
-                  <a:schemeClr val="tx1">
-                    <a:alpha val="80000"/>
-                  </a:schemeClr>
-                </a:solidFill>
-              </a:rPr>
-              <a:t> o </a:t>
-            </a:r>
-            <a:r>
-              <a:rPr lang="en-US" sz="1600" dirty="0" err="1">
-                <a:solidFill>
-                  <a:schemeClr val="tx1">
-                    <a:alpha val="80000"/>
-                  </a:schemeClr>
-                </a:solidFill>
-              </a:rPr>
-              <a:t>pedido</a:t>
-            </a:r>
-            <a:endParaRPr lang="pt-US" sz="1600" dirty="0">
-              <a:solidFill>
-                <a:schemeClr val="tx1">
-                  <a:alpha val="80000"/>
-                </a:schemeClr>
-              </a:solidFill>
-            </a:endParaRPr>
-          </a:p>
-        </p:txBody>
-      </p:sp>
-      <p:cxnSp>
-        <p:nvCxnSpPr>
-          <p:cNvPr id="28" name="Straight Connector 27">
-            <a:extLst>
-              <a:ext uri="{FF2B5EF4-FFF2-40B4-BE49-F238E27FC236}">
-                <a16:creationId xmlns:a16="http://schemas.microsoft.com/office/drawing/2014/main" id="{C49DA8F6-BCC1-4447-B54C-57856834B94B}"/>
-              </a:ext>
-              <a:ext uri="{C183D7F6-B498-43B3-948B-1728B52AA6E4}">
-                <adec:decorative xmlns:adec="http://schemas.microsoft.com/office/drawing/2017/decorative" val="1"/>
-              </a:ext>
-            </a:extLst>
-          </p:cNvPr>
-          <p:cNvCxnSpPr>
-            <a:cxnSpLocks noGrp="1" noRot="1" noChangeAspect="1" noMove="1" noResize="1" noEditPoints="1" noAdjustHandles="1" noChangeArrowheads="1" noChangeShapeType="1"/>
-          </p:cNvCxnSpPr>
-          <p:nvPr>
-            <p:extLst>
-              <p:ext uri="{386F3935-93C4-4BCD-93E2-E3B085C9AB24}">
-                <p16:designElem xmlns:p16="http://schemas.microsoft.com/office/powerpoint/2015/main" val="1"/>
-              </p:ext>
-            </p:extLst>
-          </p:nvPr>
-        </p:nvCxnSpPr>
-        <p:spPr>
-          <a:xfrm>
-            <a:off x="11586162" y="3610394"/>
-            <a:ext cx="0" cy="3238728"/>
-          </a:xfrm>
-          <a:prstGeom prst="line">
-            <a:avLst/>
-          </a:prstGeom>
-          <a:ln w="25400" cap="sq">
-            <a:gradFill flip="none" rotWithShape="1">
-              <a:gsLst>
-                <a:gs pos="0">
-                  <a:schemeClr val="accent1"/>
-                </a:gs>
-                <a:gs pos="100000">
-                  <a:schemeClr val="accent2"/>
-                </a:gs>
-              </a:gsLst>
-              <a:lin ang="5400000" scaled="0"/>
-              <a:tileRect/>
-            </a:gradFill>
-            <a:bevel/>
-          </a:ln>
-        </p:spPr>
-        <p:style>
-          <a:lnRef idx="1">
-            <a:schemeClr val="accent1"/>
-          </a:lnRef>
-          <a:fillRef idx="0">
-            <a:schemeClr val="accent1"/>
-          </a:fillRef>
-          <a:effectRef idx="0">
-            <a:schemeClr val="accent1"/>
-          </a:effectRef>
-          <a:fontRef idx="minor">
-            <a:schemeClr val="tx1"/>
-          </a:fontRef>
-        </p:style>
-      </p:cxnSp>
-    </p:spTree>
-    <p:extLst>
-      <p:ext uri="{BB962C8B-B14F-4D97-AF65-F5344CB8AC3E}">
-        <p14:creationId xmlns:p14="http://schemas.microsoft.com/office/powerpoint/2010/main" val="1551213103"/>
-      </p:ext>
-    </p:extLst>
-  </p:cSld>
-  <p:clrMapOvr>
-    <a:masterClrMapping/>
-  </p:clrMapOvr>
-</p:sld>
-</file>
-
-<file path=ppt/slides/slide5.xml><?xml version="1.0" encoding="utf-8"?>
-<p:sld xmlns:a="http://schemas.openxmlformats.org/drawingml/2006/main" xmlns:r="http://schemas.openxmlformats.org/officeDocument/2006/relationships" xmlns:p="http://schemas.openxmlformats.org/presentationml/2006/main">
-  <p:cSld>
-    <p:bg>
-      <p:bgPr>
-        <a:solidFill>
-          <a:schemeClr val="bg1"/>
-        </a:solidFill>
-        <a:effectLst/>
-      </p:bgPr>
-    </p:bg>
-    <p:spTree>
-      <p:nvGrpSpPr>
-        <p:cNvPr id="1" name=""/>
-        <p:cNvGrpSpPr/>
-        <p:nvPr/>
-      </p:nvGrpSpPr>
-      <p:grpSpPr>
-        <a:xfrm>
-          <a:off x="0" y="0"/>
-          <a:ext cx="0" cy="0"/>
-          <a:chOff x="0" y="0"/>
-          <a:chExt cx="0" cy="0"/>
-        </a:xfrm>
-      </p:grpSpPr>
       <p:sp>
         <p:nvSpPr>
           <p:cNvPr id="8" name="Rectangle 7">
@@ -9268,7 +4955,7 @@
 </p:sld>
 </file>
 
-<file path=ppt/slides/slide6.xml><?xml version="1.0" encoding="utf-8"?>
+<file path=ppt/slides/slide2.xml><?xml version="1.0" encoding="utf-8"?>
 <p:sld xmlns:a="http://schemas.openxmlformats.org/drawingml/2006/main" xmlns:r="http://schemas.openxmlformats.org/officeDocument/2006/relationships" xmlns:p="http://schemas.openxmlformats.org/presentationml/2006/main">
   <p:cSld>
     <p:bg>
@@ -10825,7 +6512,7 @@
 </p:sld>
 </file>
 
-<file path=ppt/slides/slide7.xml><?xml version="1.0" encoding="utf-8"?>
+<file path=ppt/slides/slide3.xml><?xml version="1.0" encoding="utf-8"?>
 <p:sld xmlns:a="http://schemas.openxmlformats.org/drawingml/2006/main" xmlns:r="http://schemas.openxmlformats.org/officeDocument/2006/relationships" xmlns:p="http://schemas.openxmlformats.org/presentationml/2006/main">
   <p:cSld>
     <p:bg>
@@ -11442,7 +7129,7 @@
 </p:sld>
 </file>
 
-<file path=ppt/slides/slide8.xml><?xml version="1.0" encoding="utf-8"?>
+<file path=ppt/slides/slide4.xml><?xml version="1.0" encoding="utf-8"?>
 <p:sld xmlns:a="http://schemas.openxmlformats.org/drawingml/2006/main" xmlns:r="http://schemas.openxmlformats.org/officeDocument/2006/relationships" xmlns:p="http://schemas.openxmlformats.org/presentationml/2006/main">
   <p:cSld>
     <p:bg>
@@ -12018,10 +7705,10 @@
       </p:sp>
       <p:pic>
         <p:nvPicPr>
-          <p:cNvPr id="6" name="Imagem 5">
-            <a:extLst>
-              <a:ext uri="{FF2B5EF4-FFF2-40B4-BE49-F238E27FC236}">
-                <a16:creationId xmlns:a16="http://schemas.microsoft.com/office/drawing/2014/main" id="{7515F5A0-4CD6-789A-6110-47E1A13DA8B8}"/>
+          <p:cNvPr id="9" name="Imagem 8" descr="Diagrama&#10;&#10;Descrição gerada automaticamente">
+            <a:extLst>
+              <a:ext uri="{FF2B5EF4-FFF2-40B4-BE49-F238E27FC236}">
+                <a16:creationId xmlns:a16="http://schemas.microsoft.com/office/drawing/2014/main" id="{251D1CB6-275C-CCA6-AC02-DB13CA8ADE77}"/>
               </a:ext>
             </a:extLst>
           </p:cNvPr>
@@ -12038,8 +7725,8 @@
         </p:blipFill>
         <p:spPr>
           <a:xfrm>
-            <a:off x="460954" y="61010"/>
-            <a:ext cx="11270092" cy="6735981"/>
+            <a:off x="757980" y="108213"/>
+            <a:ext cx="10676040" cy="6641574"/>
           </a:xfrm>
           <a:prstGeom prst="rect">
             <a:avLst/>
@@ -12059,7 +7746,7 @@
 </p:sld>
 </file>
 
-<file path=ppt/slides/slide9.xml><?xml version="1.0" encoding="utf-8"?>
+<file path=ppt/slides/slide5.xml><?xml version="1.0" encoding="utf-8"?>
 <p:sld xmlns:a="http://schemas.openxmlformats.org/drawingml/2006/main" xmlns:r="http://schemas.openxmlformats.org/officeDocument/2006/relationships" xmlns:p="http://schemas.openxmlformats.org/presentationml/2006/main">
   <p:cSld>
     <p:bg>
@@ -13589,4 +9276,299 @@
     </a:ext>
   </a:extLst>
 </a:theme>
+</file>
+
+<file path=ppt/theme/theme2.xml><?xml version="1.0" encoding="utf-8"?>
+<a:theme xmlns:a="http://schemas.openxmlformats.org/drawingml/2006/main" name="Tema do Office">
+  <a:themeElements>
+    <a:clrScheme name="Office">
+      <a:dk1>
+        <a:sysClr val="windowText" lastClr="000000"/>
+      </a:dk1>
+      <a:lt1>
+        <a:sysClr val="window" lastClr="FFFFFF"/>
+      </a:lt1>
+      <a:dk2>
+        <a:srgbClr val="44546A"/>
+      </a:dk2>
+      <a:lt2>
+        <a:srgbClr val="E7E6E6"/>
+      </a:lt2>
+      <a:accent1>
+        <a:srgbClr val="4472C4"/>
+      </a:accent1>
+      <a:accent2>
+        <a:srgbClr val="ED7D31"/>
+      </a:accent2>
+      <a:accent3>
+        <a:srgbClr val="A5A5A5"/>
+      </a:accent3>
+      <a:accent4>
+        <a:srgbClr val="FFC000"/>
+      </a:accent4>
+      <a:accent5>
+        <a:srgbClr val="5B9BD5"/>
+      </a:accent5>
+      <a:accent6>
+        <a:srgbClr val="70AD47"/>
+      </a:accent6>
+      <a:hlink>
+        <a:srgbClr val="0563C1"/>
+      </a:hlink>
+      <a:folHlink>
+        <a:srgbClr val="954F72"/>
+      </a:folHlink>
+    </a:clrScheme>
+    <a:fontScheme name="Office">
+      <a:majorFont>
+        <a:latin typeface="Calibri Light" panose="020F0302020204030204"/>
+        <a:ea typeface=""/>
+        <a:cs typeface=""/>
+        <a:font script="Jpan" typeface="游ゴシック Light"/>
+        <a:font script="Hang" typeface="맑은 고딕"/>
+        <a:font script="Hans" typeface="等线 Light"/>
+        <a:font script="Hant" typeface="新細明體"/>
+        <a:font script="Arab" typeface="Times New Roman"/>
+        <a:font script="Hebr" typeface="Times New Roman"/>
+        <a:font script="Thai" typeface="Angsana New"/>
+        <a:font script="Ethi" typeface="Nyala"/>
+        <a:font script="Beng" typeface="Vrinda"/>
+        <a:font script="Gujr" typeface="Shruti"/>
+        <a:font script="Khmr" typeface="MoolBoran"/>
+        <a:font script="Knda" typeface="Tunga"/>
+        <a:font script="Guru" typeface="Raavi"/>
+        <a:font script="Cans" typeface="Euphemia"/>
+        <a:font script="Cher" typeface="Plantagenet Cherokee"/>
+        <a:font script="Yiii" typeface="Microsoft Yi Baiti"/>
+        <a:font script="Tibt" typeface="Microsoft Himalaya"/>
+        <a:font script="Thaa" typeface="MV Boli"/>
+        <a:font script="Deva" typeface="Mangal"/>
+        <a:font script="Telu" typeface="Gautami"/>
+        <a:font script="Taml" typeface="Latha"/>
+        <a:font script="Syrc" typeface="Estrangelo Edessa"/>
+        <a:font script="Orya" typeface="Kalinga"/>
+        <a:font script="Mlym" typeface="Kartika"/>
+        <a:font script="Laoo" typeface="DokChampa"/>
+        <a:font script="Sinh" typeface="Iskoola Pota"/>
+        <a:font script="Mong" typeface="Mongolian Baiti"/>
+        <a:font script="Viet" typeface="Times New Roman"/>
+        <a:font script="Uigh" typeface="Microsoft Uighur"/>
+        <a:font script="Geor" typeface="Sylfaen"/>
+        <a:font script="Armn" typeface="Arial"/>
+        <a:font script="Bugi" typeface="Leelawadee UI"/>
+        <a:font script="Bopo" typeface="Microsoft JhengHei"/>
+        <a:font script="Java" typeface="Javanese Text"/>
+        <a:font script="Lisu" typeface="Segoe UI"/>
+        <a:font script="Mymr" typeface="Myanmar Text"/>
+        <a:font script="Nkoo" typeface="Ebrima"/>
+        <a:font script="Olck" typeface="Nirmala UI"/>
+        <a:font script="Osma" typeface="Ebrima"/>
+        <a:font script="Phag" typeface="Phagspa"/>
+        <a:font script="Syrn" typeface="Estrangelo Edessa"/>
+        <a:font script="Syrj" typeface="Estrangelo Edessa"/>
+        <a:font script="Syre" typeface="Estrangelo Edessa"/>
+        <a:font script="Sora" typeface="Nirmala UI"/>
+        <a:font script="Tale" typeface="Microsoft Tai Le"/>
+        <a:font script="Talu" typeface="Microsoft New Tai Lue"/>
+        <a:font script="Tfng" typeface="Ebrima"/>
+      </a:majorFont>
+      <a:minorFont>
+        <a:latin typeface="Calibri" panose="020F0502020204030204"/>
+        <a:ea typeface=""/>
+        <a:cs typeface=""/>
+        <a:font script="Jpan" typeface="游ゴシック"/>
+        <a:font script="Hang" typeface="맑은 고딕"/>
+        <a:font script="Hans" typeface="等线"/>
+        <a:font script="Hant" typeface="新細明體"/>
+        <a:font script="Arab" typeface="Arial"/>
+        <a:font script="Hebr" typeface="Arial"/>
+        <a:font script="Thai" typeface="Cordia New"/>
+        <a:font script="Ethi" typeface="Nyala"/>
+        <a:font script="Beng" typeface="Vrinda"/>
+        <a:font script="Gujr" typeface="Shruti"/>
+        <a:font script="Khmr" typeface="DaunPenh"/>
+        <a:font script="Knda" typeface="Tunga"/>
+        <a:font script="Guru" typeface="Raavi"/>
+        <a:font script="Cans" typeface="Euphemia"/>
+        <a:font script="Cher" typeface="Plantagenet Cherokee"/>
+        <a:font script="Yiii" typeface="Microsoft Yi Baiti"/>
+        <a:font script="Tibt" typeface="Microsoft Himalaya"/>
+        <a:font script="Thaa" typeface="MV Boli"/>
+        <a:font script="Deva" typeface="Mangal"/>
+        <a:font script="Telu" typeface="Gautami"/>
+        <a:font script="Taml" typeface="Latha"/>
+        <a:font script="Syrc" typeface="Estrangelo Edessa"/>
+        <a:font script="Orya" typeface="Kalinga"/>
+        <a:font script="Mlym" typeface="Kartika"/>
+        <a:font script="Laoo" typeface="DokChampa"/>
+        <a:font script="Sinh" typeface="Iskoola Pota"/>
+        <a:font script="Mong" typeface="Mongolian Baiti"/>
+        <a:font script="Viet" typeface="Arial"/>
+        <a:font script="Uigh" typeface="Microsoft Uighur"/>
+        <a:font script="Geor" typeface="Sylfaen"/>
+        <a:font script="Armn" typeface="Arial"/>
+        <a:font script="Bugi" typeface="Leelawadee UI"/>
+        <a:font script="Bopo" typeface="Microsoft JhengHei"/>
+        <a:font script="Java" typeface="Javanese Text"/>
+        <a:font script="Lisu" typeface="Segoe UI"/>
+        <a:font script="Mymr" typeface="Myanmar Text"/>
+        <a:font script="Nkoo" typeface="Ebrima"/>
+        <a:font script="Olck" typeface="Nirmala UI"/>
+        <a:font script="Osma" typeface="Ebrima"/>
+        <a:font script="Phag" typeface="Phagspa"/>
+        <a:font script="Syrn" typeface="Estrangelo Edessa"/>
+        <a:font script="Syrj" typeface="Estrangelo Edessa"/>
+        <a:font script="Syre" typeface="Estrangelo Edessa"/>
+        <a:font script="Sora" typeface="Nirmala UI"/>
+        <a:font script="Tale" typeface="Microsoft Tai Le"/>
+        <a:font script="Talu" typeface="Microsoft New Tai Lue"/>
+        <a:font script="Tfng" typeface="Ebrima"/>
+      </a:minorFont>
+    </a:fontScheme>
+    <a:fmtScheme name="Office">
+      <a:fillStyleLst>
+        <a:solidFill>
+          <a:schemeClr val="phClr"/>
+        </a:solidFill>
+        <a:gradFill rotWithShape="1">
+          <a:gsLst>
+            <a:gs pos="0">
+              <a:schemeClr val="phClr">
+                <a:lumMod val="110000"/>
+                <a:satMod val="105000"/>
+                <a:tint val="67000"/>
+              </a:schemeClr>
+            </a:gs>
+            <a:gs pos="50000">
+              <a:schemeClr val="phClr">
+                <a:lumMod val="105000"/>
+                <a:satMod val="103000"/>
+                <a:tint val="73000"/>
+              </a:schemeClr>
+            </a:gs>
+            <a:gs pos="100000">
+              <a:schemeClr val="phClr">
+                <a:lumMod val="105000"/>
+                <a:satMod val="109000"/>
+                <a:tint val="81000"/>
+              </a:schemeClr>
+            </a:gs>
+          </a:gsLst>
+          <a:lin ang="5400000" scaled="0"/>
+        </a:gradFill>
+        <a:gradFill rotWithShape="1">
+          <a:gsLst>
+            <a:gs pos="0">
+              <a:schemeClr val="phClr">
+                <a:satMod val="103000"/>
+                <a:lumMod val="102000"/>
+                <a:tint val="94000"/>
+              </a:schemeClr>
+            </a:gs>
+            <a:gs pos="50000">
+              <a:schemeClr val="phClr">
+                <a:satMod val="110000"/>
+                <a:lumMod val="100000"/>
+                <a:shade val="100000"/>
+              </a:schemeClr>
+            </a:gs>
+            <a:gs pos="100000">
+              <a:schemeClr val="phClr">
+                <a:lumMod val="99000"/>
+                <a:satMod val="120000"/>
+                <a:shade val="78000"/>
+              </a:schemeClr>
+            </a:gs>
+          </a:gsLst>
+          <a:lin ang="5400000" scaled="0"/>
+        </a:gradFill>
+      </a:fillStyleLst>
+      <a:lnStyleLst>
+        <a:ln w="6350" cap="flat" cmpd="sng" algn="ctr">
+          <a:solidFill>
+            <a:schemeClr val="phClr"/>
+          </a:solidFill>
+          <a:prstDash val="solid"/>
+          <a:miter lim="800000"/>
+        </a:ln>
+        <a:ln w="12700" cap="flat" cmpd="sng" algn="ctr">
+          <a:solidFill>
+            <a:schemeClr val="phClr"/>
+          </a:solidFill>
+          <a:prstDash val="solid"/>
+          <a:miter lim="800000"/>
+        </a:ln>
+        <a:ln w="19050" cap="flat" cmpd="sng" algn="ctr">
+          <a:solidFill>
+            <a:schemeClr val="phClr"/>
+          </a:solidFill>
+          <a:prstDash val="solid"/>
+          <a:miter lim="800000"/>
+        </a:ln>
+      </a:lnStyleLst>
+      <a:effectStyleLst>
+        <a:effectStyle>
+          <a:effectLst/>
+        </a:effectStyle>
+        <a:effectStyle>
+          <a:effectLst/>
+        </a:effectStyle>
+        <a:effectStyle>
+          <a:effectLst>
+            <a:outerShdw blurRad="57150" dist="19050" dir="5400000" algn="ctr" rotWithShape="0">
+              <a:srgbClr val="000000">
+                <a:alpha val="63000"/>
+              </a:srgbClr>
+            </a:outerShdw>
+          </a:effectLst>
+        </a:effectStyle>
+      </a:effectStyleLst>
+      <a:bgFillStyleLst>
+        <a:solidFill>
+          <a:schemeClr val="phClr"/>
+        </a:solidFill>
+        <a:solidFill>
+          <a:schemeClr val="phClr">
+            <a:tint val="95000"/>
+            <a:satMod val="170000"/>
+          </a:schemeClr>
+        </a:solidFill>
+        <a:gradFill rotWithShape="1">
+          <a:gsLst>
+            <a:gs pos="0">
+              <a:schemeClr val="phClr">
+                <a:tint val="93000"/>
+                <a:satMod val="150000"/>
+                <a:shade val="98000"/>
+                <a:lumMod val="102000"/>
+              </a:schemeClr>
+            </a:gs>
+            <a:gs pos="50000">
+              <a:schemeClr val="phClr">
+                <a:tint val="98000"/>
+                <a:satMod val="130000"/>
+                <a:shade val="90000"/>
+                <a:lumMod val="103000"/>
+              </a:schemeClr>
+            </a:gs>
+            <a:gs pos="100000">
+              <a:schemeClr val="phClr">
+                <a:shade val="63000"/>
+                <a:satMod val="120000"/>
+              </a:schemeClr>
+            </a:gs>
+          </a:gsLst>
+          <a:lin ang="5400000" scaled="0"/>
+        </a:gradFill>
+      </a:bgFillStyleLst>
+    </a:fmtScheme>
+  </a:themeElements>
+  <a:objectDefaults/>
+  <a:extraClrSchemeLst/>
+  <a:extLst>
+    <a:ext uri="{05A4C25C-085E-4340-85A3-A5531E510DB2}">
+      <thm15:themeFamily xmlns:thm15="http://schemas.microsoft.com/office/thememl/2012/main" name="Office Theme" id="{62F939B6-93AF-4DB8-9C6B-D6C7DFDC589F}" vid="{4A3C46E8-61CC-4603-A589-7422A47A8E4A}"/>
+    </a:ext>
+  </a:extLst>
+</a:theme>
 </file>